--- a/Practical examples of accelerating numerical and ML research.pptx
+++ b/Practical examples of accelerating numerical and ML research.pptx
@@ -5,7 +5,7 @@
     <p:sldMasterId id="2147483712" r:id="rId1"/>
   </p:sldMasterIdLst>
   <p:notesMasterIdLst>
-    <p:notesMasterId r:id="rId16"/>
+    <p:notesMasterId r:id="rId22"/>
   </p:notesMasterIdLst>
   <p:sldIdLst>
     <p:sldId id="256" r:id="rId2"/>
@@ -18,10 +18,16 @@
     <p:sldId id="264" r:id="rId9"/>
     <p:sldId id="263" r:id="rId10"/>
     <p:sldId id="265" r:id="rId11"/>
-    <p:sldId id="266" r:id="rId12"/>
-    <p:sldId id="267" r:id="rId13"/>
-    <p:sldId id="268" r:id="rId14"/>
-    <p:sldId id="270" r:id="rId15"/>
+    <p:sldId id="271" r:id="rId12"/>
+    <p:sldId id="272" r:id="rId13"/>
+    <p:sldId id="266" r:id="rId14"/>
+    <p:sldId id="276" r:id="rId15"/>
+    <p:sldId id="267" r:id="rId16"/>
+    <p:sldId id="268" r:id="rId17"/>
+    <p:sldId id="270" r:id="rId18"/>
+    <p:sldId id="274" r:id="rId19"/>
+    <p:sldId id="277" r:id="rId20"/>
+    <p:sldId id="275" r:id="rId21"/>
   </p:sldIdLst>
   <p:sldSz cx="12192000" cy="6858000"/>
   <p:notesSz cx="6858000" cy="9144000"/>
@@ -5024,7 +5030,7 @@
                             </p:stCondLst>
                             <p:childTnLst>
                               <p:par>
-                                <p:cTn id="5" presetID="1" presetClass="entr" presetSubtype="0" fill="hold" grpId="0" nodeType="clickEffect">
+                                <p:cTn id="5" presetID="10" presetClass="entr" presetSubtype="0" fill="hold" nodeType="clickEffect">
                                   <p:stCondLst>
                                     <p:cond delay="0"/>
                                   </p:stCondLst>
@@ -5032,6 +5038,59 @@
                                     <p:set>
                                       <p:cBhvr>
                                         <p:cTn id="6" dur="1" fill="hold">
+                                          <p:stCondLst>
+                                            <p:cond delay="0"/>
+                                          </p:stCondLst>
+                                        </p:cTn>
+                                        <p:tgtEl>
+                                          <p:spTgt spid="16"/>
+                                        </p:tgtEl>
+                                        <p:attrNameLst>
+                                          <p:attrName>style.visibility</p:attrName>
+                                        </p:attrNameLst>
+                                      </p:cBhvr>
+                                      <p:to>
+                                        <p:strVal val="visible"/>
+                                      </p:to>
+                                    </p:set>
+                                    <p:animEffect transition="in" filter="fade">
+                                      <p:cBhvr>
+                                        <p:cTn id="7" dur="500"/>
+                                        <p:tgtEl>
+                                          <p:spTgt spid="16"/>
+                                        </p:tgtEl>
+                                      </p:cBhvr>
+                                    </p:animEffect>
+                                  </p:childTnLst>
+                                </p:cTn>
+                              </p:par>
+                            </p:childTnLst>
+                          </p:cTn>
+                        </p:par>
+                      </p:childTnLst>
+                    </p:cTn>
+                  </p:par>
+                  <p:par>
+                    <p:cTn id="8" fill="hold">
+                      <p:stCondLst>
+                        <p:cond delay="indefinite"/>
+                      </p:stCondLst>
+                      <p:childTnLst>
+                        <p:par>
+                          <p:cTn id="9" fill="hold">
+                            <p:stCondLst>
+                              <p:cond delay="0"/>
+                            </p:stCondLst>
+                            <p:childTnLst>
+                              <p:par>
+                                <p:cTn id="10" presetID="1" presetClass="entr" presetSubtype="0" fill="hold" grpId="0" nodeType="clickEffect">
+                                  <p:stCondLst>
+                                    <p:cond delay="0"/>
+                                  </p:stCondLst>
+                                  <p:childTnLst>
+                                    <p:set>
+                                      <p:cBhvr>
+                                        <p:cTn id="11" dur="1" fill="hold">
                                           <p:stCondLst>
                                             <p:cond delay="0"/>
                                           </p:stCondLst>
@@ -5050,33 +5109,15 @@
                                   </p:childTnLst>
                                 </p:cTn>
                               </p:par>
-                            </p:childTnLst>
-                          </p:cTn>
-                        </p:par>
-                      </p:childTnLst>
-                    </p:cTn>
-                  </p:par>
-                  <p:par>
-                    <p:cTn id="7" fill="hold">
-                      <p:stCondLst>
-                        <p:cond delay="indefinite"/>
-                      </p:stCondLst>
-                      <p:childTnLst>
-                        <p:par>
-                          <p:cTn id="8" fill="hold">
-                            <p:stCondLst>
-                              <p:cond delay="0"/>
-                            </p:stCondLst>
-                            <p:childTnLst>
                               <p:par>
-                                <p:cTn id="9" presetID="10" presetClass="entr" presetSubtype="0" fill="hold" grpId="0" nodeType="clickEffect">
+                                <p:cTn id="12" presetID="10" presetClass="entr" presetSubtype="0" fill="hold" grpId="0" nodeType="withEffect">
                                   <p:stCondLst>
                                     <p:cond delay="0"/>
                                   </p:stCondLst>
                                   <p:childTnLst>
                                     <p:set>
                                       <p:cBhvr>
-                                        <p:cTn id="10" dur="1" fill="hold">
+                                        <p:cTn id="13" dur="1" fill="hold">
                                           <p:stCondLst>
                                             <p:cond delay="0"/>
                                           </p:stCondLst>
@@ -5094,7 +5135,7 @@
                                     </p:set>
                                     <p:animEffect transition="in" filter="fade">
                                       <p:cBhvr>
-                                        <p:cTn id="11" dur="500"/>
+                                        <p:cTn id="14" dur="500"/>
                                         <p:tgtEl>
                                           <p:spTgt spid="18"/>
                                         </p:tgtEl>
@@ -5160,6 +5201,629 @@
           <p:cNvPr id="2" name="Title 1">
             <a:extLst>
               <a:ext uri="{FF2B5EF4-FFF2-40B4-BE49-F238E27FC236}">
+                <a16:creationId xmlns:a16="http://schemas.microsoft.com/office/drawing/2014/main" id="{4AC2C904-3F7B-75DD-D911-7A3DD70E23A5}"/>
+              </a:ext>
+            </a:extLst>
+          </p:cNvPr>
+          <p:cNvSpPr>
+            <a:spLocks noGrp="1"/>
+          </p:cNvSpPr>
+          <p:nvPr>
+            <p:ph type="title"/>
+          </p:nvPr>
+        </p:nvSpPr>
+        <p:spPr/>
+        <p:txBody>
+          <a:bodyPr/>
+          <a:lstStyle/>
+          <a:p>
+            <a:r>
+              <a:rPr lang="en-GB" dirty="0"/>
+              <a:t>Relative Performance</a:t>
+            </a:r>
+          </a:p>
+        </p:txBody>
+      </p:sp>
+      <p:pic>
+        <p:nvPicPr>
+          <p:cNvPr id="5" name="Content Placeholder 4" descr="Chart&#10;&#10;Description automatically generated">
+            <a:extLst>
+              <a:ext uri="{FF2B5EF4-FFF2-40B4-BE49-F238E27FC236}">
+                <a16:creationId xmlns:a16="http://schemas.microsoft.com/office/drawing/2014/main" id="{6FD1FDF1-3279-E560-72E1-73CE3EF3C903}"/>
+              </a:ext>
+            </a:extLst>
+          </p:cNvPr>
+          <p:cNvPicPr>
+            <a:picLocks noGrp="1" noChangeAspect="1"/>
+          </p:cNvPicPr>
+          <p:nvPr>
+            <p:ph idx="1"/>
+          </p:nvPr>
+        </p:nvPicPr>
+        <p:blipFill>
+          <a:blip r:embed="rId2">
+            <a:extLst>
+              <a:ext uri="{28A0092B-C50C-407E-A947-70E740481C1C}">
+                <a14:useLocalDpi xmlns:a14="http://schemas.microsoft.com/office/drawing/2010/main" val="0"/>
+              </a:ext>
+            </a:extLst>
+          </a:blip>
+          <a:stretch>
+            <a:fillRect/>
+          </a:stretch>
+        </p:blipFill>
+        <p:spPr>
+          <a:xfrm>
+            <a:off x="3218656" y="2576513"/>
+            <a:ext cx="5400675" cy="3600450"/>
+          </a:xfrm>
+        </p:spPr>
+      </p:pic>
+      <p:grpSp>
+        <p:nvGrpSpPr>
+          <p:cNvPr id="14" name="Group 13">
+            <a:extLst>
+              <a:ext uri="{FF2B5EF4-FFF2-40B4-BE49-F238E27FC236}">
+                <a16:creationId xmlns:a16="http://schemas.microsoft.com/office/drawing/2014/main" id="{BC37C0BD-E584-D16D-958F-CE9FC4C48FD1}"/>
+              </a:ext>
+            </a:extLst>
+          </p:cNvPr>
+          <p:cNvGrpSpPr/>
+          <p:nvPr/>
+        </p:nvGrpSpPr>
+        <p:grpSpPr>
+          <a:xfrm>
+            <a:off x="8209280" y="4140200"/>
+            <a:ext cx="1523998" cy="472440"/>
+            <a:chOff x="8209280" y="4140200"/>
+            <a:chExt cx="1523998" cy="472440"/>
+          </a:xfrm>
+        </p:grpSpPr>
+        <p:cxnSp>
+          <p:nvCxnSpPr>
+            <p:cNvPr id="9" name="Straight Arrow Connector 8">
+              <a:extLst>
+                <a:ext uri="{FF2B5EF4-FFF2-40B4-BE49-F238E27FC236}">
+                  <a16:creationId xmlns:a16="http://schemas.microsoft.com/office/drawing/2014/main" id="{7B233305-F3D2-62A4-8A5C-FC510CA4DCCE}"/>
+                </a:ext>
+              </a:extLst>
+            </p:cNvPr>
+            <p:cNvCxnSpPr/>
+            <p:nvPr/>
+          </p:nvCxnSpPr>
+          <p:spPr>
+            <a:xfrm>
+              <a:off x="8209280" y="4140200"/>
+              <a:ext cx="0" cy="472440"/>
+            </a:xfrm>
+            <a:prstGeom prst="straightConnector1">
+              <a:avLst/>
+            </a:prstGeom>
+            <a:ln w="19050">
+              <a:solidFill>
+                <a:srgbClr val="FF0000"/>
+              </a:solidFill>
+              <a:headEnd type="triangle"/>
+              <a:tailEnd type="triangle"/>
+            </a:ln>
+          </p:spPr>
+          <p:style>
+            <a:lnRef idx="1">
+              <a:schemeClr val="accent1"/>
+            </a:lnRef>
+            <a:fillRef idx="0">
+              <a:schemeClr val="accent1"/>
+            </a:fillRef>
+            <a:effectRef idx="0">
+              <a:schemeClr val="accent1"/>
+            </a:effectRef>
+            <a:fontRef idx="minor">
+              <a:schemeClr val="tx1"/>
+            </a:fontRef>
+          </p:style>
+        </p:cxnSp>
+        <p:sp>
+          <p:nvSpPr>
+            <p:cNvPr id="10" name="TextBox 9">
+              <a:extLst>
+                <a:ext uri="{FF2B5EF4-FFF2-40B4-BE49-F238E27FC236}">
+                  <a16:creationId xmlns:a16="http://schemas.microsoft.com/office/drawing/2014/main" id="{86B8DF00-A144-1928-1018-575BCAA301FF}"/>
+                </a:ext>
+              </a:extLst>
+            </p:cNvPr>
+            <p:cNvSpPr txBox="1"/>
+            <p:nvPr/>
+          </p:nvSpPr>
+          <p:spPr>
+            <a:xfrm>
+              <a:off x="8280399" y="4226560"/>
+              <a:ext cx="1452879" cy="369332"/>
+            </a:xfrm>
+            <a:prstGeom prst="rect">
+              <a:avLst/>
+            </a:prstGeom>
+            <a:noFill/>
+          </p:spPr>
+          <p:txBody>
+            <a:bodyPr wrap="square" rtlCol="0">
+              <a:spAutoFit/>
+            </a:bodyPr>
+            <a:lstStyle/>
+            <a:p>
+              <a:r>
+                <a:rPr lang="en-GB" dirty="0"/>
+                <a:t>~7x slower</a:t>
+              </a:r>
+            </a:p>
+          </p:txBody>
+        </p:sp>
+      </p:grpSp>
+      <p:grpSp>
+        <p:nvGrpSpPr>
+          <p:cNvPr id="15" name="Group 14">
+            <a:extLst>
+              <a:ext uri="{FF2B5EF4-FFF2-40B4-BE49-F238E27FC236}">
+                <a16:creationId xmlns:a16="http://schemas.microsoft.com/office/drawing/2014/main" id="{DB6016D7-D3BA-7396-6C9D-DD0B8A84E05F}"/>
+              </a:ext>
+            </a:extLst>
+          </p:cNvPr>
+          <p:cNvGrpSpPr/>
+          <p:nvPr/>
+        </p:nvGrpSpPr>
+        <p:grpSpPr>
+          <a:xfrm>
+            <a:off x="8305799" y="3667760"/>
+            <a:ext cx="1547967" cy="472440"/>
+            <a:chOff x="8305799" y="3667760"/>
+            <a:chExt cx="1547967" cy="472440"/>
+          </a:xfrm>
+        </p:grpSpPr>
+        <p:sp>
+          <p:nvSpPr>
+            <p:cNvPr id="12" name="TextBox 11">
+              <a:extLst>
+                <a:ext uri="{FF2B5EF4-FFF2-40B4-BE49-F238E27FC236}">
+                  <a16:creationId xmlns:a16="http://schemas.microsoft.com/office/drawing/2014/main" id="{B16D2037-3ACD-26FD-0A30-569DDD14BCE3}"/>
+                </a:ext>
+              </a:extLst>
+            </p:cNvPr>
+            <p:cNvSpPr txBox="1"/>
+            <p:nvPr/>
+          </p:nvSpPr>
+          <p:spPr>
+            <a:xfrm>
+              <a:off x="8400887" y="3719314"/>
+              <a:ext cx="1452879" cy="369332"/>
+            </a:xfrm>
+            <a:prstGeom prst="rect">
+              <a:avLst/>
+            </a:prstGeom>
+            <a:noFill/>
+          </p:spPr>
+          <p:txBody>
+            <a:bodyPr wrap="square" rtlCol="0">
+              <a:spAutoFit/>
+            </a:bodyPr>
+            <a:lstStyle/>
+            <a:p>
+              <a:r>
+                <a:rPr lang="en-GB" dirty="0"/>
+                <a:t>~4.5x faster</a:t>
+              </a:r>
+            </a:p>
+          </p:txBody>
+        </p:sp>
+        <p:cxnSp>
+          <p:nvCxnSpPr>
+            <p:cNvPr id="13" name="Straight Arrow Connector 12">
+              <a:extLst>
+                <a:ext uri="{FF2B5EF4-FFF2-40B4-BE49-F238E27FC236}">
+                  <a16:creationId xmlns:a16="http://schemas.microsoft.com/office/drawing/2014/main" id="{0125DD27-FDC4-5A77-5C03-EBF904F94EB2}"/>
+                </a:ext>
+              </a:extLst>
+            </p:cNvPr>
+            <p:cNvCxnSpPr/>
+            <p:nvPr/>
+          </p:nvCxnSpPr>
+          <p:spPr>
+            <a:xfrm>
+              <a:off x="8305799" y="3667760"/>
+              <a:ext cx="0" cy="472440"/>
+            </a:xfrm>
+            <a:prstGeom prst="straightConnector1">
+              <a:avLst/>
+            </a:prstGeom>
+            <a:ln w="19050">
+              <a:solidFill>
+                <a:srgbClr val="FF0000"/>
+              </a:solidFill>
+              <a:headEnd type="triangle"/>
+              <a:tailEnd type="triangle"/>
+            </a:ln>
+          </p:spPr>
+          <p:style>
+            <a:lnRef idx="1">
+              <a:schemeClr val="accent1"/>
+            </a:lnRef>
+            <a:fillRef idx="0">
+              <a:schemeClr val="accent1"/>
+            </a:fillRef>
+            <a:effectRef idx="0">
+              <a:schemeClr val="accent1"/>
+            </a:effectRef>
+            <a:fontRef idx="minor">
+              <a:schemeClr val="tx1"/>
+            </a:fontRef>
+          </p:style>
+        </p:cxnSp>
+      </p:grpSp>
+    </p:spTree>
+    <p:extLst>
+      <p:ext uri="{BB962C8B-B14F-4D97-AF65-F5344CB8AC3E}">
+        <p14:creationId xmlns:p14="http://schemas.microsoft.com/office/powerpoint/2010/main" val="2549153462"/>
+      </p:ext>
+    </p:extLst>
+  </p:cSld>
+  <p:clrMapOvr>
+    <a:masterClrMapping/>
+  </p:clrMapOvr>
+  <mc:AlternateContent xmlns:mc="http://schemas.openxmlformats.org/markup-compatibility/2006">
+    <mc:Choice xmlns:p14="http://schemas.microsoft.com/office/powerpoint/2010/main" Requires="p14">
+      <p:transition p14:dur="250">
+        <p:fade/>
+      </p:transition>
+    </mc:Choice>
+    <mc:Fallback>
+      <p:transition>
+        <p:fade/>
+      </p:transition>
+    </mc:Fallback>
+  </mc:AlternateContent>
+  <p:timing>
+    <p:tnLst>
+      <p:par>
+        <p:cTn id="1" dur="indefinite" restart="never" nodeType="tmRoot">
+          <p:childTnLst>
+            <p:seq concurrent="1" nextAc="seek">
+              <p:cTn id="2" dur="indefinite" nodeType="mainSeq">
+                <p:childTnLst>
+                  <p:par>
+                    <p:cTn id="3" fill="hold">
+                      <p:stCondLst>
+                        <p:cond delay="indefinite"/>
+                      </p:stCondLst>
+                      <p:childTnLst>
+                        <p:par>
+                          <p:cTn id="4" fill="hold">
+                            <p:stCondLst>
+                              <p:cond delay="0"/>
+                            </p:stCondLst>
+                            <p:childTnLst>
+                              <p:par>
+                                <p:cTn id="5" presetID="10" presetClass="entr" presetSubtype="0" fill="hold" nodeType="clickEffect">
+                                  <p:stCondLst>
+                                    <p:cond delay="0"/>
+                                  </p:stCondLst>
+                                  <p:childTnLst>
+                                    <p:set>
+                                      <p:cBhvr>
+                                        <p:cTn id="6" dur="1" fill="hold">
+                                          <p:stCondLst>
+                                            <p:cond delay="0"/>
+                                          </p:stCondLst>
+                                        </p:cTn>
+                                        <p:tgtEl>
+                                          <p:spTgt spid="14"/>
+                                        </p:tgtEl>
+                                        <p:attrNameLst>
+                                          <p:attrName>style.visibility</p:attrName>
+                                        </p:attrNameLst>
+                                      </p:cBhvr>
+                                      <p:to>
+                                        <p:strVal val="visible"/>
+                                      </p:to>
+                                    </p:set>
+                                    <p:animEffect transition="in" filter="fade">
+                                      <p:cBhvr>
+                                        <p:cTn id="7" dur="250"/>
+                                        <p:tgtEl>
+                                          <p:spTgt spid="14"/>
+                                        </p:tgtEl>
+                                      </p:cBhvr>
+                                    </p:animEffect>
+                                  </p:childTnLst>
+                                </p:cTn>
+                              </p:par>
+                            </p:childTnLst>
+                          </p:cTn>
+                        </p:par>
+                      </p:childTnLst>
+                    </p:cTn>
+                  </p:par>
+                  <p:par>
+                    <p:cTn id="8" fill="hold">
+                      <p:stCondLst>
+                        <p:cond delay="indefinite"/>
+                      </p:stCondLst>
+                      <p:childTnLst>
+                        <p:par>
+                          <p:cTn id="9" fill="hold">
+                            <p:stCondLst>
+                              <p:cond delay="0"/>
+                            </p:stCondLst>
+                            <p:childTnLst>
+                              <p:par>
+                                <p:cTn id="10" presetID="10" presetClass="exit" presetSubtype="0" fill="hold" nodeType="clickEffect">
+                                  <p:stCondLst>
+                                    <p:cond delay="0"/>
+                                  </p:stCondLst>
+                                  <p:childTnLst>
+                                    <p:animEffect transition="out" filter="fade">
+                                      <p:cBhvr>
+                                        <p:cTn id="11" dur="250"/>
+                                        <p:tgtEl>
+                                          <p:spTgt spid="14"/>
+                                        </p:tgtEl>
+                                      </p:cBhvr>
+                                    </p:animEffect>
+                                    <p:set>
+                                      <p:cBhvr>
+                                        <p:cTn id="12" dur="1" fill="hold">
+                                          <p:stCondLst>
+                                            <p:cond delay="249"/>
+                                          </p:stCondLst>
+                                        </p:cTn>
+                                        <p:tgtEl>
+                                          <p:spTgt spid="14"/>
+                                        </p:tgtEl>
+                                        <p:attrNameLst>
+                                          <p:attrName>style.visibility</p:attrName>
+                                        </p:attrNameLst>
+                                      </p:cBhvr>
+                                      <p:to>
+                                        <p:strVal val="hidden"/>
+                                      </p:to>
+                                    </p:set>
+                                  </p:childTnLst>
+                                </p:cTn>
+                              </p:par>
+                            </p:childTnLst>
+                          </p:cTn>
+                        </p:par>
+                        <p:par>
+                          <p:cTn id="13" fill="hold">
+                            <p:stCondLst>
+                              <p:cond delay="250"/>
+                            </p:stCondLst>
+                            <p:childTnLst>
+                              <p:par>
+                                <p:cTn id="14" presetID="10" presetClass="entr" presetSubtype="0" fill="hold" nodeType="afterEffect">
+                                  <p:stCondLst>
+                                    <p:cond delay="0"/>
+                                  </p:stCondLst>
+                                  <p:childTnLst>
+                                    <p:set>
+                                      <p:cBhvr>
+                                        <p:cTn id="15" dur="1" fill="hold">
+                                          <p:stCondLst>
+                                            <p:cond delay="0"/>
+                                          </p:stCondLst>
+                                        </p:cTn>
+                                        <p:tgtEl>
+                                          <p:spTgt spid="15"/>
+                                        </p:tgtEl>
+                                        <p:attrNameLst>
+                                          <p:attrName>style.visibility</p:attrName>
+                                        </p:attrNameLst>
+                                      </p:cBhvr>
+                                      <p:to>
+                                        <p:strVal val="visible"/>
+                                      </p:to>
+                                    </p:set>
+                                    <p:animEffect transition="in" filter="fade">
+                                      <p:cBhvr>
+                                        <p:cTn id="16" dur="250"/>
+                                        <p:tgtEl>
+                                          <p:spTgt spid="15"/>
+                                        </p:tgtEl>
+                                      </p:cBhvr>
+                                    </p:animEffect>
+                                  </p:childTnLst>
+                                </p:cTn>
+                              </p:par>
+                            </p:childTnLst>
+                          </p:cTn>
+                        </p:par>
+                      </p:childTnLst>
+                    </p:cTn>
+                  </p:par>
+                </p:childTnLst>
+              </p:cTn>
+              <p:prevCondLst>
+                <p:cond evt="onPrev" delay="0">
+                  <p:tgtEl>
+                    <p:sldTgt/>
+                  </p:tgtEl>
+                </p:cond>
+              </p:prevCondLst>
+              <p:nextCondLst>
+                <p:cond evt="onNext" delay="0">
+                  <p:tgtEl>
+                    <p:sldTgt/>
+                  </p:tgtEl>
+                </p:cond>
+              </p:nextCondLst>
+            </p:seq>
+          </p:childTnLst>
+        </p:cTn>
+      </p:par>
+    </p:tnLst>
+  </p:timing>
+</p:sld>
+</file>
+
+<file path=ppt/slides/slide12.xml><?xml version="1.0" encoding="utf-8"?>
+<p:sld xmlns:a="http://schemas.openxmlformats.org/drawingml/2006/main" xmlns:r="http://schemas.openxmlformats.org/officeDocument/2006/relationships" xmlns:p="http://schemas.openxmlformats.org/presentationml/2006/main">
+  <p:cSld>
+    <p:spTree>
+      <p:nvGrpSpPr>
+        <p:cNvPr id="1" name=""/>
+        <p:cNvGrpSpPr/>
+        <p:nvPr/>
+      </p:nvGrpSpPr>
+      <p:grpSpPr>
+        <a:xfrm>
+          <a:off x="0" y="0"/>
+          <a:ext cx="0" cy="0"/>
+          <a:chOff x="0" y="0"/>
+          <a:chExt cx="0" cy="0"/>
+        </a:xfrm>
+      </p:grpSpPr>
+      <p:sp>
+        <p:nvSpPr>
+          <p:cNvPr id="2" name="Title 1">
+            <a:extLst>
+              <a:ext uri="{FF2B5EF4-FFF2-40B4-BE49-F238E27FC236}">
+                <a16:creationId xmlns:a16="http://schemas.microsoft.com/office/drawing/2014/main" id="{4AC2C904-3F7B-75DD-D911-7A3DD70E23A5}"/>
+              </a:ext>
+            </a:extLst>
+          </p:cNvPr>
+          <p:cNvSpPr>
+            <a:spLocks noGrp="1"/>
+          </p:cNvSpPr>
+          <p:nvPr>
+            <p:ph type="title"/>
+          </p:nvPr>
+        </p:nvSpPr>
+        <p:spPr/>
+        <p:txBody>
+          <a:bodyPr/>
+          <a:lstStyle/>
+          <a:p>
+            <a:r>
+              <a:rPr lang="en-GB" dirty="0"/>
+              <a:t>Relative Performance</a:t>
+            </a:r>
+          </a:p>
+        </p:txBody>
+      </p:sp>
+      <p:pic>
+        <p:nvPicPr>
+          <p:cNvPr id="9" name="Content Placeholder 8" descr="Chart&#10;&#10;Description automatically generated">
+            <a:extLst>
+              <a:ext uri="{FF2B5EF4-FFF2-40B4-BE49-F238E27FC236}">
+                <a16:creationId xmlns:a16="http://schemas.microsoft.com/office/drawing/2014/main" id="{797BD26D-2F29-5C09-A445-FF25BD757468}"/>
+              </a:ext>
+            </a:extLst>
+          </p:cNvPr>
+          <p:cNvPicPr>
+            <a:picLocks noGrp="1" noChangeAspect="1"/>
+          </p:cNvPicPr>
+          <p:nvPr>
+            <p:ph idx="1"/>
+          </p:nvPr>
+        </p:nvPicPr>
+        <p:blipFill>
+          <a:blip r:embed="rId2">
+            <a:extLst>
+              <a:ext uri="{28A0092B-C50C-407E-A947-70E740481C1C}">
+                <a14:useLocalDpi xmlns:a14="http://schemas.microsoft.com/office/drawing/2010/main" val="0"/>
+              </a:ext>
+            </a:extLst>
+          </a:blip>
+          <a:stretch>
+            <a:fillRect/>
+          </a:stretch>
+        </p:blipFill>
+        <p:spPr>
+          <a:xfrm>
+            <a:off x="3218656" y="2576513"/>
+            <a:ext cx="5400675" cy="3600450"/>
+          </a:xfrm>
+        </p:spPr>
+      </p:pic>
+      <p:sp>
+        <p:nvSpPr>
+          <p:cNvPr id="11" name="TextBox 10">
+            <a:extLst>
+              <a:ext uri="{FF2B5EF4-FFF2-40B4-BE49-F238E27FC236}">
+                <a16:creationId xmlns:a16="http://schemas.microsoft.com/office/drawing/2014/main" id="{0E444968-CA89-56CF-1022-CCF5254F55E0}"/>
+              </a:ext>
+            </a:extLst>
+          </p:cNvPr>
+          <p:cNvSpPr txBox="1"/>
+          <p:nvPr/>
+        </p:nvSpPr>
+        <p:spPr>
+          <a:xfrm>
+            <a:off x="8619331" y="3638074"/>
+            <a:ext cx="2921000" cy="2308324"/>
+          </a:xfrm>
+          <a:prstGeom prst="rect">
+            <a:avLst/>
+          </a:prstGeom>
+          <a:noFill/>
+        </p:spPr>
+        <p:txBody>
+          <a:bodyPr wrap="square" rtlCol="0">
+            <a:spAutoFit/>
+          </a:bodyPr>
+          <a:lstStyle/>
+          <a:p>
+            <a:r>
+              <a:rPr lang="en-GB" b="1" dirty="0"/>
+              <a:t>Solution:</a:t>
+            </a:r>
+          </a:p>
+          <a:p>
+            <a:r>
+              <a:rPr lang="en-GB" dirty="0"/>
+              <a:t>Reduce scheduling by chunking the threaded parts into blocks.</a:t>
+            </a:r>
+          </a:p>
+          <a:p>
+            <a:r>
+              <a:rPr lang="en-GB" dirty="0"/>
+              <a:t>This also keeps memory access patterns predictable so better cache optimisation</a:t>
+            </a:r>
+          </a:p>
+        </p:txBody>
+      </p:sp>
+    </p:spTree>
+    <p:extLst>
+      <p:ext uri="{BB962C8B-B14F-4D97-AF65-F5344CB8AC3E}">
+        <p14:creationId xmlns:p14="http://schemas.microsoft.com/office/powerpoint/2010/main" val="1176561654"/>
+      </p:ext>
+    </p:extLst>
+  </p:cSld>
+  <p:clrMapOvr>
+    <a:masterClrMapping/>
+  </p:clrMapOvr>
+</p:sld>
+</file>
+
+<file path=ppt/slides/slide13.xml><?xml version="1.0" encoding="utf-8"?>
+<p:sld xmlns:a="http://schemas.openxmlformats.org/drawingml/2006/main" xmlns:r="http://schemas.openxmlformats.org/officeDocument/2006/relationships" xmlns:p="http://schemas.openxmlformats.org/presentationml/2006/main">
+  <p:cSld>
+    <p:spTree>
+      <p:nvGrpSpPr>
+        <p:cNvPr id="1" name=""/>
+        <p:cNvGrpSpPr/>
+        <p:nvPr/>
+      </p:nvGrpSpPr>
+      <p:grpSpPr>
+        <a:xfrm>
+          <a:off x="0" y="0"/>
+          <a:ext cx="0" cy="0"/>
+          <a:chOff x="0" y="0"/>
+          <a:chExt cx="0" cy="0"/>
+        </a:xfrm>
+      </p:grpSpPr>
+      <p:sp>
+        <p:nvSpPr>
+          <p:cNvPr id="2" name="Title 1">
+            <a:extLst>
+              <a:ext uri="{FF2B5EF4-FFF2-40B4-BE49-F238E27FC236}">
                 <a16:creationId xmlns:a16="http://schemas.microsoft.com/office/drawing/2014/main" id="{53B25FB5-CE0B-A5FD-6E1F-EEA689D56FA1}"/>
               </a:ext>
             </a:extLst>
@@ -5207,7 +5871,7 @@
         </p:blipFill>
         <p:spPr>
           <a:xfrm>
-            <a:off x="1087206" y="2705676"/>
+            <a:off x="904326" y="2837878"/>
             <a:ext cx="7233022" cy="1930499"/>
           </a:xfrm>
           <a:prstGeom prst="rect">
@@ -5215,147 +5879,126 @@
           </a:prstGeom>
         </p:spPr>
       </p:pic>
-      <p:grpSp>
-        <p:nvGrpSpPr>
-          <p:cNvPr id="18" name="Group 17">
-            <a:extLst>
-              <a:ext uri="{FF2B5EF4-FFF2-40B4-BE49-F238E27FC236}">
-                <a16:creationId xmlns:a16="http://schemas.microsoft.com/office/drawing/2014/main" id="{8CC77F28-FE1D-DA20-D5BE-10CB3E219B1A}"/>
-              </a:ext>
-            </a:extLst>
-          </p:cNvPr>
-          <p:cNvGrpSpPr/>
+      <p:pic>
+        <p:nvPicPr>
+          <p:cNvPr id="9" name="Picture 8">
+            <a:extLst>
+              <a:ext uri="{FF2B5EF4-FFF2-40B4-BE49-F238E27FC236}">
+                <a16:creationId xmlns:a16="http://schemas.microsoft.com/office/drawing/2014/main" id="{634F788D-FC20-6ACD-601D-D4B02547255C}"/>
+              </a:ext>
+            </a:extLst>
+          </p:cNvPr>
+          <p:cNvPicPr>
+            <a:picLocks noChangeAspect="1"/>
+          </p:cNvPicPr>
           <p:nvPr/>
-        </p:nvGrpSpPr>
-        <p:grpSpPr>
+        </p:nvPicPr>
+        <p:blipFill>
+          <a:blip r:embed="rId3"/>
+          <a:stretch>
+            <a:fillRect/>
+          </a:stretch>
+        </p:blipFill>
+        <p:spPr>
           <a:xfrm>
-            <a:off x="1183915" y="5041894"/>
-            <a:ext cx="6357380" cy="1119071"/>
-            <a:chOff x="2969293" y="5075761"/>
-            <a:chExt cx="6357380" cy="1119071"/>
+            <a:off x="1261492" y="4980681"/>
+            <a:ext cx="1576792" cy="245734"/>
           </a:xfrm>
-        </p:grpSpPr>
-        <p:pic>
-          <p:nvPicPr>
-            <p:cNvPr id="9" name="Picture 8">
-              <a:extLst>
-                <a:ext uri="{FF2B5EF4-FFF2-40B4-BE49-F238E27FC236}">
-                  <a16:creationId xmlns:a16="http://schemas.microsoft.com/office/drawing/2014/main" id="{634F788D-FC20-6ACD-601D-D4B02547255C}"/>
-                </a:ext>
-              </a:extLst>
-            </p:cNvPr>
-            <p:cNvPicPr>
-              <a:picLocks noChangeAspect="1"/>
-            </p:cNvPicPr>
-            <p:nvPr/>
-          </p:nvPicPr>
-          <p:blipFill>
-            <a:blip r:embed="rId3"/>
-            <a:stretch>
-              <a:fillRect/>
-            </a:stretch>
-          </p:blipFill>
-          <p:spPr>
-            <a:xfrm>
-              <a:off x="2969293" y="5075761"/>
-              <a:ext cx="1466925" cy="228612"/>
-            </a:xfrm>
-            <a:prstGeom prst="rect">
-              <a:avLst/>
-            </a:prstGeom>
-          </p:spPr>
-        </p:pic>
-        <p:pic>
-          <p:nvPicPr>
-            <p:cNvPr id="11" name="Picture 10">
-              <a:extLst>
-                <a:ext uri="{FF2B5EF4-FFF2-40B4-BE49-F238E27FC236}">
-                  <a16:creationId xmlns:a16="http://schemas.microsoft.com/office/drawing/2014/main" id="{0C918DF8-B3A3-8C6C-4697-149873162FA7}"/>
-                </a:ext>
-              </a:extLst>
-            </p:cNvPr>
-            <p:cNvPicPr>
-              <a:picLocks noChangeAspect="1"/>
-            </p:cNvPicPr>
-            <p:nvPr/>
-          </p:nvPicPr>
-          <p:blipFill>
-            <a:blip r:embed="rId4"/>
-            <a:stretch>
-              <a:fillRect/>
-            </a:stretch>
-          </p:blipFill>
-          <p:spPr>
-            <a:xfrm>
-              <a:off x="2998167" y="5304373"/>
-              <a:ext cx="3486329" cy="215911"/>
-            </a:xfrm>
-            <a:prstGeom prst="rect">
-              <a:avLst/>
-            </a:prstGeom>
-          </p:spPr>
-        </p:pic>
-        <p:pic>
-          <p:nvPicPr>
-            <p:cNvPr id="15" name="Picture 14">
-              <a:extLst>
-                <a:ext uri="{FF2B5EF4-FFF2-40B4-BE49-F238E27FC236}">
-                  <a16:creationId xmlns:a16="http://schemas.microsoft.com/office/drawing/2014/main" id="{1DEB7E7E-1548-821C-F51A-6FA9F3F817A0}"/>
-                </a:ext>
-              </a:extLst>
-            </p:cNvPr>
-            <p:cNvPicPr>
-              <a:picLocks noChangeAspect="1"/>
-            </p:cNvPicPr>
-            <p:nvPr/>
-          </p:nvPicPr>
-          <p:blipFill>
-            <a:blip r:embed="rId5"/>
-            <a:stretch>
-              <a:fillRect/>
-            </a:stretch>
-          </p:blipFill>
-          <p:spPr>
-            <a:xfrm>
-              <a:off x="3020745" y="5532985"/>
-              <a:ext cx="2971953" cy="222261"/>
-            </a:xfrm>
-            <a:prstGeom prst="rect">
-              <a:avLst/>
-            </a:prstGeom>
-          </p:spPr>
-        </p:pic>
-        <p:pic>
-          <p:nvPicPr>
-            <p:cNvPr id="17" name="Picture 16">
-              <a:extLst>
-                <a:ext uri="{FF2B5EF4-FFF2-40B4-BE49-F238E27FC236}">
-                  <a16:creationId xmlns:a16="http://schemas.microsoft.com/office/drawing/2014/main" id="{8430B318-6AD8-B59A-FB23-E2FB87C71B1E}"/>
-                </a:ext>
-              </a:extLst>
-            </p:cNvPr>
-            <p:cNvPicPr>
-              <a:picLocks noChangeAspect="1"/>
-            </p:cNvPicPr>
-            <p:nvPr/>
-          </p:nvPicPr>
-          <p:blipFill>
-            <a:blip r:embed="rId6"/>
-            <a:stretch>
-              <a:fillRect/>
-            </a:stretch>
-          </p:blipFill>
-          <p:spPr>
-            <a:xfrm>
-              <a:off x="3014449" y="5712207"/>
-              <a:ext cx="6312224" cy="482625"/>
-            </a:xfrm>
-            <a:prstGeom prst="rect">
-              <a:avLst/>
-            </a:prstGeom>
-          </p:spPr>
-        </p:pic>
-      </p:grpSp>
+          <a:prstGeom prst="rect">
+            <a:avLst/>
+          </a:prstGeom>
+        </p:spPr>
+      </p:pic>
+      <p:pic>
+        <p:nvPicPr>
+          <p:cNvPr id="11" name="Picture 10">
+            <a:extLst>
+              <a:ext uri="{FF2B5EF4-FFF2-40B4-BE49-F238E27FC236}">
+                <a16:creationId xmlns:a16="http://schemas.microsoft.com/office/drawing/2014/main" id="{0C918DF8-B3A3-8C6C-4697-149873162FA7}"/>
+              </a:ext>
+            </a:extLst>
+          </p:cNvPr>
+          <p:cNvPicPr>
+            <a:picLocks noChangeAspect="1"/>
+          </p:cNvPicPr>
+          <p:nvPr/>
+        </p:nvPicPr>
+        <p:blipFill>
+          <a:blip r:embed="rId4"/>
+          <a:stretch>
+            <a:fillRect/>
+          </a:stretch>
+        </p:blipFill>
+        <p:spPr>
+          <a:xfrm>
+            <a:off x="1292529" y="5226415"/>
+            <a:ext cx="3747441" cy="232082"/>
+          </a:xfrm>
+          <a:prstGeom prst="rect">
+            <a:avLst/>
+          </a:prstGeom>
+        </p:spPr>
+      </p:pic>
+      <p:pic>
+        <p:nvPicPr>
+          <p:cNvPr id="15" name="Picture 14">
+            <a:extLst>
+              <a:ext uri="{FF2B5EF4-FFF2-40B4-BE49-F238E27FC236}">
+                <a16:creationId xmlns:a16="http://schemas.microsoft.com/office/drawing/2014/main" id="{1DEB7E7E-1548-821C-F51A-6FA9F3F817A0}"/>
+              </a:ext>
+            </a:extLst>
+          </p:cNvPr>
+          <p:cNvPicPr>
+            <a:picLocks noChangeAspect="1"/>
+          </p:cNvPicPr>
+          <p:nvPr/>
+        </p:nvPicPr>
+        <p:blipFill>
+          <a:blip r:embed="rId5"/>
+          <a:stretch>
+            <a:fillRect/>
+          </a:stretch>
+        </p:blipFill>
+        <p:spPr>
+          <a:xfrm>
+            <a:off x="1306638" y="5472149"/>
+            <a:ext cx="3194541" cy="238907"/>
+          </a:xfrm>
+          <a:prstGeom prst="rect">
+            <a:avLst/>
+          </a:prstGeom>
+        </p:spPr>
+      </p:pic>
+      <p:pic>
+        <p:nvPicPr>
+          <p:cNvPr id="17" name="Picture 16">
+            <a:extLst>
+              <a:ext uri="{FF2B5EF4-FFF2-40B4-BE49-F238E27FC236}">
+                <a16:creationId xmlns:a16="http://schemas.microsoft.com/office/drawing/2014/main" id="{8430B318-6AD8-B59A-FB23-E2FB87C71B1E}"/>
+              </a:ext>
+            </a:extLst>
+          </p:cNvPr>
+          <p:cNvPicPr>
+            <a:picLocks noChangeAspect="1"/>
+          </p:cNvPicPr>
+          <p:nvPr/>
+        </p:nvPicPr>
+        <p:blipFill>
+          <a:blip r:embed="rId6"/>
+          <a:stretch>
+            <a:fillRect/>
+          </a:stretch>
+        </p:blipFill>
+        <p:spPr>
+          <a:xfrm>
+            <a:off x="1284630" y="5664794"/>
+            <a:ext cx="6784985" cy="518772"/>
+          </a:xfrm>
+          <a:prstGeom prst="rect">
+            <a:avLst/>
+          </a:prstGeom>
+        </p:spPr>
+      </p:pic>
       <p:sp>
         <p:nvSpPr>
           <p:cNvPr id="19" name="TextBox 18">
@@ -5370,8 +6013,8 @@
         </p:nvSpPr>
         <p:spPr>
           <a:xfrm>
-            <a:off x="8320228" y="2449689"/>
-            <a:ext cx="3634705" cy="3139321"/>
+            <a:off x="8345628" y="2791745"/>
+            <a:ext cx="3634705" cy="3416320"/>
           </a:xfrm>
           <a:prstGeom prst="rect">
             <a:avLst/>
@@ -5390,7 +6033,7 @@
             </a:pPr>
             <a:r>
               <a:rPr lang="en-GB" dirty="0"/>
-              <a:t>Same code as before!</a:t>
+              <a:t>Same “vectorised” code as before</a:t>
             </a:r>
           </a:p>
           <a:p>
@@ -5420,7 +6063,15 @@
             </a:pPr>
             <a:r>
               <a:rPr lang="en-GB" dirty="0"/>
-              <a:t>About 1.4 times slower than CPU using Float32.</a:t>
+              <a:t>About </a:t>
+            </a:r>
+            <a:r>
+              <a:rPr lang="en-GB" b="1" dirty="0"/>
+              <a:t>1.4x</a:t>
+            </a:r>
+            <a:r>
+              <a:rPr lang="en-GB" dirty="0"/>
+              <a:t> slower than CPU using Float32.</a:t>
             </a:r>
           </a:p>
           <a:p>
@@ -5430,7 +6081,7 @@
             </a:pPr>
             <a:r>
               <a:rPr lang="en-GB" dirty="0"/>
-              <a:t>GPUs are much slower than CPUs, but make up for this in data parallelism.</a:t>
+              <a:t>GPU is usually slower than a CPU, unless the workload is large enough.</a:t>
             </a:r>
           </a:p>
         </p:txBody>
@@ -5445,10 +6096,955 @@
   <p:clrMapOvr>
     <a:masterClrMapping/>
   </p:clrMapOvr>
+  <p:timing>
+    <p:tnLst>
+      <p:par>
+        <p:cTn id="1" dur="indefinite" restart="never" nodeType="tmRoot">
+          <p:childTnLst>
+            <p:seq concurrent="1" nextAc="seek">
+              <p:cTn id="2" dur="indefinite" nodeType="mainSeq">
+                <p:childTnLst>
+                  <p:par>
+                    <p:cTn id="3" fill="hold">
+                      <p:stCondLst>
+                        <p:cond delay="indefinite"/>
+                      </p:stCondLst>
+                      <p:childTnLst>
+                        <p:par>
+                          <p:cTn id="4" fill="hold">
+                            <p:stCondLst>
+                              <p:cond delay="0"/>
+                            </p:stCondLst>
+                            <p:childTnLst>
+                              <p:par>
+                                <p:cTn id="5" presetID="10" presetClass="entr" presetSubtype="0" fill="hold" nodeType="clickEffect">
+                                  <p:stCondLst>
+                                    <p:cond delay="0"/>
+                                  </p:stCondLst>
+                                  <p:childTnLst>
+                                    <p:set>
+                                      <p:cBhvr>
+                                        <p:cTn id="6" dur="1" fill="hold">
+                                          <p:stCondLst>
+                                            <p:cond delay="0"/>
+                                          </p:stCondLst>
+                                        </p:cTn>
+                                        <p:tgtEl>
+                                          <p:spTgt spid="9"/>
+                                        </p:tgtEl>
+                                        <p:attrNameLst>
+                                          <p:attrName>style.visibility</p:attrName>
+                                        </p:attrNameLst>
+                                      </p:cBhvr>
+                                      <p:to>
+                                        <p:strVal val="visible"/>
+                                      </p:to>
+                                    </p:set>
+                                    <p:animEffect transition="in" filter="fade">
+                                      <p:cBhvr>
+                                        <p:cTn id="7" dur="250"/>
+                                        <p:tgtEl>
+                                          <p:spTgt spid="9"/>
+                                        </p:tgtEl>
+                                      </p:cBhvr>
+                                    </p:animEffect>
+                                  </p:childTnLst>
+                                </p:cTn>
+                              </p:par>
+                            </p:childTnLst>
+                          </p:cTn>
+                        </p:par>
+                      </p:childTnLst>
+                    </p:cTn>
+                  </p:par>
+                  <p:par>
+                    <p:cTn id="8" fill="hold">
+                      <p:stCondLst>
+                        <p:cond delay="indefinite"/>
+                      </p:stCondLst>
+                      <p:childTnLst>
+                        <p:par>
+                          <p:cTn id="9" fill="hold">
+                            <p:stCondLst>
+                              <p:cond delay="0"/>
+                            </p:stCondLst>
+                            <p:childTnLst>
+                              <p:par>
+                                <p:cTn id="10" presetID="10" presetClass="entr" presetSubtype="0" fill="hold" nodeType="clickEffect">
+                                  <p:stCondLst>
+                                    <p:cond delay="0"/>
+                                  </p:stCondLst>
+                                  <p:childTnLst>
+                                    <p:set>
+                                      <p:cBhvr>
+                                        <p:cTn id="11" dur="1" fill="hold">
+                                          <p:stCondLst>
+                                            <p:cond delay="0"/>
+                                          </p:stCondLst>
+                                        </p:cTn>
+                                        <p:tgtEl>
+                                          <p:spTgt spid="11"/>
+                                        </p:tgtEl>
+                                        <p:attrNameLst>
+                                          <p:attrName>style.visibility</p:attrName>
+                                        </p:attrNameLst>
+                                      </p:cBhvr>
+                                      <p:to>
+                                        <p:strVal val="visible"/>
+                                      </p:to>
+                                    </p:set>
+                                    <p:animEffect transition="in" filter="fade">
+                                      <p:cBhvr>
+                                        <p:cTn id="12" dur="250"/>
+                                        <p:tgtEl>
+                                          <p:spTgt spid="11"/>
+                                        </p:tgtEl>
+                                      </p:cBhvr>
+                                    </p:animEffect>
+                                  </p:childTnLst>
+                                </p:cTn>
+                              </p:par>
+                            </p:childTnLst>
+                          </p:cTn>
+                        </p:par>
+                      </p:childTnLst>
+                    </p:cTn>
+                  </p:par>
+                  <p:par>
+                    <p:cTn id="13" fill="hold">
+                      <p:stCondLst>
+                        <p:cond delay="indefinite"/>
+                      </p:stCondLst>
+                      <p:childTnLst>
+                        <p:par>
+                          <p:cTn id="14" fill="hold">
+                            <p:stCondLst>
+                              <p:cond delay="0"/>
+                            </p:stCondLst>
+                            <p:childTnLst>
+                              <p:par>
+                                <p:cTn id="15" presetID="10" presetClass="entr" presetSubtype="0" fill="hold" nodeType="clickEffect">
+                                  <p:stCondLst>
+                                    <p:cond delay="0"/>
+                                  </p:stCondLst>
+                                  <p:childTnLst>
+                                    <p:set>
+                                      <p:cBhvr>
+                                        <p:cTn id="16" dur="1" fill="hold">
+                                          <p:stCondLst>
+                                            <p:cond delay="0"/>
+                                          </p:stCondLst>
+                                        </p:cTn>
+                                        <p:tgtEl>
+                                          <p:spTgt spid="15"/>
+                                        </p:tgtEl>
+                                        <p:attrNameLst>
+                                          <p:attrName>style.visibility</p:attrName>
+                                        </p:attrNameLst>
+                                      </p:cBhvr>
+                                      <p:to>
+                                        <p:strVal val="visible"/>
+                                      </p:to>
+                                    </p:set>
+                                    <p:animEffect transition="in" filter="fade">
+                                      <p:cBhvr>
+                                        <p:cTn id="17" dur="250"/>
+                                        <p:tgtEl>
+                                          <p:spTgt spid="15"/>
+                                        </p:tgtEl>
+                                      </p:cBhvr>
+                                    </p:animEffect>
+                                  </p:childTnLst>
+                                </p:cTn>
+                              </p:par>
+                            </p:childTnLst>
+                          </p:cTn>
+                        </p:par>
+                      </p:childTnLst>
+                    </p:cTn>
+                  </p:par>
+                  <p:par>
+                    <p:cTn id="18" fill="hold">
+                      <p:stCondLst>
+                        <p:cond delay="indefinite"/>
+                      </p:stCondLst>
+                      <p:childTnLst>
+                        <p:par>
+                          <p:cTn id="19" fill="hold">
+                            <p:stCondLst>
+                              <p:cond delay="0"/>
+                            </p:stCondLst>
+                            <p:childTnLst>
+                              <p:par>
+                                <p:cTn id="20" presetID="10" presetClass="entr" presetSubtype="0" fill="hold" nodeType="clickEffect">
+                                  <p:stCondLst>
+                                    <p:cond delay="0"/>
+                                  </p:stCondLst>
+                                  <p:childTnLst>
+                                    <p:set>
+                                      <p:cBhvr>
+                                        <p:cTn id="21" dur="1" fill="hold">
+                                          <p:stCondLst>
+                                            <p:cond delay="0"/>
+                                          </p:stCondLst>
+                                        </p:cTn>
+                                        <p:tgtEl>
+                                          <p:spTgt spid="17"/>
+                                        </p:tgtEl>
+                                        <p:attrNameLst>
+                                          <p:attrName>style.visibility</p:attrName>
+                                        </p:attrNameLst>
+                                      </p:cBhvr>
+                                      <p:to>
+                                        <p:strVal val="visible"/>
+                                      </p:to>
+                                    </p:set>
+                                    <p:animEffect transition="in" filter="fade">
+                                      <p:cBhvr>
+                                        <p:cTn id="22" dur="250"/>
+                                        <p:tgtEl>
+                                          <p:spTgt spid="17"/>
+                                        </p:tgtEl>
+                                      </p:cBhvr>
+                                    </p:animEffect>
+                                  </p:childTnLst>
+                                </p:cTn>
+                              </p:par>
+                            </p:childTnLst>
+                          </p:cTn>
+                        </p:par>
+                      </p:childTnLst>
+                    </p:cTn>
+                  </p:par>
+                  <p:par>
+                    <p:cTn id="23" fill="hold">
+                      <p:stCondLst>
+                        <p:cond delay="indefinite"/>
+                      </p:stCondLst>
+                      <p:childTnLst>
+                        <p:par>
+                          <p:cTn id="24" fill="hold">
+                            <p:stCondLst>
+                              <p:cond delay="0"/>
+                            </p:stCondLst>
+                            <p:childTnLst>
+                              <p:par>
+                                <p:cTn id="25" presetID="10" presetClass="entr" presetSubtype="0" fill="hold" nodeType="clickEffect">
+                                  <p:stCondLst>
+                                    <p:cond delay="0"/>
+                                  </p:stCondLst>
+                                  <p:childTnLst>
+                                    <p:set>
+                                      <p:cBhvr>
+                                        <p:cTn id="26" dur="1" fill="hold">
+                                          <p:stCondLst>
+                                            <p:cond delay="0"/>
+                                          </p:stCondLst>
+                                        </p:cTn>
+                                        <p:tgtEl>
+                                          <p:spTgt spid="19">
+                                            <p:txEl>
+                                              <p:pRg st="0" end="0"/>
+                                            </p:txEl>
+                                          </p:spTgt>
+                                        </p:tgtEl>
+                                        <p:attrNameLst>
+                                          <p:attrName>style.visibility</p:attrName>
+                                        </p:attrNameLst>
+                                      </p:cBhvr>
+                                      <p:to>
+                                        <p:strVal val="visible"/>
+                                      </p:to>
+                                    </p:set>
+                                    <p:animEffect transition="in" filter="fade">
+                                      <p:cBhvr>
+                                        <p:cTn id="27" dur="500"/>
+                                        <p:tgtEl>
+                                          <p:spTgt spid="19">
+                                            <p:txEl>
+                                              <p:pRg st="0" end="0"/>
+                                            </p:txEl>
+                                          </p:spTgt>
+                                        </p:tgtEl>
+                                      </p:cBhvr>
+                                    </p:animEffect>
+                                  </p:childTnLst>
+                                </p:cTn>
+                              </p:par>
+                            </p:childTnLst>
+                          </p:cTn>
+                        </p:par>
+                      </p:childTnLst>
+                    </p:cTn>
+                  </p:par>
+                  <p:par>
+                    <p:cTn id="28" fill="hold">
+                      <p:stCondLst>
+                        <p:cond delay="indefinite"/>
+                      </p:stCondLst>
+                      <p:childTnLst>
+                        <p:par>
+                          <p:cTn id="29" fill="hold">
+                            <p:stCondLst>
+                              <p:cond delay="0"/>
+                            </p:stCondLst>
+                            <p:childTnLst>
+                              <p:par>
+                                <p:cTn id="30" presetID="10" presetClass="entr" presetSubtype="0" fill="hold" nodeType="clickEffect">
+                                  <p:stCondLst>
+                                    <p:cond delay="0"/>
+                                  </p:stCondLst>
+                                  <p:childTnLst>
+                                    <p:set>
+                                      <p:cBhvr>
+                                        <p:cTn id="31" dur="1" fill="hold">
+                                          <p:stCondLst>
+                                            <p:cond delay="0"/>
+                                          </p:stCondLst>
+                                        </p:cTn>
+                                        <p:tgtEl>
+                                          <p:spTgt spid="19">
+                                            <p:txEl>
+                                              <p:pRg st="1" end="1"/>
+                                            </p:txEl>
+                                          </p:spTgt>
+                                        </p:tgtEl>
+                                        <p:attrNameLst>
+                                          <p:attrName>style.visibility</p:attrName>
+                                        </p:attrNameLst>
+                                      </p:cBhvr>
+                                      <p:to>
+                                        <p:strVal val="visible"/>
+                                      </p:to>
+                                    </p:set>
+                                    <p:animEffect transition="in" filter="fade">
+                                      <p:cBhvr>
+                                        <p:cTn id="32" dur="500"/>
+                                        <p:tgtEl>
+                                          <p:spTgt spid="19">
+                                            <p:txEl>
+                                              <p:pRg st="1" end="1"/>
+                                            </p:txEl>
+                                          </p:spTgt>
+                                        </p:tgtEl>
+                                      </p:cBhvr>
+                                    </p:animEffect>
+                                  </p:childTnLst>
+                                </p:cTn>
+                              </p:par>
+                            </p:childTnLst>
+                          </p:cTn>
+                        </p:par>
+                      </p:childTnLst>
+                    </p:cTn>
+                  </p:par>
+                  <p:par>
+                    <p:cTn id="33" fill="hold">
+                      <p:stCondLst>
+                        <p:cond delay="indefinite"/>
+                      </p:stCondLst>
+                      <p:childTnLst>
+                        <p:par>
+                          <p:cTn id="34" fill="hold">
+                            <p:stCondLst>
+                              <p:cond delay="0"/>
+                            </p:stCondLst>
+                            <p:childTnLst>
+                              <p:par>
+                                <p:cTn id="35" presetID="10" presetClass="entr" presetSubtype="0" fill="hold" nodeType="clickEffect">
+                                  <p:stCondLst>
+                                    <p:cond delay="0"/>
+                                  </p:stCondLst>
+                                  <p:childTnLst>
+                                    <p:set>
+                                      <p:cBhvr>
+                                        <p:cTn id="36" dur="1" fill="hold">
+                                          <p:stCondLst>
+                                            <p:cond delay="0"/>
+                                          </p:stCondLst>
+                                        </p:cTn>
+                                        <p:tgtEl>
+                                          <p:spTgt spid="19">
+                                            <p:txEl>
+                                              <p:pRg st="2" end="2"/>
+                                            </p:txEl>
+                                          </p:spTgt>
+                                        </p:tgtEl>
+                                        <p:attrNameLst>
+                                          <p:attrName>style.visibility</p:attrName>
+                                        </p:attrNameLst>
+                                      </p:cBhvr>
+                                      <p:to>
+                                        <p:strVal val="visible"/>
+                                      </p:to>
+                                    </p:set>
+                                    <p:animEffect transition="in" filter="fade">
+                                      <p:cBhvr>
+                                        <p:cTn id="37" dur="500"/>
+                                        <p:tgtEl>
+                                          <p:spTgt spid="19">
+                                            <p:txEl>
+                                              <p:pRg st="2" end="2"/>
+                                            </p:txEl>
+                                          </p:spTgt>
+                                        </p:tgtEl>
+                                      </p:cBhvr>
+                                    </p:animEffect>
+                                  </p:childTnLst>
+                                </p:cTn>
+                              </p:par>
+                            </p:childTnLst>
+                          </p:cTn>
+                        </p:par>
+                      </p:childTnLst>
+                    </p:cTn>
+                  </p:par>
+                  <p:par>
+                    <p:cTn id="38" fill="hold">
+                      <p:stCondLst>
+                        <p:cond delay="indefinite"/>
+                      </p:stCondLst>
+                      <p:childTnLst>
+                        <p:par>
+                          <p:cTn id="39" fill="hold">
+                            <p:stCondLst>
+                              <p:cond delay="0"/>
+                            </p:stCondLst>
+                            <p:childTnLst>
+                              <p:par>
+                                <p:cTn id="40" presetID="10" presetClass="entr" presetSubtype="0" fill="hold" nodeType="clickEffect">
+                                  <p:stCondLst>
+                                    <p:cond delay="0"/>
+                                  </p:stCondLst>
+                                  <p:childTnLst>
+                                    <p:set>
+                                      <p:cBhvr>
+                                        <p:cTn id="41" dur="1" fill="hold">
+                                          <p:stCondLst>
+                                            <p:cond delay="0"/>
+                                          </p:stCondLst>
+                                        </p:cTn>
+                                        <p:tgtEl>
+                                          <p:spTgt spid="19">
+                                            <p:txEl>
+                                              <p:pRg st="3" end="3"/>
+                                            </p:txEl>
+                                          </p:spTgt>
+                                        </p:tgtEl>
+                                        <p:attrNameLst>
+                                          <p:attrName>style.visibility</p:attrName>
+                                        </p:attrNameLst>
+                                      </p:cBhvr>
+                                      <p:to>
+                                        <p:strVal val="visible"/>
+                                      </p:to>
+                                    </p:set>
+                                    <p:animEffect transition="in" filter="fade">
+                                      <p:cBhvr>
+                                        <p:cTn id="42" dur="500"/>
+                                        <p:tgtEl>
+                                          <p:spTgt spid="19">
+                                            <p:txEl>
+                                              <p:pRg st="3" end="3"/>
+                                            </p:txEl>
+                                          </p:spTgt>
+                                        </p:tgtEl>
+                                      </p:cBhvr>
+                                    </p:animEffect>
+                                  </p:childTnLst>
+                                </p:cTn>
+                              </p:par>
+                            </p:childTnLst>
+                          </p:cTn>
+                        </p:par>
+                      </p:childTnLst>
+                    </p:cTn>
+                  </p:par>
+                  <p:par>
+                    <p:cTn id="43" fill="hold">
+                      <p:stCondLst>
+                        <p:cond delay="indefinite"/>
+                      </p:stCondLst>
+                      <p:childTnLst>
+                        <p:par>
+                          <p:cTn id="44" fill="hold">
+                            <p:stCondLst>
+                              <p:cond delay="0"/>
+                            </p:stCondLst>
+                            <p:childTnLst>
+                              <p:par>
+                                <p:cTn id="45" presetID="10" presetClass="entr" presetSubtype="0" fill="hold" nodeType="clickEffect">
+                                  <p:stCondLst>
+                                    <p:cond delay="0"/>
+                                  </p:stCondLst>
+                                  <p:childTnLst>
+                                    <p:set>
+                                      <p:cBhvr>
+                                        <p:cTn id="46" dur="1" fill="hold">
+                                          <p:stCondLst>
+                                            <p:cond delay="0"/>
+                                          </p:stCondLst>
+                                        </p:cTn>
+                                        <p:tgtEl>
+                                          <p:spTgt spid="19">
+                                            <p:txEl>
+                                              <p:pRg st="4" end="4"/>
+                                            </p:txEl>
+                                          </p:spTgt>
+                                        </p:tgtEl>
+                                        <p:attrNameLst>
+                                          <p:attrName>style.visibility</p:attrName>
+                                        </p:attrNameLst>
+                                      </p:cBhvr>
+                                      <p:to>
+                                        <p:strVal val="visible"/>
+                                      </p:to>
+                                    </p:set>
+                                    <p:animEffect transition="in" filter="fade">
+                                      <p:cBhvr>
+                                        <p:cTn id="47" dur="500"/>
+                                        <p:tgtEl>
+                                          <p:spTgt spid="19">
+                                            <p:txEl>
+                                              <p:pRg st="4" end="4"/>
+                                            </p:txEl>
+                                          </p:spTgt>
+                                        </p:tgtEl>
+                                      </p:cBhvr>
+                                    </p:animEffect>
+                                  </p:childTnLst>
+                                </p:cTn>
+                              </p:par>
+                            </p:childTnLst>
+                          </p:cTn>
+                        </p:par>
+                      </p:childTnLst>
+                    </p:cTn>
+                  </p:par>
+                </p:childTnLst>
+              </p:cTn>
+              <p:prevCondLst>
+                <p:cond evt="onPrev" delay="0">
+                  <p:tgtEl>
+                    <p:sldTgt/>
+                  </p:tgtEl>
+                </p:cond>
+              </p:prevCondLst>
+              <p:nextCondLst>
+                <p:cond evt="onNext" delay="0">
+                  <p:tgtEl>
+                    <p:sldTgt/>
+                  </p:tgtEl>
+                </p:cond>
+              </p:nextCondLst>
+            </p:seq>
+          </p:childTnLst>
+        </p:cTn>
+      </p:par>
+    </p:tnLst>
+  </p:timing>
 </p:sld>
 </file>
 
-<file path=ppt/slides/slide12.xml><?xml version="1.0" encoding="utf-8"?>
+<file path=ppt/slides/slide14.xml><?xml version="1.0" encoding="utf-8"?>
+<p:sld xmlns:a="http://schemas.openxmlformats.org/drawingml/2006/main" xmlns:r="http://schemas.openxmlformats.org/officeDocument/2006/relationships" xmlns:p="http://schemas.openxmlformats.org/presentationml/2006/main">
+  <p:cSld>
+    <p:spTree>
+      <p:nvGrpSpPr>
+        <p:cNvPr id="1" name=""/>
+        <p:cNvGrpSpPr/>
+        <p:nvPr/>
+      </p:nvGrpSpPr>
+      <p:grpSpPr>
+        <a:xfrm>
+          <a:off x="0" y="0"/>
+          <a:ext cx="0" cy="0"/>
+          <a:chOff x="0" y="0"/>
+          <a:chExt cx="0" cy="0"/>
+        </a:xfrm>
+      </p:grpSpPr>
+      <p:sp>
+        <p:nvSpPr>
+          <p:cNvPr id="2" name="Title 1">
+            <a:extLst>
+              <a:ext uri="{FF2B5EF4-FFF2-40B4-BE49-F238E27FC236}">
+                <a16:creationId xmlns:a16="http://schemas.microsoft.com/office/drawing/2014/main" id="{4AC2C904-3F7B-75DD-D911-7A3DD70E23A5}"/>
+              </a:ext>
+            </a:extLst>
+          </p:cNvPr>
+          <p:cNvSpPr>
+            <a:spLocks noGrp="1"/>
+          </p:cNvSpPr>
+          <p:nvPr>
+            <p:ph type="title"/>
+          </p:nvPr>
+        </p:nvSpPr>
+        <p:spPr/>
+        <p:txBody>
+          <a:bodyPr/>
+          <a:lstStyle/>
+          <a:p>
+            <a:r>
+              <a:rPr lang="en-GB" dirty="0"/>
+              <a:t>Relative Performance</a:t>
+            </a:r>
+          </a:p>
+        </p:txBody>
+      </p:sp>
+      <p:pic>
+        <p:nvPicPr>
+          <p:cNvPr id="7" name="Content Placeholder 6" descr="Chart, line chart&#10;&#10;Description automatically generated">
+            <a:extLst>
+              <a:ext uri="{FF2B5EF4-FFF2-40B4-BE49-F238E27FC236}">
+                <a16:creationId xmlns:a16="http://schemas.microsoft.com/office/drawing/2014/main" id="{9D507C50-9002-A5B5-B1CD-8C1CA0932AEC}"/>
+              </a:ext>
+            </a:extLst>
+          </p:cNvPr>
+          <p:cNvPicPr>
+            <a:picLocks noGrp="1" noChangeAspect="1"/>
+          </p:cNvPicPr>
+          <p:nvPr>
+            <p:ph idx="1"/>
+          </p:nvPr>
+        </p:nvPicPr>
+        <p:blipFill>
+          <a:blip r:embed="rId2">
+            <a:extLst>
+              <a:ext uri="{28A0092B-C50C-407E-A947-70E740481C1C}">
+                <a14:useLocalDpi xmlns:a14="http://schemas.microsoft.com/office/drawing/2010/main" val="0"/>
+              </a:ext>
+            </a:extLst>
+          </a:blip>
+          <a:stretch>
+            <a:fillRect/>
+          </a:stretch>
+        </p:blipFill>
+        <p:spPr>
+          <a:xfrm>
+            <a:off x="3218656" y="2576513"/>
+            <a:ext cx="5400675" cy="3600450"/>
+          </a:xfrm>
+        </p:spPr>
+      </p:pic>
+      <mc:AlternateContent xmlns:mc="http://schemas.openxmlformats.org/markup-compatibility/2006">
+        <mc:Choice xmlns:a14="http://schemas.microsoft.com/office/drawing/2010/main" Requires="a14">
+          <p:sp>
+            <p:nvSpPr>
+              <p:cNvPr id="8" name="TextBox 7">
+                <a:extLst>
+                  <a:ext uri="{FF2B5EF4-FFF2-40B4-BE49-F238E27FC236}">
+                    <a16:creationId xmlns:a16="http://schemas.microsoft.com/office/drawing/2014/main" id="{15F5E5F8-71C9-284F-2B39-8DEAFFAEFDAB}"/>
+                  </a:ext>
+                </a:extLst>
+              </p:cNvPr>
+              <p:cNvSpPr txBox="1"/>
+              <p:nvPr/>
+            </p:nvSpPr>
+            <p:spPr>
+              <a:xfrm>
+                <a:off x="8807291" y="2769168"/>
+                <a:ext cx="3176429" cy="1754326"/>
+              </a:xfrm>
+              <a:prstGeom prst="rect">
+                <a:avLst/>
+              </a:prstGeom>
+              <a:noFill/>
+            </p:spPr>
+            <p:txBody>
+              <a:bodyPr wrap="square" rtlCol="0">
+                <a:spAutoFit/>
+              </a:bodyPr>
+              <a:lstStyle/>
+              <a:p>
+                <a:r>
+                  <a:rPr lang="en-GB" dirty="0"/>
+                  <a:t>GPU is around 90 times faster for </a:t>
+                </a:r>
+                <a14:m>
+                  <m:oMath xmlns:m="http://schemas.openxmlformats.org/officeDocument/2006/math">
+                    <m:r>
+                      <a:rPr lang="en-GB" b="0" i="1" smtClean="0">
+                        <a:latin typeface="Cambria Math" panose="02040503050406030204" pitchFamily="18" charset="0"/>
+                      </a:rPr>
+                      <m:t>𝑛</m:t>
+                    </m:r>
+                    <m:r>
+                      <a:rPr lang="en-GB" b="0" i="1" smtClean="0">
+                        <a:latin typeface="Cambria Math" panose="02040503050406030204" pitchFamily="18" charset="0"/>
+                        <a:ea typeface="Cambria Math" panose="02040503050406030204" pitchFamily="18" charset="0"/>
+                      </a:rPr>
+                      <m:t>≈</m:t>
+                    </m:r>
+                    <m:sSup>
+                      <m:sSupPr>
+                        <m:ctrlPr>
+                          <a:rPr lang="en-GB" b="0" i="1" smtClean="0">
+                            <a:latin typeface="Cambria Math" panose="02040503050406030204" pitchFamily="18" charset="0"/>
+                            <a:ea typeface="Cambria Math" panose="02040503050406030204" pitchFamily="18" charset="0"/>
+                          </a:rPr>
+                        </m:ctrlPr>
+                      </m:sSupPr>
+                      <m:e>
+                        <m:r>
+                          <a:rPr lang="en-GB" b="0" i="1" smtClean="0">
+                            <a:latin typeface="Cambria Math" panose="02040503050406030204" pitchFamily="18" charset="0"/>
+                            <a:ea typeface="Cambria Math" panose="02040503050406030204" pitchFamily="18" charset="0"/>
+                          </a:rPr>
+                          <m:t>10</m:t>
+                        </m:r>
+                      </m:e>
+                      <m:sup>
+                        <m:r>
+                          <a:rPr lang="en-GB" b="0" i="1" smtClean="0">
+                            <a:latin typeface="Cambria Math" panose="02040503050406030204" pitchFamily="18" charset="0"/>
+                            <a:ea typeface="Cambria Math" panose="02040503050406030204" pitchFamily="18" charset="0"/>
+                          </a:rPr>
+                          <m:t>7</m:t>
+                        </m:r>
+                      </m:sup>
+                    </m:sSup>
+                  </m:oMath>
+                </a14:m>
+                <a:r>
+                  <a:rPr lang="en-GB" dirty="0"/>
+                  <a:t>, using the same code, only changing the type!</a:t>
+                </a:r>
+              </a:p>
+              <a:p>
+                <a:endParaRPr lang="en-GB" dirty="0"/>
+              </a:p>
+              <a:p>
+                <a:r>
+                  <a:rPr lang="en-GB" dirty="0"/>
+                  <a:t>GPU is a NVIDIA RTX 3090.</a:t>
+                </a:r>
+              </a:p>
+            </p:txBody>
+          </p:sp>
+        </mc:Choice>
+        <mc:Fallback>
+          <p:sp>
+            <p:nvSpPr>
+              <p:cNvPr id="8" name="TextBox 7">
+                <a:extLst>
+                  <a:ext uri="{FF2B5EF4-FFF2-40B4-BE49-F238E27FC236}">
+                    <a16:creationId xmlns:a16="http://schemas.microsoft.com/office/drawing/2014/main" id="{15F5E5F8-71C9-284F-2B39-8DEAFFAEFDAB}"/>
+                  </a:ext>
+                </a:extLst>
+              </p:cNvPr>
+              <p:cNvSpPr txBox="1">
+                <a:spLocks noRot="1" noChangeAspect="1" noMove="1" noResize="1" noEditPoints="1" noAdjustHandles="1" noChangeArrowheads="1" noChangeShapeType="1" noTextEdit="1"/>
+              </p:cNvSpPr>
+              <p:nvPr/>
+            </p:nvSpPr>
+            <p:spPr>
+              <a:xfrm>
+                <a:off x="8807291" y="2769168"/>
+                <a:ext cx="3176429" cy="1754326"/>
+              </a:xfrm>
+              <a:prstGeom prst="rect">
+                <a:avLst/>
+              </a:prstGeom>
+              <a:blipFill>
+                <a:blip r:embed="rId3"/>
+                <a:stretch>
+                  <a:fillRect l="-1727" t="-1389" b="-4861"/>
+                </a:stretch>
+              </a:blipFill>
+            </p:spPr>
+            <p:txBody>
+              <a:bodyPr/>
+              <a:lstStyle/>
+              <a:p>
+                <a:r>
+                  <a:rPr lang="en-GB">
+                    <a:noFill/>
+                  </a:rPr>
+                  <a:t> </a:t>
+                </a:r>
+              </a:p>
+            </p:txBody>
+          </p:sp>
+        </mc:Fallback>
+      </mc:AlternateContent>
+    </p:spTree>
+    <p:extLst>
+      <p:ext uri="{BB962C8B-B14F-4D97-AF65-F5344CB8AC3E}">
+        <p14:creationId xmlns:p14="http://schemas.microsoft.com/office/powerpoint/2010/main" val="2671273087"/>
+      </p:ext>
+    </p:extLst>
+  </p:cSld>
+  <p:clrMapOvr>
+    <a:masterClrMapping/>
+  </p:clrMapOvr>
+  <mc:AlternateContent xmlns:mc="http://schemas.openxmlformats.org/markup-compatibility/2006">
+    <mc:Choice xmlns:p14="http://schemas.microsoft.com/office/powerpoint/2010/main" Requires="p14">
+      <p:transition p14:dur="250">
+        <p:fade/>
+      </p:transition>
+    </mc:Choice>
+    <mc:Fallback>
+      <p:transition>
+        <p:fade/>
+      </p:transition>
+    </mc:Fallback>
+  </mc:AlternateContent>
+  <p:timing>
+    <p:tnLst>
+      <p:par>
+        <p:cTn id="1" dur="indefinite" restart="never" nodeType="tmRoot">
+          <p:childTnLst>
+            <p:seq concurrent="1" nextAc="seek">
+              <p:cTn id="2" dur="indefinite" nodeType="mainSeq">
+                <p:childTnLst>
+                  <p:par>
+                    <p:cTn id="3" fill="hold">
+                      <p:stCondLst>
+                        <p:cond delay="indefinite"/>
+                      </p:stCondLst>
+                      <p:childTnLst>
+                        <p:par>
+                          <p:cTn id="4" fill="hold">
+                            <p:stCondLst>
+                              <p:cond delay="0"/>
+                            </p:stCondLst>
+                            <p:childTnLst>
+                              <p:par>
+                                <p:cTn id="5" presetID="10" presetClass="entr" presetSubtype="0" fill="hold" nodeType="clickEffect">
+                                  <p:stCondLst>
+                                    <p:cond delay="0"/>
+                                  </p:stCondLst>
+                                  <p:childTnLst>
+                                    <p:set>
+                                      <p:cBhvr>
+                                        <p:cTn id="6" dur="1" fill="hold">
+                                          <p:stCondLst>
+                                            <p:cond delay="0"/>
+                                          </p:stCondLst>
+                                        </p:cTn>
+                                        <p:tgtEl>
+                                          <p:spTgt spid="8">
+                                            <p:txEl>
+                                              <p:pRg st="0" end="0"/>
+                                            </p:txEl>
+                                          </p:spTgt>
+                                        </p:tgtEl>
+                                        <p:attrNameLst>
+                                          <p:attrName>style.visibility</p:attrName>
+                                        </p:attrNameLst>
+                                      </p:cBhvr>
+                                      <p:to>
+                                        <p:strVal val="visible"/>
+                                      </p:to>
+                                    </p:set>
+                                    <p:animEffect transition="in" filter="fade">
+                                      <p:cBhvr>
+                                        <p:cTn id="7" dur="500"/>
+                                        <p:tgtEl>
+                                          <p:spTgt spid="8">
+                                            <p:txEl>
+                                              <p:pRg st="0" end="0"/>
+                                            </p:txEl>
+                                          </p:spTgt>
+                                        </p:tgtEl>
+                                      </p:cBhvr>
+                                    </p:animEffect>
+                                  </p:childTnLst>
+                                </p:cTn>
+                              </p:par>
+                            </p:childTnLst>
+                          </p:cTn>
+                        </p:par>
+                      </p:childTnLst>
+                    </p:cTn>
+                  </p:par>
+                  <p:par>
+                    <p:cTn id="8" fill="hold">
+                      <p:stCondLst>
+                        <p:cond delay="indefinite"/>
+                      </p:stCondLst>
+                      <p:childTnLst>
+                        <p:par>
+                          <p:cTn id="9" fill="hold">
+                            <p:stCondLst>
+                              <p:cond delay="0"/>
+                            </p:stCondLst>
+                            <p:childTnLst>
+                              <p:par>
+                                <p:cTn id="10" presetID="10" presetClass="entr" presetSubtype="0" fill="hold" nodeType="clickEffect">
+                                  <p:stCondLst>
+                                    <p:cond delay="0"/>
+                                  </p:stCondLst>
+                                  <p:childTnLst>
+                                    <p:set>
+                                      <p:cBhvr>
+                                        <p:cTn id="11" dur="1" fill="hold">
+                                          <p:stCondLst>
+                                            <p:cond delay="0"/>
+                                          </p:stCondLst>
+                                        </p:cTn>
+                                        <p:tgtEl>
+                                          <p:spTgt spid="8">
+                                            <p:txEl>
+                                              <p:pRg st="2" end="2"/>
+                                            </p:txEl>
+                                          </p:spTgt>
+                                        </p:tgtEl>
+                                        <p:attrNameLst>
+                                          <p:attrName>style.visibility</p:attrName>
+                                        </p:attrNameLst>
+                                      </p:cBhvr>
+                                      <p:to>
+                                        <p:strVal val="visible"/>
+                                      </p:to>
+                                    </p:set>
+                                    <p:animEffect transition="in" filter="fade">
+                                      <p:cBhvr>
+                                        <p:cTn id="12" dur="500"/>
+                                        <p:tgtEl>
+                                          <p:spTgt spid="8">
+                                            <p:txEl>
+                                              <p:pRg st="2" end="2"/>
+                                            </p:txEl>
+                                          </p:spTgt>
+                                        </p:tgtEl>
+                                      </p:cBhvr>
+                                    </p:animEffect>
+                                  </p:childTnLst>
+                                </p:cTn>
+                              </p:par>
+                            </p:childTnLst>
+                          </p:cTn>
+                        </p:par>
+                      </p:childTnLst>
+                    </p:cTn>
+                  </p:par>
+                </p:childTnLst>
+              </p:cTn>
+              <p:prevCondLst>
+                <p:cond evt="onPrev" delay="0">
+                  <p:tgtEl>
+                    <p:sldTgt/>
+                  </p:tgtEl>
+                </p:cond>
+              </p:prevCondLst>
+              <p:nextCondLst>
+                <p:cond evt="onNext" delay="0">
+                  <p:tgtEl>
+                    <p:sldTgt/>
+                  </p:tgtEl>
+                </p:cond>
+              </p:nextCondLst>
+            </p:seq>
+          </p:childTnLst>
+        </p:cTn>
+      </p:par>
+    </p:tnLst>
+  </p:timing>
+</p:sld>
+</file>
+
+<file path=ppt/slides/slide15.xml><?xml version="1.0" encoding="utf-8"?>
 <p:sld xmlns:a="http://schemas.openxmlformats.org/drawingml/2006/main" xmlns:r="http://schemas.openxmlformats.org/officeDocument/2006/relationships" xmlns:p="http://schemas.openxmlformats.org/presentationml/2006/main">
   <p:cSld>
     <p:spTree>
@@ -6257,6 +7853,41 @@
           </mc:Fallback>
         </mc:AlternateContent>
       </p:grpSp>
+      <p:sp>
+        <p:nvSpPr>
+          <p:cNvPr id="57" name="TextBox 56">
+            <a:extLst>
+              <a:ext uri="{FF2B5EF4-FFF2-40B4-BE49-F238E27FC236}">
+                <a16:creationId xmlns:a16="http://schemas.microsoft.com/office/drawing/2014/main" id="{34AF1D3B-365D-8023-7969-263FE9191D20}"/>
+              </a:ext>
+            </a:extLst>
+          </p:cNvPr>
+          <p:cNvSpPr txBox="1"/>
+          <p:nvPr/>
+        </p:nvSpPr>
+        <p:spPr>
+          <a:xfrm>
+            <a:off x="9128760" y="4772159"/>
+            <a:ext cx="2504440" cy="923330"/>
+          </a:xfrm>
+          <a:prstGeom prst="rect">
+            <a:avLst/>
+          </a:prstGeom>
+          <a:noFill/>
+        </p:spPr>
+        <p:txBody>
+          <a:bodyPr wrap="square" rtlCol="0">
+            <a:spAutoFit/>
+          </a:bodyPr>
+          <a:lstStyle/>
+          <a:p>
+            <a:r>
+              <a:rPr lang="en-GB" dirty="0"/>
+              <a:t>Array is split up into 8 parts, one for each worker process.</a:t>
+            </a:r>
+          </a:p>
+        </p:txBody>
+      </p:sp>
     </p:spTree>
     <p:extLst>
       <p:ext uri="{BB962C8B-B14F-4D97-AF65-F5344CB8AC3E}">
@@ -6426,6 +8057,112 @@
                       </p:childTnLst>
                     </p:cTn>
                   </p:par>
+                  <p:par>
+                    <p:cTn id="17" fill="hold">
+                      <p:stCondLst>
+                        <p:cond delay="indefinite"/>
+                      </p:stCondLst>
+                      <p:childTnLst>
+                        <p:par>
+                          <p:cTn id="18" fill="hold">
+                            <p:stCondLst>
+                              <p:cond delay="0"/>
+                            </p:stCondLst>
+                            <p:childTnLst>
+                              <p:par>
+                                <p:cTn id="19" presetID="10" presetClass="entr" presetSubtype="0" fill="hold" nodeType="clickEffect">
+                                  <p:stCondLst>
+                                    <p:cond delay="0"/>
+                                  </p:stCondLst>
+                                  <p:childTnLst>
+                                    <p:set>
+                                      <p:cBhvr>
+                                        <p:cTn id="20" dur="1" fill="hold">
+                                          <p:stCondLst>
+                                            <p:cond delay="0"/>
+                                          </p:stCondLst>
+                                        </p:cTn>
+                                        <p:tgtEl>
+                                          <p:spTgt spid="54"/>
+                                        </p:tgtEl>
+                                        <p:attrNameLst>
+                                          <p:attrName>style.visibility</p:attrName>
+                                        </p:attrNameLst>
+                                      </p:cBhvr>
+                                      <p:to>
+                                        <p:strVal val="visible"/>
+                                      </p:to>
+                                    </p:set>
+                                    <p:animEffect transition="in" filter="fade">
+                                      <p:cBhvr>
+                                        <p:cTn id="21" dur="500"/>
+                                        <p:tgtEl>
+                                          <p:spTgt spid="54"/>
+                                        </p:tgtEl>
+                                      </p:cBhvr>
+                                    </p:animEffect>
+                                  </p:childTnLst>
+                                </p:cTn>
+                              </p:par>
+                            </p:childTnLst>
+                          </p:cTn>
+                        </p:par>
+                      </p:childTnLst>
+                    </p:cTn>
+                  </p:par>
+                  <p:par>
+                    <p:cTn id="22" fill="hold">
+                      <p:stCondLst>
+                        <p:cond delay="indefinite"/>
+                      </p:stCondLst>
+                      <p:childTnLst>
+                        <p:par>
+                          <p:cTn id="23" fill="hold">
+                            <p:stCondLst>
+                              <p:cond delay="0"/>
+                            </p:stCondLst>
+                            <p:childTnLst>
+                              <p:par>
+                                <p:cTn id="24" presetID="10" presetClass="entr" presetSubtype="0" fill="hold" nodeType="clickEffect">
+                                  <p:stCondLst>
+                                    <p:cond delay="0"/>
+                                  </p:stCondLst>
+                                  <p:childTnLst>
+                                    <p:set>
+                                      <p:cBhvr>
+                                        <p:cTn id="25" dur="1" fill="hold">
+                                          <p:stCondLst>
+                                            <p:cond delay="0"/>
+                                          </p:stCondLst>
+                                        </p:cTn>
+                                        <p:tgtEl>
+                                          <p:spTgt spid="42"/>
+                                        </p:tgtEl>
+                                        <p:attrNameLst>
+                                          <p:attrName>style.visibility</p:attrName>
+                                        </p:attrNameLst>
+                                      </p:cBhvr>
+                                      <p:to>
+                                        <p:strVal val="visible"/>
+                                      </p:to>
+                                    </p:set>
+                                    <p:animEffect transition="in" filter="fade">
+                                      <p:cBhvr>
+                                        <p:cTn id="26" dur="500"/>
+                                        <p:tgtEl>
+                                          <p:spTgt spid="42"/>
+                                        </p:tgtEl>
+                                      </p:cBhvr>
+                                    </p:animEffect>
+                                  </p:childTnLst>
+                                </p:cTn>
+                              </p:par>
+                            </p:childTnLst>
+                          </p:cTn>
+                        </p:par>
+                      </p:childTnLst>
+                    </p:cTn>
+                  </p:par>
                 </p:childTnLst>
               </p:cTn>
               <p:prevCondLst>
@@ -6451,7 +8188,7 @@
 </p:sld>
 </file>
 
-<file path=ppt/slides/slide13.xml><?xml version="1.0" encoding="utf-8"?>
+<file path=ppt/slides/slide16.xml><?xml version="1.0" encoding="utf-8"?>
 <p:sld xmlns:a="http://schemas.openxmlformats.org/drawingml/2006/main" xmlns:r="http://schemas.openxmlformats.org/officeDocument/2006/relationships" xmlns:p="http://schemas.openxmlformats.org/presentationml/2006/main">
   <p:cSld>
     <p:spTree>
@@ -6581,7 +8318,7 @@
 </p:sld>
 </file>
 
-<file path=ppt/slides/slide14.xml><?xml version="1.0" encoding="utf-8"?>
+<file path=ppt/slides/slide17.xml><?xml version="1.0" encoding="utf-8"?>
 <p:sld xmlns:a="http://schemas.openxmlformats.org/drawingml/2006/main" xmlns:r="http://schemas.openxmlformats.org/officeDocument/2006/relationships" xmlns:p="http://schemas.openxmlformats.org/presentationml/2006/main">
   <p:cSld>
     <p:spTree>
@@ -6685,12 +8422,55 @@
           </a:p>
         </p:txBody>
       </p:sp>
+      <p:sp>
+        <p:nvSpPr>
+          <p:cNvPr id="7" name="TextBox 6">
+            <a:extLst>
+              <a:ext uri="{FF2B5EF4-FFF2-40B4-BE49-F238E27FC236}">
+                <a16:creationId xmlns:a16="http://schemas.microsoft.com/office/drawing/2014/main" id="{3DCEE888-8200-AA54-F7F0-8BBFDFEDC96F}"/>
+              </a:ext>
+            </a:extLst>
+          </p:cNvPr>
+          <p:cNvSpPr txBox="1"/>
+          <p:nvPr/>
+        </p:nvSpPr>
+        <p:spPr>
+          <a:xfrm>
+            <a:off x="2603976" y="5304006"/>
+            <a:ext cx="6077655" cy="923330"/>
+          </a:xfrm>
+          <a:prstGeom prst="rect">
+            <a:avLst/>
+          </a:prstGeom>
+          <a:noFill/>
+        </p:spPr>
+        <p:txBody>
+          <a:bodyPr wrap="square" rtlCol="0">
+            <a:spAutoFit/>
+          </a:bodyPr>
+          <a:lstStyle/>
+          <a:p>
+            <a:r>
+              <a:rPr lang="en-GB" i="1" dirty="0"/>
+              <a:t>This code runs our standard array function on each local part of the distributed array. This only affects the function when using </a:t>
+            </a:r>
+            <a:r>
+              <a:rPr lang="en-GB" b="1" dirty="0" err="1"/>
+              <a:t>DArray</a:t>
+            </a:r>
+            <a:r>
+              <a:rPr lang="en-GB" i="1" dirty="0"/>
+              <a:t> datatypes.</a:t>
+            </a:r>
+          </a:p>
+        </p:txBody>
+      </p:sp>
       <p:pic>
         <p:nvPicPr>
-          <p:cNvPr id="5" name="Picture 4">
-            <a:extLst>
-              <a:ext uri="{FF2B5EF4-FFF2-40B4-BE49-F238E27FC236}">
-                <a16:creationId xmlns:a16="http://schemas.microsoft.com/office/drawing/2014/main" id="{D9CB95F5-A21A-0B34-0F44-75BF0752619F}"/>
+          <p:cNvPr id="11" name="Picture 10">
+            <a:extLst>
+              <a:ext uri="{FF2B5EF4-FFF2-40B4-BE49-F238E27FC236}">
+                <a16:creationId xmlns:a16="http://schemas.microsoft.com/office/drawing/2014/main" id="{3244DAA9-507B-DC03-D5F2-4C7FA404D58C}"/>
               </a:ext>
             </a:extLst>
           </p:cNvPr>
@@ -6707,20 +8487,113 @@
         </p:blipFill>
         <p:spPr>
           <a:xfrm>
-            <a:off x="929381" y="3524350"/>
-            <a:ext cx="10058917" cy="1936850"/>
+            <a:off x="1492366" y="3367156"/>
+            <a:ext cx="8731699" cy="1936850"/>
           </a:xfrm>
           <a:prstGeom prst="rect">
             <a:avLst/>
           </a:prstGeom>
         </p:spPr>
       </p:pic>
+    </p:spTree>
+    <p:extLst>
+      <p:ext uri="{BB962C8B-B14F-4D97-AF65-F5344CB8AC3E}">
+        <p14:creationId xmlns:p14="http://schemas.microsoft.com/office/powerpoint/2010/main" val="2318470549"/>
+      </p:ext>
+    </p:extLst>
+  </p:cSld>
+  <p:clrMapOvr>
+    <a:masterClrMapping/>
+  </p:clrMapOvr>
+</p:sld>
+</file>
+
+<file path=ppt/slides/slide18.xml><?xml version="1.0" encoding="utf-8"?>
+<p:sld xmlns:a="http://schemas.openxmlformats.org/drawingml/2006/main" xmlns:r="http://schemas.openxmlformats.org/officeDocument/2006/relationships" xmlns:p="http://schemas.openxmlformats.org/presentationml/2006/main">
+  <p:cSld>
+    <p:spTree>
+      <p:nvGrpSpPr>
+        <p:cNvPr id="1" name=""/>
+        <p:cNvGrpSpPr/>
+        <p:nvPr/>
+      </p:nvGrpSpPr>
+      <p:grpSpPr>
+        <a:xfrm>
+          <a:off x="0" y="0"/>
+          <a:ext cx="0" cy="0"/>
+          <a:chOff x="0" y="0"/>
+          <a:chExt cx="0" cy="0"/>
+        </a:xfrm>
+      </p:grpSpPr>
       <p:sp>
         <p:nvSpPr>
-          <p:cNvPr id="7" name="TextBox 6">
-            <a:extLst>
-              <a:ext uri="{FF2B5EF4-FFF2-40B4-BE49-F238E27FC236}">
-                <a16:creationId xmlns:a16="http://schemas.microsoft.com/office/drawing/2014/main" id="{3DCEE888-8200-AA54-F7F0-8BBFDFEDC96F}"/>
+          <p:cNvPr id="2" name="Title 1">
+            <a:extLst>
+              <a:ext uri="{FF2B5EF4-FFF2-40B4-BE49-F238E27FC236}">
+                <a16:creationId xmlns:a16="http://schemas.microsoft.com/office/drawing/2014/main" id="{4AC2C904-3F7B-75DD-D911-7A3DD70E23A5}"/>
+              </a:ext>
+            </a:extLst>
+          </p:cNvPr>
+          <p:cNvSpPr>
+            <a:spLocks noGrp="1"/>
+          </p:cNvSpPr>
+          <p:nvPr>
+            <p:ph type="title"/>
+          </p:nvPr>
+        </p:nvSpPr>
+        <p:spPr/>
+        <p:txBody>
+          <a:bodyPr/>
+          <a:lstStyle/>
+          <a:p>
+            <a:r>
+              <a:rPr lang="en-GB" dirty="0"/>
+              <a:t>Benchmarks</a:t>
+            </a:r>
+          </a:p>
+        </p:txBody>
+      </p:sp>
+      <p:pic>
+        <p:nvPicPr>
+          <p:cNvPr id="7" name="Content Placeholder 6" descr="Chart, line chart&#10;&#10;Description automatically generated">
+            <a:extLst>
+              <a:ext uri="{FF2B5EF4-FFF2-40B4-BE49-F238E27FC236}">
+                <a16:creationId xmlns:a16="http://schemas.microsoft.com/office/drawing/2014/main" id="{2ADCE45A-AF88-6E78-3C36-7D103BD4FA16}"/>
+              </a:ext>
+            </a:extLst>
+          </p:cNvPr>
+          <p:cNvPicPr>
+            <a:picLocks noGrp="1" noChangeAspect="1"/>
+          </p:cNvPicPr>
+          <p:nvPr>
+            <p:ph idx="1"/>
+          </p:nvPr>
+        </p:nvPicPr>
+        <p:blipFill>
+          <a:blip r:embed="rId2">
+            <a:extLst>
+              <a:ext uri="{28A0092B-C50C-407E-A947-70E740481C1C}">
+                <a14:useLocalDpi xmlns:a14="http://schemas.microsoft.com/office/drawing/2010/main" val="0"/>
+              </a:ext>
+            </a:extLst>
+          </a:blip>
+          <a:stretch>
+            <a:fillRect/>
+          </a:stretch>
+        </p:blipFill>
+        <p:spPr>
+          <a:xfrm>
+            <a:off x="3218656" y="2576513"/>
+            <a:ext cx="5400675" cy="3600450"/>
+          </a:xfrm>
+        </p:spPr>
+      </p:pic>
+      <p:sp>
+        <p:nvSpPr>
+          <p:cNvPr id="14" name="TextBox 13">
+            <a:extLst>
+              <a:ext uri="{FF2B5EF4-FFF2-40B4-BE49-F238E27FC236}">
+                <a16:creationId xmlns:a16="http://schemas.microsoft.com/office/drawing/2014/main" id="{8A187190-3A92-3B99-4EA1-F0ED54ECF666}"/>
               </a:ext>
             </a:extLst>
           </p:cNvPr>
@@ -6729,8 +8602,8 @@
         </p:nvSpPr>
         <p:spPr>
           <a:xfrm>
-            <a:off x="1760219" y="5390663"/>
-            <a:ext cx="8752840" cy="646331"/>
+            <a:off x="8619331" y="3638074"/>
+            <a:ext cx="3176429" cy="1477328"/>
           </a:xfrm>
           <a:prstGeom prst="rect">
             <a:avLst/>
@@ -6744,54 +8617,176 @@
           <a:lstStyle/>
           <a:p>
             <a:r>
-              <a:rPr lang="en-GB" i="1" dirty="0"/>
-              <a:t>This code runs our standard array function on each local part of the distributed array. This only affects the function when using </a:t>
-            </a:r>
-            <a:r>
-              <a:rPr lang="en-GB" b="1" dirty="0" err="1"/>
-              <a:t>DArray</a:t>
-            </a:r>
-            <a:r>
-              <a:rPr lang="en-GB" i="1" dirty="0"/>
-              <a:t> datatypes.</a:t>
+              <a:rPr lang="en-GB" dirty="0"/>
+              <a:t>Distributed implementation approaches maximum speedup, as it follows the same chunk approach as the threaded blocks.</a:t>
             </a:r>
           </a:p>
         </p:txBody>
       </p:sp>
-      <p:pic>
-        <p:nvPicPr>
-          <p:cNvPr id="9" name="Picture 8">
-            <a:extLst>
-              <a:ext uri="{FF2B5EF4-FFF2-40B4-BE49-F238E27FC236}">
-                <a16:creationId xmlns:a16="http://schemas.microsoft.com/office/drawing/2014/main" id="{EEADF5AC-9625-92BA-997A-59D2317107BB}"/>
-              </a:ext>
-            </a:extLst>
-          </p:cNvPr>
-          <p:cNvPicPr>
-            <a:picLocks noChangeAspect="1"/>
-          </p:cNvPicPr>
-          <p:nvPr/>
-        </p:nvPicPr>
-        <p:blipFill>
-          <a:blip r:embed="rId3"/>
-          <a:stretch>
-            <a:fillRect/>
-          </a:stretch>
-        </p:blipFill>
-        <p:spPr>
-          <a:xfrm>
-            <a:off x="2750231" y="6200760"/>
-            <a:ext cx="5785147" cy="292115"/>
-          </a:xfrm>
-          <a:prstGeom prst="rect">
-            <a:avLst/>
-          </a:prstGeom>
-        </p:spPr>
-      </p:pic>
     </p:spTree>
     <p:extLst>
       <p:ext uri="{BB962C8B-B14F-4D97-AF65-F5344CB8AC3E}">
-        <p14:creationId xmlns:p14="http://schemas.microsoft.com/office/powerpoint/2010/main" val="2318470549"/>
+        <p14:creationId xmlns:p14="http://schemas.microsoft.com/office/powerpoint/2010/main" val="2392558857"/>
+      </p:ext>
+    </p:extLst>
+  </p:cSld>
+  <p:clrMapOvr>
+    <a:masterClrMapping/>
+  </p:clrMapOvr>
+</p:sld>
+</file>
+
+<file path=ppt/slides/slide19.xml><?xml version="1.0" encoding="utf-8"?>
+<p:sld xmlns:a="http://schemas.openxmlformats.org/drawingml/2006/main" xmlns:r="http://schemas.openxmlformats.org/officeDocument/2006/relationships" xmlns:p="http://schemas.openxmlformats.org/presentationml/2006/main">
+  <p:cSld>
+    <p:spTree>
+      <p:nvGrpSpPr>
+        <p:cNvPr id="1" name=""/>
+        <p:cNvGrpSpPr/>
+        <p:nvPr/>
+      </p:nvGrpSpPr>
+      <p:grpSpPr>
+        <a:xfrm>
+          <a:off x="0" y="0"/>
+          <a:ext cx="0" cy="0"/>
+          <a:chOff x="0" y="0"/>
+          <a:chExt cx="0" cy="0"/>
+        </a:xfrm>
+      </p:grpSpPr>
+      <p:sp>
+        <p:nvSpPr>
+          <p:cNvPr id="2" name="Title 1">
+            <a:extLst>
+              <a:ext uri="{FF2B5EF4-FFF2-40B4-BE49-F238E27FC236}">
+                <a16:creationId xmlns:a16="http://schemas.microsoft.com/office/drawing/2014/main" id="{3B0A5B71-2F08-6AD5-A7CB-2C258842D54F}"/>
+              </a:ext>
+            </a:extLst>
+          </p:cNvPr>
+          <p:cNvSpPr>
+            <a:spLocks noGrp="1"/>
+          </p:cNvSpPr>
+          <p:nvPr>
+            <p:ph type="title"/>
+          </p:nvPr>
+        </p:nvSpPr>
+        <p:spPr/>
+        <p:txBody>
+          <a:bodyPr/>
+          <a:lstStyle/>
+          <a:p>
+            <a:r>
+              <a:rPr lang="en-GB" dirty="0"/>
+              <a:t>Conclusions</a:t>
+            </a:r>
+          </a:p>
+        </p:txBody>
+      </p:sp>
+      <p:sp>
+        <p:nvSpPr>
+          <p:cNvPr id="3" name="Content Placeholder 2">
+            <a:extLst>
+              <a:ext uri="{FF2B5EF4-FFF2-40B4-BE49-F238E27FC236}">
+                <a16:creationId xmlns:a16="http://schemas.microsoft.com/office/drawing/2014/main" id="{A14E6C02-DE29-BB7E-58CC-5C4E9765AC37}"/>
+              </a:ext>
+            </a:extLst>
+          </p:cNvPr>
+          <p:cNvSpPr>
+            <a:spLocks noGrp="1"/>
+          </p:cNvSpPr>
+          <p:nvPr>
+            <p:ph idx="1"/>
+          </p:nvPr>
+        </p:nvSpPr>
+        <p:spPr/>
+        <p:txBody>
+          <a:bodyPr/>
+          <a:lstStyle/>
+          <a:p>
+            <a:pPr marL="342900" indent="-342900">
+              <a:buFont typeface="Arial" panose="020B0604020202020204" pitchFamily="34" charset="0"/>
+              <a:buChar char="•"/>
+            </a:pPr>
+            <a:r>
+              <a:rPr lang="en-GB" dirty="0"/>
+              <a:t>Julia is a </a:t>
+            </a:r>
+            <a:r>
+              <a:rPr lang="en-GB" b="1" dirty="0"/>
+              <a:t>fast </a:t>
+            </a:r>
+            <a:r>
+              <a:rPr lang="en-GB" dirty="0"/>
+              <a:t>language, suitable for numerical computing</a:t>
+            </a:r>
+          </a:p>
+          <a:p>
+            <a:pPr marL="342900" indent="-342900">
+              <a:buFont typeface="Arial" panose="020B0604020202020204" pitchFamily="34" charset="0"/>
+              <a:buChar char="•"/>
+            </a:pPr>
+            <a:r>
+              <a:rPr lang="en-GB" dirty="0"/>
+              <a:t>Has great, lower barrier-to-entry, support for </a:t>
+            </a:r>
+            <a:r>
+              <a:rPr lang="en-GB" b="1" dirty="0"/>
+              <a:t>parallel computing </a:t>
+            </a:r>
+            <a:r>
+              <a:rPr lang="en-GB" dirty="0"/>
+              <a:t>at all levels</a:t>
+            </a:r>
+          </a:p>
+          <a:p>
+            <a:pPr marL="342900" indent="-342900">
+              <a:buFont typeface="Arial" panose="020B0604020202020204" pitchFamily="34" charset="0"/>
+              <a:buChar char="•"/>
+            </a:pPr>
+            <a:r>
+              <a:rPr lang="en-GB" dirty="0"/>
+              <a:t>Compiler specialised on types allows for </a:t>
+            </a:r>
+            <a:r>
+              <a:rPr lang="en-GB" b="1" dirty="0"/>
+              <a:t>high-performance</a:t>
+            </a:r>
+            <a:r>
+              <a:rPr lang="en-GB" dirty="0"/>
+              <a:t> and </a:t>
+            </a:r>
+            <a:r>
+              <a:rPr lang="en-GB" b="1" dirty="0"/>
+              <a:t>reusable</a:t>
+            </a:r>
+            <a:r>
+              <a:rPr lang="en-GB" dirty="0"/>
+              <a:t> </a:t>
+            </a:r>
+            <a:r>
+              <a:rPr lang="en-GB" b="1" dirty="0"/>
+              <a:t>generic</a:t>
+            </a:r>
+            <a:r>
+              <a:rPr lang="en-GB" dirty="0"/>
+              <a:t> code</a:t>
+            </a:r>
+          </a:p>
+          <a:p>
+            <a:pPr marL="342900" indent="-342900">
+              <a:buFont typeface="Arial" panose="020B0604020202020204" pitchFamily="34" charset="0"/>
+              <a:buChar char="•"/>
+            </a:pPr>
+            <a:r>
+              <a:rPr lang="en-GB" dirty="0"/>
+              <a:t>Is easy to write, prototype and understand!</a:t>
+            </a:r>
+          </a:p>
+        </p:txBody>
+      </p:sp>
+    </p:spTree>
+    <p:extLst>
+      <p:ext uri="{BB962C8B-B14F-4D97-AF65-F5344CB8AC3E}">
+        <p14:creationId xmlns:p14="http://schemas.microsoft.com/office/powerpoint/2010/main" val="4162882365"/>
       </p:ext>
     </p:extLst>
   </p:cSld>
@@ -7351,6 +9346,358 @@
       </p:par>
     </p:tnLst>
   </p:timing>
+</p:sld>
+</file>
+
+<file path=ppt/slides/slide20.xml><?xml version="1.0" encoding="utf-8"?>
+<p:sld xmlns:a="http://schemas.openxmlformats.org/drawingml/2006/main" xmlns:r="http://schemas.openxmlformats.org/officeDocument/2006/relationships" xmlns:p="http://schemas.openxmlformats.org/presentationml/2006/main">
+  <p:cSld>
+    <p:bg>
+      <p:bgPr>
+        <a:solidFill>
+          <a:schemeClr val="bg1"/>
+        </a:solidFill>
+        <a:effectLst/>
+      </p:bgPr>
+    </p:bg>
+    <p:spTree>
+      <p:nvGrpSpPr>
+        <p:cNvPr id="1" name=""/>
+        <p:cNvGrpSpPr/>
+        <p:nvPr/>
+      </p:nvGrpSpPr>
+      <p:grpSpPr>
+        <a:xfrm>
+          <a:off x="0" y="0"/>
+          <a:ext cx="0" cy="0"/>
+          <a:chOff x="0" y="0"/>
+          <a:chExt cx="0" cy="0"/>
+        </a:xfrm>
+      </p:grpSpPr>
+      <p:sp useBgFill="1">
+        <p:nvSpPr>
+          <p:cNvPr id="22" name="Rectangle 21">
+            <a:extLst>
+              <a:ext uri="{FF2B5EF4-FFF2-40B4-BE49-F238E27FC236}">
+                <a16:creationId xmlns:a16="http://schemas.microsoft.com/office/drawing/2014/main" id="{F06B261F-632C-43DC-8DC7-7723B368270D}"/>
+              </a:ext>
+              <a:ext uri="{C183D7F6-B498-43B3-948B-1728B52AA6E4}">
+                <adec:decorative xmlns:adec="http://schemas.microsoft.com/office/drawing/2017/decorative" val="1"/>
+              </a:ext>
+            </a:extLst>
+          </p:cNvPr>
+          <p:cNvSpPr>
+            <a:spLocks noGrp="1" noRot="1" noChangeAspect="1" noMove="1" noResize="1" noEditPoints="1" noAdjustHandles="1" noChangeArrowheads="1" noChangeShapeType="1" noTextEdit="1"/>
+          </p:cNvSpPr>
+          <p:nvPr>
+            <p:extLst>
+              <p:ext uri="{386F3935-93C4-4BCD-93E2-E3B085C9AB24}">
+                <p16:designElem xmlns:p16="http://schemas.microsoft.com/office/powerpoint/2015/main" val="1"/>
+              </p:ext>
+            </p:extLst>
+          </p:nvPr>
+        </p:nvSpPr>
+        <p:spPr>
+          <a:xfrm>
+            <a:off x="0" y="0"/>
+            <a:ext cx="12192000" cy="6858000"/>
+          </a:xfrm>
+          <a:prstGeom prst="rect">
+            <a:avLst/>
+          </a:prstGeom>
+          <a:ln>
+            <a:noFill/>
+          </a:ln>
+        </p:spPr>
+        <p:style>
+          <a:lnRef idx="2">
+            <a:schemeClr val="accent1">
+              <a:shade val="50000"/>
+            </a:schemeClr>
+          </a:lnRef>
+          <a:fillRef idx="1">
+            <a:schemeClr val="accent1"/>
+          </a:fillRef>
+          <a:effectRef idx="0">
+            <a:schemeClr val="accent1"/>
+          </a:effectRef>
+          <a:fontRef idx="minor">
+            <a:schemeClr val="lt1"/>
+          </a:fontRef>
+        </p:style>
+        <p:txBody>
+          <a:bodyPr rtlCol="0" anchor="ctr"/>
+          <a:lstStyle/>
+          <a:p>
+            <a:pPr algn="ctr"/>
+            <a:endParaRPr lang="en-US"/>
+          </a:p>
+        </p:txBody>
+      </p:sp>
+      <p:sp>
+        <p:nvSpPr>
+          <p:cNvPr id="24" name="Rectangle 23">
+            <a:extLst>
+              <a:ext uri="{FF2B5EF4-FFF2-40B4-BE49-F238E27FC236}">
+                <a16:creationId xmlns:a16="http://schemas.microsoft.com/office/drawing/2014/main" id="{4E524C7F-EE50-42C5-9434-7C78CE04445B}"/>
+              </a:ext>
+              <a:ext uri="{C183D7F6-B498-43B3-948B-1728B52AA6E4}">
+                <adec:decorative xmlns:adec="http://schemas.microsoft.com/office/drawing/2017/decorative" val="1"/>
+              </a:ext>
+            </a:extLst>
+          </p:cNvPr>
+          <p:cNvSpPr>
+            <a:spLocks noGrp="1" noRot="1" noChangeAspect="1" noMove="1" noResize="1" noEditPoints="1" noAdjustHandles="1" noChangeArrowheads="1" noChangeShapeType="1" noTextEdit="1"/>
+          </p:cNvSpPr>
+          <p:nvPr>
+            <p:extLst>
+              <p:ext uri="{386F3935-93C4-4BCD-93E2-E3B085C9AB24}">
+                <p16:designElem xmlns:p16="http://schemas.microsoft.com/office/powerpoint/2015/main" val="1"/>
+              </p:ext>
+            </p:extLst>
+          </p:nvPr>
+        </p:nvSpPr>
+        <p:spPr>
+          <a:xfrm>
+            <a:off x="0" y="0"/>
+            <a:ext cx="6083644" cy="6861333"/>
+          </a:xfrm>
+          <a:prstGeom prst="rect">
+            <a:avLst/>
+          </a:prstGeom>
+          <a:solidFill>
+            <a:schemeClr val="tx2"/>
+          </a:solidFill>
+          <a:ln>
+            <a:noFill/>
+          </a:ln>
+        </p:spPr>
+        <p:style>
+          <a:lnRef idx="2">
+            <a:schemeClr val="accent1">
+              <a:shade val="50000"/>
+            </a:schemeClr>
+          </a:lnRef>
+          <a:fillRef idx="1">
+            <a:schemeClr val="accent1"/>
+          </a:fillRef>
+          <a:effectRef idx="0">
+            <a:schemeClr val="accent1"/>
+          </a:effectRef>
+          <a:fontRef idx="minor">
+            <a:schemeClr val="lt1"/>
+          </a:fontRef>
+        </p:style>
+        <p:txBody>
+          <a:bodyPr rtlCol="0" anchor="ctr"/>
+          <a:lstStyle/>
+          <a:p>
+            <a:pPr algn="ctr"/>
+            <a:endParaRPr lang="en-US"/>
+          </a:p>
+        </p:txBody>
+      </p:sp>
+      <p:sp>
+        <p:nvSpPr>
+          <p:cNvPr id="2" name="Title 1">
+            <a:extLst>
+              <a:ext uri="{FF2B5EF4-FFF2-40B4-BE49-F238E27FC236}">
+                <a16:creationId xmlns:a16="http://schemas.microsoft.com/office/drawing/2014/main" id="{1AC60EF6-5978-4012-6097-8CB3B9EC8F31}"/>
+              </a:ext>
+            </a:extLst>
+          </p:cNvPr>
+          <p:cNvSpPr>
+            <a:spLocks noGrp="1"/>
+          </p:cNvSpPr>
+          <p:nvPr>
+            <p:ph type="title"/>
+          </p:nvPr>
+        </p:nvSpPr>
+        <p:spPr>
+          <a:xfrm>
+            <a:off x="484552" y="365125"/>
+            <a:ext cx="5022630" cy="2430030"/>
+          </a:xfrm>
+        </p:spPr>
+        <p:txBody>
+          <a:bodyPr vert="horz" lIns="91440" tIns="45720" rIns="91440" bIns="45720" rtlCol="0" anchor="b">
+            <a:normAutofit/>
+          </a:bodyPr>
+          <a:lstStyle/>
+          <a:p>
+            <a:r>
+              <a:rPr lang="en-US" dirty="0"/>
+              <a:t>Thanks for listening!</a:t>
+            </a:r>
+          </a:p>
+        </p:txBody>
+      </p:sp>
+      <p:sp>
+        <p:nvSpPr>
+          <p:cNvPr id="4" name="TextBox 3">
+            <a:extLst>
+              <a:ext uri="{FF2B5EF4-FFF2-40B4-BE49-F238E27FC236}">
+                <a16:creationId xmlns:a16="http://schemas.microsoft.com/office/drawing/2014/main" id="{AD1B04BB-6C1B-9230-614A-6403FC03BEF5}"/>
+              </a:ext>
+            </a:extLst>
+          </p:cNvPr>
+          <p:cNvSpPr txBox="1"/>
+          <p:nvPr/>
+        </p:nvSpPr>
+        <p:spPr>
+          <a:xfrm>
+            <a:off x="233680" y="3054927"/>
+            <a:ext cx="5273502" cy="3122036"/>
+          </a:xfrm>
+          <a:prstGeom prst="rect">
+            <a:avLst/>
+          </a:prstGeom>
+        </p:spPr>
+        <p:txBody>
+          <a:bodyPr vert="horz" lIns="91440" tIns="45720" rIns="91440" bIns="45720" rtlCol="0">
+            <a:normAutofit/>
+          </a:bodyPr>
+          <a:lstStyle/>
+          <a:p>
+            <a:pPr marL="571500" indent="-285750">
+              <a:spcAft>
+                <a:spcPts val="600"/>
+              </a:spcAft>
+              <a:buFont typeface="Arial" panose="020B0604020202020204" pitchFamily="34" charset="0"/>
+              <a:buChar char="•"/>
+            </a:pPr>
+            <a:r>
+              <a:rPr lang="en-US" dirty="0">
+                <a:solidFill>
+                  <a:schemeClr val="bg1"/>
+                </a:solidFill>
+              </a:rPr>
+              <a:t>All code available at </a:t>
+            </a:r>
+            <a:r>
+              <a:rPr lang="en-US" dirty="0">
+                <a:solidFill>
+                  <a:schemeClr val="bg1"/>
+                </a:solidFill>
+                <a:hlinkClick r:id="rId2"/>
+              </a:rPr>
+              <a:t>https://github.com/JamieMair/julia-for-research-with-hpc</a:t>
+            </a:r>
+            <a:endParaRPr lang="en-US" dirty="0">
+              <a:solidFill>
+                <a:schemeClr val="bg1"/>
+              </a:solidFill>
+            </a:endParaRPr>
+          </a:p>
+          <a:p>
+            <a:pPr marL="571500" indent="-285750">
+              <a:spcAft>
+                <a:spcPts val="600"/>
+              </a:spcAft>
+              <a:buFont typeface="Arial" panose="020B0604020202020204" pitchFamily="34" charset="0"/>
+              <a:buChar char="•"/>
+            </a:pPr>
+            <a:r>
+              <a:rPr lang="en-US" dirty="0">
+                <a:solidFill>
+                  <a:schemeClr val="bg1"/>
+                </a:solidFill>
+              </a:rPr>
+              <a:t>If you want access to the Julia lecture notes, email me at </a:t>
+            </a:r>
+            <a:r>
+              <a:rPr lang="en-US" u="sng" dirty="0">
+                <a:solidFill>
+                  <a:srgbClr val="00B0F0"/>
+                </a:solidFill>
+                <a:hlinkClick r:id="rId3"/>
+              </a:rPr>
+              <a:t>jamie.mair@nottingham.ac.uk</a:t>
+            </a:r>
+            <a:endParaRPr lang="en-US" u="sng" dirty="0">
+              <a:solidFill>
+                <a:srgbClr val="00B0F0"/>
+              </a:solidFill>
+            </a:endParaRPr>
+          </a:p>
+          <a:p>
+            <a:pPr marL="571500" indent="-285750">
+              <a:spcAft>
+                <a:spcPts val="600"/>
+              </a:spcAft>
+              <a:buFont typeface="Arial" panose="020B0604020202020204" pitchFamily="34" charset="0"/>
+              <a:buChar char="•"/>
+            </a:pPr>
+            <a:r>
+              <a:rPr lang="en-US" dirty="0">
+                <a:solidFill>
+                  <a:schemeClr val="bg1"/>
+                </a:solidFill>
+              </a:rPr>
+              <a:t>Any questions?</a:t>
+            </a:r>
+            <a:endParaRPr lang="en-US" u="sng" dirty="0">
+              <a:solidFill>
+                <a:srgbClr val="00B0F0"/>
+              </a:solidFill>
+            </a:endParaRPr>
+          </a:p>
+          <a:p>
+            <a:pPr marL="285750">
+              <a:lnSpc>
+                <a:spcPct val="120000"/>
+              </a:lnSpc>
+              <a:spcAft>
+                <a:spcPts val="600"/>
+              </a:spcAft>
+            </a:pPr>
+            <a:endParaRPr lang="en-US" dirty="0">
+              <a:solidFill>
+                <a:schemeClr val="bg1"/>
+              </a:solidFill>
+            </a:endParaRPr>
+          </a:p>
+        </p:txBody>
+      </p:sp>
+      <p:pic>
+        <p:nvPicPr>
+          <p:cNvPr id="18" name="Picture 17" descr="Computer script on a screen">
+            <a:extLst>
+              <a:ext uri="{FF2B5EF4-FFF2-40B4-BE49-F238E27FC236}">
+                <a16:creationId xmlns:a16="http://schemas.microsoft.com/office/drawing/2014/main" id="{35E85CF5-186B-043E-E7AD-D25320E88DA6}"/>
+              </a:ext>
+            </a:extLst>
+          </p:cNvPr>
+          <p:cNvPicPr>
+            <a:picLocks noChangeAspect="1"/>
+          </p:cNvPicPr>
+          <p:nvPr/>
+        </p:nvPicPr>
+        <p:blipFill rotWithShape="1">
+          <a:blip r:embed="rId4"/>
+          <a:srcRect l="387" r="40159" b="-1"/>
+          <a:stretch/>
+        </p:blipFill>
+        <p:spPr>
+          <a:xfrm>
+            <a:off x="6083644" y="10"/>
+            <a:ext cx="6108356" cy="6857990"/>
+          </a:xfrm>
+          <a:prstGeom prst="rect">
+            <a:avLst/>
+          </a:prstGeom>
+        </p:spPr>
+      </p:pic>
+    </p:spTree>
+    <p:extLst>
+      <p:ext uri="{BB962C8B-B14F-4D97-AF65-F5344CB8AC3E}">
+        <p14:creationId xmlns:p14="http://schemas.microsoft.com/office/powerpoint/2010/main" val="375782402"/>
+      </p:ext>
+    </p:extLst>
+  </p:cSld>
+  <p:clrMapOvr>
+    <a:masterClrMapping/>
+  </p:clrMapOvr>
 </p:sld>
 </file>
 
@@ -8873,7 +11220,7 @@
           <a:p>
             <a:r>
               <a:rPr lang="en-GB" dirty="0"/>
-              <a:t>Is it fast?</a:t>
+              <a:t>Code Overview</a:t>
             </a:r>
           </a:p>
         </p:txBody>
@@ -8900,7 +11247,7 @@
         </p:blipFill>
         <p:spPr>
           <a:xfrm>
-            <a:off x="977517" y="2734919"/>
+            <a:off x="998744" y="2902559"/>
             <a:ext cx="4464312" cy="2878680"/>
           </a:xfrm>
           <a:prstGeom prst="rect">
@@ -8908,6 +11255,201 @@
           </a:prstGeom>
         </p:spPr>
       </p:pic>
+      <p:sp>
+        <p:nvSpPr>
+          <p:cNvPr id="11" name="TextBox 10">
+            <a:extLst>
+              <a:ext uri="{FF2B5EF4-FFF2-40B4-BE49-F238E27FC236}">
+                <a16:creationId xmlns:a16="http://schemas.microsoft.com/office/drawing/2014/main" id="{F5615E35-C900-68C4-DEA7-A538BFAF4A50}"/>
+              </a:ext>
+            </a:extLst>
+          </p:cNvPr>
+          <p:cNvSpPr txBox="1"/>
+          <p:nvPr/>
+        </p:nvSpPr>
+        <p:spPr>
+          <a:xfrm>
+            <a:off x="3154699" y="3244334"/>
+            <a:ext cx="4534639" cy="369332"/>
+          </a:xfrm>
+          <a:prstGeom prst="rect">
+            <a:avLst/>
+          </a:prstGeom>
+          <a:noFill/>
+        </p:spPr>
+        <p:txBody>
+          <a:bodyPr wrap="square" rtlCol="0">
+            <a:spAutoFit/>
+          </a:bodyPr>
+          <a:lstStyle/>
+          <a:p>
+            <a:r>
+              <a:rPr lang="en-GB" i="1" dirty="0">
+                <a:solidFill>
+                  <a:srgbClr val="00B050"/>
+                </a:solidFill>
+              </a:rPr>
+              <a:t># Allocates an array with n elements</a:t>
+            </a:r>
+          </a:p>
+        </p:txBody>
+      </p:sp>
+      <p:sp>
+        <p:nvSpPr>
+          <p:cNvPr id="13" name="TextBox 12">
+            <a:extLst>
+              <a:ext uri="{FF2B5EF4-FFF2-40B4-BE49-F238E27FC236}">
+                <a16:creationId xmlns:a16="http://schemas.microsoft.com/office/drawing/2014/main" id="{0E141B8F-BDC2-16FF-0220-27B675BE04CE}"/>
+              </a:ext>
+            </a:extLst>
+          </p:cNvPr>
+          <p:cNvSpPr txBox="1"/>
+          <p:nvPr/>
+        </p:nvSpPr>
+        <p:spPr>
+          <a:xfrm>
+            <a:off x="4360026" y="3545469"/>
+            <a:ext cx="4534639" cy="369332"/>
+          </a:xfrm>
+          <a:prstGeom prst="rect">
+            <a:avLst/>
+          </a:prstGeom>
+          <a:noFill/>
+        </p:spPr>
+        <p:txBody>
+          <a:bodyPr wrap="square" rtlCol="0">
+            <a:spAutoFit/>
+          </a:bodyPr>
+          <a:lstStyle/>
+          <a:p>
+            <a:r>
+              <a:rPr lang="en-GB" i="1" dirty="0">
+                <a:solidFill>
+                  <a:srgbClr val="00B050"/>
+                </a:solidFill>
+              </a:rPr>
+              <a:t># Iterate through all indices of the array</a:t>
+            </a:r>
+          </a:p>
+        </p:txBody>
+      </p:sp>
+      <p:sp>
+        <p:nvSpPr>
+          <p:cNvPr id="15" name="TextBox 14">
+            <a:extLst>
+              <a:ext uri="{FF2B5EF4-FFF2-40B4-BE49-F238E27FC236}">
+                <a16:creationId xmlns:a16="http://schemas.microsoft.com/office/drawing/2014/main" id="{33D2D6B5-DBA0-1E34-7AF5-E7B7A7C6162D}"/>
+              </a:ext>
+            </a:extLst>
+          </p:cNvPr>
+          <p:cNvSpPr txBox="1"/>
+          <p:nvPr/>
+        </p:nvSpPr>
+        <p:spPr>
+          <a:xfrm>
+            <a:off x="3770746" y="3883070"/>
+            <a:ext cx="4534639" cy="369332"/>
+          </a:xfrm>
+          <a:prstGeom prst="rect">
+            <a:avLst/>
+          </a:prstGeom>
+          <a:noFill/>
+        </p:spPr>
+        <p:txBody>
+          <a:bodyPr wrap="square" rtlCol="0">
+            <a:spAutoFit/>
+          </a:bodyPr>
+          <a:lstStyle/>
+          <a:p>
+            <a:r>
+              <a:rPr lang="en-GB" i="1" dirty="0">
+                <a:solidFill>
+                  <a:srgbClr val="00B050"/>
+                </a:solidFill>
+              </a:rPr>
+              <a:t># Loop over all time steps (T)</a:t>
+            </a:r>
+          </a:p>
+        </p:txBody>
+      </p:sp>
+      <p:sp>
+        <p:nvSpPr>
+          <p:cNvPr id="17" name="TextBox 16">
+            <a:extLst>
+              <a:ext uri="{FF2B5EF4-FFF2-40B4-BE49-F238E27FC236}">
+                <a16:creationId xmlns:a16="http://schemas.microsoft.com/office/drawing/2014/main" id="{E8AD8CE1-5D24-E83F-D472-3C866ABFEB41}"/>
+              </a:ext>
+            </a:extLst>
+          </p:cNvPr>
+          <p:cNvSpPr txBox="1"/>
+          <p:nvPr/>
+        </p:nvSpPr>
+        <p:spPr>
+          <a:xfrm>
+            <a:off x="4570363" y="4178961"/>
+            <a:ext cx="3110871" cy="646331"/>
+          </a:xfrm>
+          <a:prstGeom prst="rect">
+            <a:avLst/>
+          </a:prstGeom>
+          <a:noFill/>
+        </p:spPr>
+        <p:txBody>
+          <a:bodyPr wrap="square" rtlCol="0">
+            <a:spAutoFit/>
+          </a:bodyPr>
+          <a:lstStyle/>
+          <a:p>
+            <a:r>
+              <a:rPr lang="en-GB" i="1" dirty="0">
+                <a:solidFill>
+                  <a:srgbClr val="00B050"/>
+                </a:solidFill>
+              </a:rPr>
+              <a:t># Add a Gaussian random number to the element</a:t>
+            </a:r>
+          </a:p>
+        </p:txBody>
+      </p:sp>
+      <p:sp>
+        <p:nvSpPr>
+          <p:cNvPr id="19" name="TextBox 18">
+            <a:extLst>
+              <a:ext uri="{FF2B5EF4-FFF2-40B4-BE49-F238E27FC236}">
+                <a16:creationId xmlns:a16="http://schemas.microsoft.com/office/drawing/2014/main" id="{DF3DA3D8-177B-11AF-A565-40D5C55481A8}"/>
+              </a:ext>
+            </a:extLst>
+          </p:cNvPr>
+          <p:cNvSpPr txBox="1"/>
+          <p:nvPr/>
+        </p:nvSpPr>
+        <p:spPr>
+          <a:xfrm>
+            <a:off x="2641385" y="5174881"/>
+            <a:ext cx="4534639" cy="369332"/>
+          </a:xfrm>
+          <a:prstGeom prst="rect">
+            <a:avLst/>
+          </a:prstGeom>
+          <a:noFill/>
+        </p:spPr>
+        <p:txBody>
+          <a:bodyPr wrap="square" rtlCol="0">
+            <a:spAutoFit/>
+          </a:bodyPr>
+          <a:lstStyle/>
+          <a:p>
+            <a:r>
+              <a:rPr lang="en-GB" i="1" dirty="0">
+                <a:solidFill>
+                  <a:srgbClr val="00B050"/>
+                </a:solidFill>
+              </a:rPr>
+              <a:t># Return the array</a:t>
+            </a:r>
+          </a:p>
+        </p:txBody>
+      </p:sp>
       <p:grpSp>
         <p:nvGrpSpPr>
           <p:cNvPr id="10" name="Group 9">
@@ -8922,7 +11464,7 @@
         </p:nvGrpSpPr>
         <p:grpSpPr>
           <a:xfrm>
-            <a:off x="6689211" y="3161324"/>
+            <a:off x="6980116" y="3333677"/>
             <a:ext cx="4070504" cy="2025870"/>
             <a:chOff x="1191958" y="2514600"/>
             <a:chExt cx="4070504" cy="2025870"/>
@@ -9020,6 +11562,559 @@
   <p:clrMapOvr>
     <a:masterClrMapping/>
   </p:clrMapOvr>
+  <p:timing>
+    <p:tnLst>
+      <p:par>
+        <p:cTn id="1" dur="indefinite" restart="never" nodeType="tmRoot">
+          <p:childTnLst>
+            <p:seq concurrent="1" nextAc="seek">
+              <p:cTn id="2" dur="indefinite" nodeType="mainSeq">
+                <p:childTnLst>
+                  <p:par>
+                    <p:cTn id="3" fill="hold">
+                      <p:stCondLst>
+                        <p:cond delay="indefinite"/>
+                      </p:stCondLst>
+                      <p:childTnLst>
+                        <p:par>
+                          <p:cTn id="4" fill="hold">
+                            <p:stCondLst>
+                              <p:cond delay="0"/>
+                            </p:stCondLst>
+                            <p:childTnLst>
+                              <p:par>
+                                <p:cTn id="5" presetID="10" presetClass="entr" presetSubtype="0" fill="hold" grpId="0" nodeType="clickEffect">
+                                  <p:stCondLst>
+                                    <p:cond delay="0"/>
+                                  </p:stCondLst>
+                                  <p:childTnLst>
+                                    <p:set>
+                                      <p:cBhvr>
+                                        <p:cTn id="6" dur="1" fill="hold">
+                                          <p:stCondLst>
+                                            <p:cond delay="0"/>
+                                          </p:stCondLst>
+                                        </p:cTn>
+                                        <p:tgtEl>
+                                          <p:spTgt spid="11"/>
+                                        </p:tgtEl>
+                                        <p:attrNameLst>
+                                          <p:attrName>style.visibility</p:attrName>
+                                        </p:attrNameLst>
+                                      </p:cBhvr>
+                                      <p:to>
+                                        <p:strVal val="visible"/>
+                                      </p:to>
+                                    </p:set>
+                                    <p:animEffect transition="in" filter="fade">
+                                      <p:cBhvr>
+                                        <p:cTn id="7" dur="500"/>
+                                        <p:tgtEl>
+                                          <p:spTgt spid="11"/>
+                                        </p:tgtEl>
+                                      </p:cBhvr>
+                                    </p:animEffect>
+                                  </p:childTnLst>
+                                </p:cTn>
+                              </p:par>
+                            </p:childTnLst>
+                          </p:cTn>
+                        </p:par>
+                      </p:childTnLst>
+                    </p:cTn>
+                  </p:par>
+                  <p:par>
+                    <p:cTn id="8" fill="hold">
+                      <p:stCondLst>
+                        <p:cond delay="indefinite"/>
+                      </p:stCondLst>
+                      <p:childTnLst>
+                        <p:par>
+                          <p:cTn id="9" fill="hold">
+                            <p:stCondLst>
+                              <p:cond delay="0"/>
+                            </p:stCondLst>
+                            <p:childTnLst>
+                              <p:par>
+                                <p:cTn id="10" presetID="10" presetClass="entr" presetSubtype="0" fill="hold" grpId="0" nodeType="clickEffect">
+                                  <p:stCondLst>
+                                    <p:cond delay="0"/>
+                                  </p:stCondLst>
+                                  <p:childTnLst>
+                                    <p:set>
+                                      <p:cBhvr>
+                                        <p:cTn id="11" dur="1" fill="hold">
+                                          <p:stCondLst>
+                                            <p:cond delay="0"/>
+                                          </p:stCondLst>
+                                        </p:cTn>
+                                        <p:tgtEl>
+                                          <p:spTgt spid="13"/>
+                                        </p:tgtEl>
+                                        <p:attrNameLst>
+                                          <p:attrName>style.visibility</p:attrName>
+                                        </p:attrNameLst>
+                                      </p:cBhvr>
+                                      <p:to>
+                                        <p:strVal val="visible"/>
+                                      </p:to>
+                                    </p:set>
+                                    <p:animEffect transition="in" filter="fade">
+                                      <p:cBhvr>
+                                        <p:cTn id="12" dur="500"/>
+                                        <p:tgtEl>
+                                          <p:spTgt spid="13"/>
+                                        </p:tgtEl>
+                                      </p:cBhvr>
+                                    </p:animEffect>
+                                  </p:childTnLst>
+                                </p:cTn>
+                              </p:par>
+                            </p:childTnLst>
+                          </p:cTn>
+                        </p:par>
+                      </p:childTnLst>
+                    </p:cTn>
+                  </p:par>
+                  <p:par>
+                    <p:cTn id="13" fill="hold">
+                      <p:stCondLst>
+                        <p:cond delay="indefinite"/>
+                      </p:stCondLst>
+                      <p:childTnLst>
+                        <p:par>
+                          <p:cTn id="14" fill="hold">
+                            <p:stCondLst>
+                              <p:cond delay="0"/>
+                            </p:stCondLst>
+                            <p:childTnLst>
+                              <p:par>
+                                <p:cTn id="15" presetID="10" presetClass="entr" presetSubtype="0" fill="hold" grpId="0" nodeType="clickEffect">
+                                  <p:stCondLst>
+                                    <p:cond delay="0"/>
+                                  </p:stCondLst>
+                                  <p:childTnLst>
+                                    <p:set>
+                                      <p:cBhvr>
+                                        <p:cTn id="16" dur="1" fill="hold">
+                                          <p:stCondLst>
+                                            <p:cond delay="0"/>
+                                          </p:stCondLst>
+                                        </p:cTn>
+                                        <p:tgtEl>
+                                          <p:spTgt spid="15"/>
+                                        </p:tgtEl>
+                                        <p:attrNameLst>
+                                          <p:attrName>style.visibility</p:attrName>
+                                        </p:attrNameLst>
+                                      </p:cBhvr>
+                                      <p:to>
+                                        <p:strVal val="visible"/>
+                                      </p:to>
+                                    </p:set>
+                                    <p:animEffect transition="in" filter="fade">
+                                      <p:cBhvr>
+                                        <p:cTn id="17" dur="500"/>
+                                        <p:tgtEl>
+                                          <p:spTgt spid="15"/>
+                                        </p:tgtEl>
+                                      </p:cBhvr>
+                                    </p:animEffect>
+                                  </p:childTnLst>
+                                </p:cTn>
+                              </p:par>
+                            </p:childTnLst>
+                          </p:cTn>
+                        </p:par>
+                      </p:childTnLst>
+                    </p:cTn>
+                  </p:par>
+                  <p:par>
+                    <p:cTn id="18" fill="hold">
+                      <p:stCondLst>
+                        <p:cond delay="indefinite"/>
+                      </p:stCondLst>
+                      <p:childTnLst>
+                        <p:par>
+                          <p:cTn id="19" fill="hold">
+                            <p:stCondLst>
+                              <p:cond delay="0"/>
+                            </p:stCondLst>
+                            <p:childTnLst>
+                              <p:par>
+                                <p:cTn id="20" presetID="10" presetClass="entr" presetSubtype="0" fill="hold" grpId="0" nodeType="clickEffect">
+                                  <p:stCondLst>
+                                    <p:cond delay="0"/>
+                                  </p:stCondLst>
+                                  <p:childTnLst>
+                                    <p:set>
+                                      <p:cBhvr>
+                                        <p:cTn id="21" dur="1" fill="hold">
+                                          <p:stCondLst>
+                                            <p:cond delay="0"/>
+                                          </p:stCondLst>
+                                        </p:cTn>
+                                        <p:tgtEl>
+                                          <p:spTgt spid="17"/>
+                                        </p:tgtEl>
+                                        <p:attrNameLst>
+                                          <p:attrName>style.visibility</p:attrName>
+                                        </p:attrNameLst>
+                                      </p:cBhvr>
+                                      <p:to>
+                                        <p:strVal val="visible"/>
+                                      </p:to>
+                                    </p:set>
+                                    <p:animEffect transition="in" filter="fade">
+                                      <p:cBhvr>
+                                        <p:cTn id="22" dur="500"/>
+                                        <p:tgtEl>
+                                          <p:spTgt spid="17"/>
+                                        </p:tgtEl>
+                                      </p:cBhvr>
+                                    </p:animEffect>
+                                  </p:childTnLst>
+                                </p:cTn>
+                              </p:par>
+                            </p:childTnLst>
+                          </p:cTn>
+                        </p:par>
+                      </p:childTnLst>
+                    </p:cTn>
+                  </p:par>
+                  <p:par>
+                    <p:cTn id="23" fill="hold">
+                      <p:stCondLst>
+                        <p:cond delay="indefinite"/>
+                      </p:stCondLst>
+                      <p:childTnLst>
+                        <p:par>
+                          <p:cTn id="24" fill="hold">
+                            <p:stCondLst>
+                              <p:cond delay="0"/>
+                            </p:stCondLst>
+                            <p:childTnLst>
+                              <p:par>
+                                <p:cTn id="25" presetID="10" presetClass="entr" presetSubtype="0" fill="hold" grpId="0" nodeType="clickEffect">
+                                  <p:stCondLst>
+                                    <p:cond delay="0"/>
+                                  </p:stCondLst>
+                                  <p:childTnLst>
+                                    <p:set>
+                                      <p:cBhvr>
+                                        <p:cTn id="26" dur="1" fill="hold">
+                                          <p:stCondLst>
+                                            <p:cond delay="0"/>
+                                          </p:stCondLst>
+                                        </p:cTn>
+                                        <p:tgtEl>
+                                          <p:spTgt spid="19"/>
+                                        </p:tgtEl>
+                                        <p:attrNameLst>
+                                          <p:attrName>style.visibility</p:attrName>
+                                        </p:attrNameLst>
+                                      </p:cBhvr>
+                                      <p:to>
+                                        <p:strVal val="visible"/>
+                                      </p:to>
+                                    </p:set>
+                                    <p:animEffect transition="in" filter="fade">
+                                      <p:cBhvr>
+                                        <p:cTn id="27" dur="500"/>
+                                        <p:tgtEl>
+                                          <p:spTgt spid="19"/>
+                                        </p:tgtEl>
+                                      </p:cBhvr>
+                                    </p:animEffect>
+                                  </p:childTnLst>
+                                </p:cTn>
+                              </p:par>
+                            </p:childTnLst>
+                          </p:cTn>
+                        </p:par>
+                      </p:childTnLst>
+                    </p:cTn>
+                  </p:par>
+                  <p:par>
+                    <p:cTn id="28" fill="hold">
+                      <p:stCondLst>
+                        <p:cond delay="indefinite"/>
+                      </p:stCondLst>
+                      <p:childTnLst>
+                        <p:par>
+                          <p:cTn id="29" fill="hold">
+                            <p:stCondLst>
+                              <p:cond delay="0"/>
+                            </p:stCondLst>
+                            <p:childTnLst>
+                              <p:par>
+                                <p:cTn id="30" presetID="10" presetClass="exit" presetSubtype="0" fill="hold" grpId="1" nodeType="clickEffect">
+                                  <p:stCondLst>
+                                    <p:cond delay="0"/>
+                                  </p:stCondLst>
+                                  <p:childTnLst>
+                                    <p:animEffect transition="out" filter="fade">
+                                      <p:cBhvr>
+                                        <p:cTn id="31" dur="500"/>
+                                        <p:tgtEl>
+                                          <p:spTgt spid="11"/>
+                                        </p:tgtEl>
+                                      </p:cBhvr>
+                                    </p:animEffect>
+                                    <p:set>
+                                      <p:cBhvr>
+                                        <p:cTn id="32" dur="1" fill="hold">
+                                          <p:stCondLst>
+                                            <p:cond delay="499"/>
+                                          </p:stCondLst>
+                                        </p:cTn>
+                                        <p:tgtEl>
+                                          <p:spTgt spid="11"/>
+                                        </p:tgtEl>
+                                        <p:attrNameLst>
+                                          <p:attrName>style.visibility</p:attrName>
+                                        </p:attrNameLst>
+                                      </p:cBhvr>
+                                      <p:to>
+                                        <p:strVal val="hidden"/>
+                                      </p:to>
+                                    </p:set>
+                                  </p:childTnLst>
+                                </p:cTn>
+                              </p:par>
+                              <p:par>
+                                <p:cTn id="33" presetID="10" presetClass="exit" presetSubtype="0" fill="hold" grpId="1" nodeType="withEffect">
+                                  <p:stCondLst>
+                                    <p:cond delay="0"/>
+                                  </p:stCondLst>
+                                  <p:childTnLst>
+                                    <p:animEffect transition="out" filter="fade">
+                                      <p:cBhvr>
+                                        <p:cTn id="34" dur="500"/>
+                                        <p:tgtEl>
+                                          <p:spTgt spid="13"/>
+                                        </p:tgtEl>
+                                      </p:cBhvr>
+                                    </p:animEffect>
+                                    <p:set>
+                                      <p:cBhvr>
+                                        <p:cTn id="35" dur="1" fill="hold">
+                                          <p:stCondLst>
+                                            <p:cond delay="499"/>
+                                          </p:stCondLst>
+                                        </p:cTn>
+                                        <p:tgtEl>
+                                          <p:spTgt spid="13"/>
+                                        </p:tgtEl>
+                                        <p:attrNameLst>
+                                          <p:attrName>style.visibility</p:attrName>
+                                        </p:attrNameLst>
+                                      </p:cBhvr>
+                                      <p:to>
+                                        <p:strVal val="hidden"/>
+                                      </p:to>
+                                    </p:set>
+                                  </p:childTnLst>
+                                </p:cTn>
+                              </p:par>
+                              <p:par>
+                                <p:cTn id="36" presetID="10" presetClass="exit" presetSubtype="0" fill="hold" grpId="1" nodeType="withEffect">
+                                  <p:stCondLst>
+                                    <p:cond delay="0"/>
+                                  </p:stCondLst>
+                                  <p:childTnLst>
+                                    <p:animEffect transition="out" filter="fade">
+                                      <p:cBhvr>
+                                        <p:cTn id="37" dur="500"/>
+                                        <p:tgtEl>
+                                          <p:spTgt spid="15"/>
+                                        </p:tgtEl>
+                                      </p:cBhvr>
+                                    </p:animEffect>
+                                    <p:set>
+                                      <p:cBhvr>
+                                        <p:cTn id="38" dur="1" fill="hold">
+                                          <p:stCondLst>
+                                            <p:cond delay="499"/>
+                                          </p:stCondLst>
+                                        </p:cTn>
+                                        <p:tgtEl>
+                                          <p:spTgt spid="15"/>
+                                        </p:tgtEl>
+                                        <p:attrNameLst>
+                                          <p:attrName>style.visibility</p:attrName>
+                                        </p:attrNameLst>
+                                      </p:cBhvr>
+                                      <p:to>
+                                        <p:strVal val="hidden"/>
+                                      </p:to>
+                                    </p:set>
+                                  </p:childTnLst>
+                                </p:cTn>
+                              </p:par>
+                              <p:par>
+                                <p:cTn id="39" presetID="10" presetClass="exit" presetSubtype="0" fill="hold" grpId="1" nodeType="withEffect">
+                                  <p:stCondLst>
+                                    <p:cond delay="0"/>
+                                  </p:stCondLst>
+                                  <p:childTnLst>
+                                    <p:animEffect transition="out" filter="fade">
+                                      <p:cBhvr>
+                                        <p:cTn id="40" dur="500"/>
+                                        <p:tgtEl>
+                                          <p:spTgt spid="17"/>
+                                        </p:tgtEl>
+                                      </p:cBhvr>
+                                    </p:animEffect>
+                                    <p:set>
+                                      <p:cBhvr>
+                                        <p:cTn id="41" dur="1" fill="hold">
+                                          <p:stCondLst>
+                                            <p:cond delay="499"/>
+                                          </p:stCondLst>
+                                        </p:cTn>
+                                        <p:tgtEl>
+                                          <p:spTgt spid="17"/>
+                                        </p:tgtEl>
+                                        <p:attrNameLst>
+                                          <p:attrName>style.visibility</p:attrName>
+                                        </p:attrNameLst>
+                                      </p:cBhvr>
+                                      <p:to>
+                                        <p:strVal val="hidden"/>
+                                      </p:to>
+                                    </p:set>
+                                  </p:childTnLst>
+                                </p:cTn>
+                              </p:par>
+                              <p:par>
+                                <p:cTn id="42" presetID="10" presetClass="exit" presetSubtype="0" fill="hold" grpId="1" nodeType="withEffect">
+                                  <p:stCondLst>
+                                    <p:cond delay="0"/>
+                                  </p:stCondLst>
+                                  <p:childTnLst>
+                                    <p:animEffect transition="out" filter="fade">
+                                      <p:cBhvr>
+                                        <p:cTn id="43" dur="500"/>
+                                        <p:tgtEl>
+                                          <p:spTgt spid="19"/>
+                                        </p:tgtEl>
+                                      </p:cBhvr>
+                                    </p:animEffect>
+                                    <p:set>
+                                      <p:cBhvr>
+                                        <p:cTn id="44" dur="1" fill="hold">
+                                          <p:stCondLst>
+                                            <p:cond delay="499"/>
+                                          </p:stCondLst>
+                                        </p:cTn>
+                                        <p:tgtEl>
+                                          <p:spTgt spid="19"/>
+                                        </p:tgtEl>
+                                        <p:attrNameLst>
+                                          <p:attrName>style.visibility</p:attrName>
+                                        </p:attrNameLst>
+                                      </p:cBhvr>
+                                      <p:to>
+                                        <p:strVal val="hidden"/>
+                                      </p:to>
+                                    </p:set>
+                                  </p:childTnLst>
+                                </p:cTn>
+                              </p:par>
+                            </p:childTnLst>
+                          </p:cTn>
+                        </p:par>
+                      </p:childTnLst>
+                    </p:cTn>
+                  </p:par>
+                  <p:par>
+                    <p:cTn id="45" fill="hold">
+                      <p:stCondLst>
+                        <p:cond delay="indefinite"/>
+                      </p:stCondLst>
+                      <p:childTnLst>
+                        <p:par>
+                          <p:cTn id="46" fill="hold">
+                            <p:stCondLst>
+                              <p:cond delay="0"/>
+                            </p:stCondLst>
+                            <p:childTnLst>
+                              <p:par>
+                                <p:cTn id="47" presetID="10" presetClass="entr" presetSubtype="0" fill="hold" nodeType="clickEffect">
+                                  <p:stCondLst>
+                                    <p:cond delay="0"/>
+                                  </p:stCondLst>
+                                  <p:childTnLst>
+                                    <p:set>
+                                      <p:cBhvr>
+                                        <p:cTn id="48" dur="1" fill="hold">
+                                          <p:stCondLst>
+                                            <p:cond delay="0"/>
+                                          </p:stCondLst>
+                                        </p:cTn>
+                                        <p:tgtEl>
+                                          <p:spTgt spid="10"/>
+                                        </p:tgtEl>
+                                        <p:attrNameLst>
+                                          <p:attrName>style.visibility</p:attrName>
+                                        </p:attrNameLst>
+                                      </p:cBhvr>
+                                      <p:to>
+                                        <p:strVal val="visible"/>
+                                      </p:to>
+                                    </p:set>
+                                    <p:animEffect transition="in" filter="fade">
+                                      <p:cBhvr>
+                                        <p:cTn id="49" dur="500"/>
+                                        <p:tgtEl>
+                                          <p:spTgt spid="10"/>
+                                        </p:tgtEl>
+                                      </p:cBhvr>
+                                    </p:animEffect>
+                                  </p:childTnLst>
+                                </p:cTn>
+                              </p:par>
+                            </p:childTnLst>
+                          </p:cTn>
+                        </p:par>
+                      </p:childTnLst>
+                    </p:cTn>
+                  </p:par>
+                </p:childTnLst>
+              </p:cTn>
+              <p:prevCondLst>
+                <p:cond evt="onPrev" delay="0">
+                  <p:tgtEl>
+                    <p:sldTgt/>
+                  </p:tgtEl>
+                </p:cond>
+              </p:prevCondLst>
+              <p:nextCondLst>
+                <p:cond evt="onNext" delay="0">
+                  <p:tgtEl>
+                    <p:sldTgt/>
+                  </p:tgtEl>
+                </p:cond>
+              </p:nextCondLst>
+            </p:seq>
+          </p:childTnLst>
+        </p:cTn>
+      </p:par>
+    </p:tnLst>
+    <p:bldLst>
+      <p:bldP spid="11" grpId="0"/>
+      <p:bldP spid="11" grpId="1"/>
+      <p:bldP spid="13" grpId="0"/>
+      <p:bldP spid="13" grpId="1"/>
+      <p:bldP spid="15" grpId="0"/>
+      <p:bldP spid="15" grpId="1"/>
+      <p:bldP spid="17" grpId="0"/>
+      <p:bldP spid="17" grpId="1"/>
+      <p:bldP spid="19" grpId="0"/>
+      <p:bldP spid="19" grpId="1"/>
+    </p:bldLst>
+  </p:timing>
 </p:sld>
 </file>
 
@@ -9814,8 +12909,8 @@
         </p:blipFill>
         <p:spPr>
           <a:xfrm>
-            <a:off x="6022156" y="2838393"/>
-            <a:ext cx="5804084" cy="2564767"/>
+            <a:off x="5511944" y="2728907"/>
+            <a:ext cx="6431136" cy="2841855"/>
           </a:xfrm>
           <a:prstGeom prst="rect">
             <a:avLst/>
@@ -9956,7 +13051,7 @@
                             </p:stCondLst>
                             <p:childTnLst>
                               <p:par>
-                                <p:cTn id="5" presetID="10" presetClass="entr" presetSubtype="0" fill="hold" grpId="0" nodeType="clickEffect">
+                                <p:cTn id="5" presetID="10" presetClass="entr" presetSubtype="0" fill="hold" nodeType="clickEffect">
                                   <p:stCondLst>
                                     <p:cond delay="0"/>
                                   </p:stCondLst>
@@ -9964,6 +13059,104 @@
                                     <p:set>
                                       <p:cBhvr>
                                         <p:cTn id="6" dur="1" fill="hold">
+                                          <p:stCondLst>
+                                            <p:cond delay="0"/>
+                                          </p:stCondLst>
+                                        </p:cTn>
+                                        <p:tgtEl>
+                                          <p:spTgt spid="5"/>
+                                        </p:tgtEl>
+                                        <p:attrNameLst>
+                                          <p:attrName>style.visibility</p:attrName>
+                                        </p:attrNameLst>
+                                      </p:cBhvr>
+                                      <p:to>
+                                        <p:strVal val="visible"/>
+                                      </p:to>
+                                    </p:set>
+                                    <p:animEffect transition="in" filter="fade">
+                                      <p:cBhvr>
+                                        <p:cTn id="7" dur="500"/>
+                                        <p:tgtEl>
+                                          <p:spTgt spid="5"/>
+                                        </p:tgtEl>
+                                      </p:cBhvr>
+                                    </p:animEffect>
+                                  </p:childTnLst>
+                                </p:cTn>
+                              </p:par>
+                            </p:childTnLst>
+                          </p:cTn>
+                        </p:par>
+                      </p:childTnLst>
+                    </p:cTn>
+                  </p:par>
+                  <p:par>
+                    <p:cTn id="8" fill="hold">
+                      <p:stCondLst>
+                        <p:cond delay="indefinite"/>
+                      </p:stCondLst>
+                      <p:childTnLst>
+                        <p:par>
+                          <p:cTn id="9" fill="hold">
+                            <p:stCondLst>
+                              <p:cond delay="0"/>
+                            </p:stCondLst>
+                            <p:childTnLst>
+                              <p:par>
+                                <p:cTn id="10" presetID="1" presetClass="entr" presetSubtype="0" fill="hold" nodeType="clickEffect">
+                                  <p:stCondLst>
+                                    <p:cond delay="0"/>
+                                  </p:stCondLst>
+                                  <p:childTnLst>
+                                    <p:set>
+                                      <p:cBhvr>
+                                        <p:cTn id="11" dur="1" fill="hold">
+                                          <p:stCondLst>
+                                            <p:cond delay="0"/>
+                                          </p:stCondLst>
+                                        </p:cTn>
+                                        <p:tgtEl>
+                                          <p:spTgt spid="11"/>
+                                        </p:tgtEl>
+                                        <p:attrNameLst>
+                                          <p:attrName>style.visibility</p:attrName>
+                                        </p:attrNameLst>
+                                      </p:cBhvr>
+                                      <p:to>
+                                        <p:strVal val="visible"/>
+                                      </p:to>
+                                    </p:set>
+                                  </p:childTnLst>
+                                </p:cTn>
+                              </p:par>
+                            </p:childTnLst>
+                          </p:cTn>
+                        </p:par>
+                      </p:childTnLst>
+                    </p:cTn>
+                  </p:par>
+                  <p:par>
+                    <p:cTn id="12" fill="hold">
+                      <p:stCondLst>
+                        <p:cond delay="indefinite"/>
+                      </p:stCondLst>
+                      <p:childTnLst>
+                        <p:par>
+                          <p:cTn id="13" fill="hold">
+                            <p:stCondLst>
+                              <p:cond delay="0"/>
+                            </p:stCondLst>
+                            <p:childTnLst>
+                              <p:par>
+                                <p:cTn id="14" presetID="10" presetClass="entr" presetSubtype="0" fill="hold" grpId="0" nodeType="clickEffect">
+                                  <p:stCondLst>
+                                    <p:cond delay="0"/>
+                                  </p:stCondLst>
+                                  <p:childTnLst>
+                                    <p:set>
+                                      <p:cBhvr>
+                                        <p:cTn id="15" dur="1" fill="hold">
                                           <p:stCondLst>
                                             <p:cond delay="0"/>
                                           </p:stCondLst>
@@ -9981,7 +13174,7 @@
                                     </p:set>
                                     <p:animEffect transition="in" filter="fade">
                                       <p:cBhvr>
-                                        <p:cTn id="7" dur="500"/>
+                                        <p:cTn id="16" dur="500"/>
                                         <p:tgtEl>
                                           <p:spTgt spid="25"/>
                                         </p:tgtEl>
@@ -10297,7 +13490,7 @@
         </p:nvGrpSpPr>
         <p:grpSpPr>
           <a:xfrm>
-            <a:off x="6195672" y="5707599"/>
+            <a:off x="6181344" y="5717751"/>
             <a:ext cx="4902531" cy="937248"/>
             <a:chOff x="6195672" y="5707599"/>
             <a:chExt cx="4902531" cy="937248"/>
@@ -10416,7 +13609,7 @@
           <a:p>
             <a:r>
               <a:rPr lang="en-GB" b="1" dirty="0"/>
-              <a:t>~30% faster</a:t>
+              <a:t>~1.4x faster</a:t>
             </a:r>
           </a:p>
         </p:txBody>
@@ -10844,7 +14037,7 @@
         </p:blipFill>
         <p:spPr>
           <a:xfrm>
-            <a:off x="3356819" y="2937640"/>
+            <a:off x="302247" y="2819401"/>
             <a:ext cx="5124713" cy="2416021"/>
           </a:xfrm>
           <a:prstGeom prst="rect">
@@ -10873,7 +14066,7 @@
         </p:blipFill>
         <p:spPr>
           <a:xfrm>
-            <a:off x="3322098" y="2937640"/>
+            <a:off x="5819793" y="2819401"/>
             <a:ext cx="6115364" cy="2490644"/>
           </a:xfrm>
           <a:prstGeom prst="rect">
@@ -10895,7 +14088,7 @@
         </p:nvSpPr>
         <p:spPr>
           <a:xfrm>
-            <a:off x="4916859" y="3202187"/>
+            <a:off x="7411139" y="3075187"/>
             <a:ext cx="1964654" cy="282984"/>
           </a:xfrm>
           <a:prstGeom prst="roundRect">
@@ -10933,42 +14126,150 @@
           </a:p>
         </p:txBody>
       </p:sp>
-      <p:pic>
-        <p:nvPicPr>
-          <p:cNvPr id="15" name="Picture 14">
-            <a:extLst>
-              <a:ext uri="{FF2B5EF4-FFF2-40B4-BE49-F238E27FC236}">
-                <a16:creationId xmlns:a16="http://schemas.microsoft.com/office/drawing/2014/main" id="{C23711DE-D507-E239-B8DF-538B9F7C2ABC}"/>
-              </a:ext>
-            </a:extLst>
-          </p:cNvPr>
-          <p:cNvPicPr>
-            <a:picLocks noChangeAspect="1"/>
-          </p:cNvPicPr>
+      <p:grpSp>
+        <p:nvGrpSpPr>
+          <p:cNvPr id="26" name="Group 25">
+            <a:extLst>
+              <a:ext uri="{FF2B5EF4-FFF2-40B4-BE49-F238E27FC236}">
+                <a16:creationId xmlns:a16="http://schemas.microsoft.com/office/drawing/2014/main" id="{EE3D9A1F-890B-03C3-6628-D8336A4F7B3A}"/>
+              </a:ext>
+            </a:extLst>
+          </p:cNvPr>
+          <p:cNvGrpSpPr/>
           <p:nvPr/>
-        </p:nvPicPr>
-        <p:blipFill>
-          <a:blip r:embed="rId4"/>
-          <a:stretch>
-            <a:fillRect/>
-          </a:stretch>
-        </p:blipFill>
+        </p:nvGrpSpPr>
+        <p:grpSpPr>
+          <a:xfrm>
+            <a:off x="6223000" y="5525479"/>
+            <a:ext cx="5236597" cy="600027"/>
+            <a:chOff x="4982526" y="5604377"/>
+            <a:chExt cx="6634649" cy="760220"/>
+          </a:xfrm>
+        </p:grpSpPr>
+        <p:pic>
+          <p:nvPicPr>
+            <p:cNvPr id="15" name="Picture 14">
+              <a:extLst>
+                <a:ext uri="{FF2B5EF4-FFF2-40B4-BE49-F238E27FC236}">
+                  <a16:creationId xmlns:a16="http://schemas.microsoft.com/office/drawing/2014/main" id="{C23711DE-D507-E239-B8DF-538B9F7C2ABC}"/>
+                </a:ext>
+              </a:extLst>
+            </p:cNvPr>
+            <p:cNvPicPr>
+              <a:picLocks noChangeAspect="1"/>
+            </p:cNvPicPr>
+            <p:nvPr/>
+          </p:nvPicPr>
+          <p:blipFill>
+            <a:blip r:embed="rId4"/>
+            <a:stretch>
+              <a:fillRect/>
+            </a:stretch>
+          </p:blipFill>
+          <p:spPr>
+            <a:xfrm>
+              <a:off x="4982526" y="5604377"/>
+              <a:ext cx="6634649" cy="760220"/>
+            </a:xfrm>
+            <a:prstGeom prst="rect">
+              <a:avLst/>
+            </a:prstGeom>
+          </p:spPr>
+        </p:pic>
+        <p:sp>
+          <p:nvSpPr>
+            <p:cNvPr id="16" name="Rectangle: Rounded Corners 15">
+              <a:extLst>
+                <a:ext uri="{FF2B5EF4-FFF2-40B4-BE49-F238E27FC236}">
+                  <a16:creationId xmlns:a16="http://schemas.microsoft.com/office/drawing/2014/main" id="{0384BE5C-449F-26B9-6EBB-1372436234AF}"/>
+                </a:ext>
+              </a:extLst>
+            </p:cNvPr>
+            <p:cNvSpPr/>
+            <p:nvPr/>
+          </p:nvSpPr>
+          <p:spPr>
+            <a:xfrm>
+              <a:off x="5269080" y="5935315"/>
+              <a:ext cx="1300191" cy="333283"/>
+            </a:xfrm>
+            <a:prstGeom prst="roundRect">
+              <a:avLst/>
+            </a:prstGeom>
+            <a:noFill/>
+            <a:ln w="28575">
+              <a:solidFill>
+                <a:srgbClr val="FF0000"/>
+              </a:solidFill>
+            </a:ln>
+          </p:spPr>
+          <p:style>
+            <a:lnRef idx="2">
+              <a:schemeClr val="accent1">
+                <a:shade val="50000"/>
+              </a:schemeClr>
+            </a:lnRef>
+            <a:fillRef idx="1">
+              <a:schemeClr val="accent1"/>
+            </a:fillRef>
+            <a:effectRef idx="0">
+              <a:schemeClr val="accent1"/>
+            </a:effectRef>
+            <a:fontRef idx="minor">
+              <a:schemeClr val="lt1"/>
+            </a:fontRef>
+          </p:style>
+          <p:txBody>
+            <a:bodyPr rtlCol="0" anchor="ctr"/>
+            <a:lstStyle/>
+            <a:p>
+              <a:pPr algn="ctr"/>
+              <a:endParaRPr lang="en-GB"/>
+            </a:p>
+          </p:txBody>
+        </p:sp>
+      </p:grpSp>
+      <p:sp>
+        <p:nvSpPr>
+          <p:cNvPr id="17" name="TextBox 16">
+            <a:extLst>
+              <a:ext uri="{FF2B5EF4-FFF2-40B4-BE49-F238E27FC236}">
+                <a16:creationId xmlns:a16="http://schemas.microsoft.com/office/drawing/2014/main" id="{144BD7FC-4711-DB0B-46B9-14A7315D91FA}"/>
+              </a:ext>
+            </a:extLst>
+          </p:cNvPr>
+          <p:cNvSpPr txBox="1"/>
+          <p:nvPr/>
+        </p:nvSpPr>
         <p:spPr>
           <a:xfrm>
-            <a:off x="2864604" y="5746490"/>
-            <a:ext cx="6634649" cy="760220"/>
+            <a:off x="4347697" y="6455584"/>
+            <a:ext cx="3668462" cy="369332"/>
           </a:xfrm>
           <a:prstGeom prst="rect">
             <a:avLst/>
           </a:prstGeom>
+          <a:noFill/>
         </p:spPr>
-      </p:pic>
+        <p:txBody>
+          <a:bodyPr wrap="square" rtlCol="0">
+            <a:spAutoFit/>
+          </a:bodyPr>
+          <a:lstStyle/>
+          <a:p>
+            <a:r>
+              <a:rPr lang="en-GB" b="1" dirty="0"/>
+              <a:t>~4.7 times faster, using 8 cores</a:t>
+            </a:r>
+          </a:p>
+        </p:txBody>
+      </p:sp>
       <p:sp>
         <p:nvSpPr>
-          <p:cNvPr id="16" name="Rectangle: Rounded Corners 15">
-            <a:extLst>
-              <a:ext uri="{FF2B5EF4-FFF2-40B4-BE49-F238E27FC236}">
-                <a16:creationId xmlns:a16="http://schemas.microsoft.com/office/drawing/2014/main" id="{0384BE5C-449F-26B9-6EBB-1372436234AF}"/>
+          <p:cNvPr id="18" name="Arrow: Right 17">
+            <a:extLst>
+              <a:ext uri="{FF2B5EF4-FFF2-40B4-BE49-F238E27FC236}">
+                <a16:creationId xmlns:a16="http://schemas.microsoft.com/office/drawing/2014/main" id="{123905B7-1F3E-455E-4C67-A36066342C42}"/>
               </a:ext>
             </a:extLst>
           </p:cNvPr>
@@ -10977,14 +14278,16 @@
         </p:nvSpPr>
         <p:spPr>
           <a:xfrm>
-            <a:off x="3120280" y="6097171"/>
-            <a:ext cx="1300191" cy="282984"/>
+            <a:off x="4851775" y="3652520"/>
+            <a:ext cx="1010545" cy="538480"/>
           </a:xfrm>
-          <a:prstGeom prst="roundRect">
+          <a:prstGeom prst="rightArrow">
             <a:avLst/>
           </a:prstGeom>
-          <a:noFill/>
-          <a:ln w="28575">
+          <a:solidFill>
+            <a:srgbClr val="FF0000"/>
+          </a:solidFill>
+          <a:ln>
             <a:solidFill>
               <a:srgbClr val="FF0000"/>
             </a:solidFill>
@@ -11015,41 +14318,108 @@
           </a:p>
         </p:txBody>
       </p:sp>
-      <p:sp>
-        <p:nvSpPr>
-          <p:cNvPr id="17" name="TextBox 16">
-            <a:extLst>
-              <a:ext uri="{FF2B5EF4-FFF2-40B4-BE49-F238E27FC236}">
-                <a16:creationId xmlns:a16="http://schemas.microsoft.com/office/drawing/2014/main" id="{144BD7FC-4711-DB0B-46B9-14A7315D91FA}"/>
-              </a:ext>
-            </a:extLst>
-          </p:cNvPr>
-          <p:cNvSpPr txBox="1"/>
+      <p:grpSp>
+        <p:nvGrpSpPr>
+          <p:cNvPr id="25" name="Group 24">
+            <a:extLst>
+              <a:ext uri="{FF2B5EF4-FFF2-40B4-BE49-F238E27FC236}">
+                <a16:creationId xmlns:a16="http://schemas.microsoft.com/office/drawing/2014/main" id="{085EB4B2-0F58-5108-3A0C-461562AC0350}"/>
+              </a:ext>
+            </a:extLst>
+          </p:cNvPr>
+          <p:cNvGrpSpPr/>
           <p:nvPr/>
-        </p:nvSpPr>
-        <p:spPr>
+        </p:nvGrpSpPr>
+        <p:grpSpPr>
           <a:xfrm>
-            <a:off x="4347697" y="6455584"/>
-            <a:ext cx="3668462" cy="369332"/>
+            <a:off x="343096" y="5621925"/>
+            <a:ext cx="4691028" cy="478205"/>
+            <a:chOff x="413337" y="5826760"/>
+            <a:chExt cx="4902531" cy="499766"/>
           </a:xfrm>
-          <a:prstGeom prst="rect">
-            <a:avLst/>
-          </a:prstGeom>
-          <a:noFill/>
-        </p:spPr>
-        <p:txBody>
-          <a:bodyPr wrap="square" rtlCol="0">
-            <a:spAutoFit/>
-          </a:bodyPr>
-          <a:lstStyle/>
-          <a:p>
-            <a:r>
-              <a:rPr lang="en-GB" b="1" dirty="0"/>
-              <a:t>~4.7 times faster, using 8 cores</a:t>
-            </a:r>
-          </a:p>
-        </p:txBody>
-      </p:sp>
+        </p:grpSpPr>
+        <p:pic>
+          <p:nvPicPr>
+            <p:cNvPr id="23" name="Picture 22">
+              <a:extLst>
+                <a:ext uri="{FF2B5EF4-FFF2-40B4-BE49-F238E27FC236}">
+                  <a16:creationId xmlns:a16="http://schemas.microsoft.com/office/drawing/2014/main" id="{EE185824-4A56-A572-AA26-25549270FCBF}"/>
+                </a:ext>
+              </a:extLst>
+            </p:cNvPr>
+            <p:cNvPicPr>
+              <a:picLocks noChangeAspect="1"/>
+            </p:cNvPicPr>
+            <p:nvPr/>
+          </p:nvPicPr>
+          <p:blipFill rotWithShape="1">
+            <a:blip r:embed="rId5"/>
+            <a:srcRect t="46677"/>
+            <a:stretch/>
+          </p:blipFill>
+          <p:spPr>
+            <a:xfrm>
+              <a:off x="413337" y="5826760"/>
+              <a:ext cx="4902531" cy="499766"/>
+            </a:xfrm>
+            <a:prstGeom prst="rect">
+              <a:avLst/>
+            </a:prstGeom>
+          </p:spPr>
+        </p:pic>
+        <p:sp>
+          <p:nvSpPr>
+            <p:cNvPr id="24" name="Rectangle: Rounded Corners 23">
+              <a:extLst>
+                <a:ext uri="{FF2B5EF4-FFF2-40B4-BE49-F238E27FC236}">
+                  <a16:creationId xmlns:a16="http://schemas.microsoft.com/office/drawing/2014/main" id="{23D751DE-49F9-5C69-63EE-A3C9BCD7DEC2}"/>
+                </a:ext>
+              </a:extLst>
+            </p:cNvPr>
+            <p:cNvSpPr/>
+            <p:nvPr/>
+          </p:nvSpPr>
+          <p:spPr>
+            <a:xfrm>
+              <a:off x="603094" y="6039506"/>
+              <a:ext cx="1049949" cy="270095"/>
+            </a:xfrm>
+            <a:prstGeom prst="roundRect">
+              <a:avLst/>
+            </a:prstGeom>
+            <a:noFill/>
+            <a:ln w="28575">
+              <a:solidFill>
+                <a:srgbClr val="FF0000"/>
+              </a:solidFill>
+            </a:ln>
+          </p:spPr>
+          <p:style>
+            <a:lnRef idx="2">
+              <a:schemeClr val="accent1">
+                <a:shade val="50000"/>
+              </a:schemeClr>
+            </a:lnRef>
+            <a:fillRef idx="1">
+              <a:schemeClr val="accent1"/>
+            </a:fillRef>
+            <a:effectRef idx="0">
+              <a:schemeClr val="accent1"/>
+            </a:effectRef>
+            <a:fontRef idx="minor">
+              <a:schemeClr val="lt1"/>
+            </a:fontRef>
+          </p:style>
+          <p:txBody>
+            <a:bodyPr rtlCol="0" anchor="ctr"/>
+            <a:lstStyle/>
+            <a:p>
+              <a:pPr algn="ctr"/>
+              <a:endParaRPr lang="en-GB"/>
+            </a:p>
+          </p:txBody>
+        </p:sp>
+      </p:grpSp>
     </p:spTree>
     <p:extLst>
       <p:ext uri="{BB962C8B-B14F-4D97-AF65-F5344CB8AC3E}">
@@ -11081,7 +14451,7 @@
                             </p:stCondLst>
                             <p:childTnLst>
                               <p:par>
-                                <p:cTn id="5" presetID="1" presetClass="entr" presetSubtype="0" fill="hold" nodeType="clickEffect">
+                                <p:cTn id="5" presetID="1" presetClass="entr" presetSubtype="0" fill="hold" grpId="0" nodeType="clickEffect">
                                   <p:stCondLst>
                                     <p:cond delay="0"/>
                                   </p:stCondLst>
@@ -11089,6 +14459,33 @@
                                     <p:set>
                                       <p:cBhvr>
                                         <p:cTn id="6" dur="1" fill="hold">
+                                          <p:stCondLst>
+                                            <p:cond delay="0"/>
+                                          </p:stCondLst>
+                                        </p:cTn>
+                                        <p:tgtEl>
+                                          <p:spTgt spid="18"/>
+                                        </p:tgtEl>
+                                        <p:attrNameLst>
+                                          <p:attrName>style.visibility</p:attrName>
+                                        </p:attrNameLst>
+                                      </p:cBhvr>
+                                      <p:to>
+                                        <p:strVal val="visible"/>
+                                      </p:to>
+                                    </p:set>
+                                  </p:childTnLst>
+                                </p:cTn>
+                              </p:par>
+                              <p:par>
+                                <p:cTn id="7" presetID="1" presetClass="entr" presetSubtype="0" fill="hold" nodeType="withEffect">
+                                  <p:stCondLst>
+                                    <p:cond delay="0"/>
+                                  </p:stCondLst>
+                                  <p:childTnLst>
+                                    <p:set>
+                                      <p:cBhvr>
+                                        <p:cTn id="8" dur="1" fill="hold">
                                           <p:stCondLst>
                                             <p:cond delay="0"/>
                                           </p:stCondLst>
@@ -11114,26 +14511,26 @@
                     </p:cTn>
                   </p:par>
                   <p:par>
-                    <p:cTn id="7" fill="hold">
+                    <p:cTn id="9" fill="hold">
                       <p:stCondLst>
                         <p:cond delay="indefinite"/>
                       </p:stCondLst>
                       <p:childTnLst>
                         <p:par>
-                          <p:cTn id="8" fill="hold">
+                          <p:cTn id="10" fill="hold">
                             <p:stCondLst>
                               <p:cond delay="0"/>
                             </p:stCondLst>
                             <p:childTnLst>
                               <p:par>
-                                <p:cTn id="9" presetID="1" presetClass="entr" presetSubtype="0" fill="hold" grpId="0" nodeType="clickEffect">
+                                <p:cTn id="11" presetID="1" presetClass="entr" presetSubtype="0" fill="hold" grpId="0" nodeType="clickEffect">
                                   <p:stCondLst>
                                     <p:cond delay="0"/>
                                   </p:stCondLst>
                                   <p:childTnLst>
                                     <p:set>
                                       <p:cBhvr>
-                                        <p:cTn id="10" dur="1" fill="hold">
+                                        <p:cTn id="12" dur="1" fill="hold">
                                           <p:stCondLst>
                                             <p:cond delay="0"/>
                                           </p:stCondLst>
@@ -11159,32 +14556,32 @@
                     </p:cTn>
                   </p:par>
                   <p:par>
-                    <p:cTn id="11" fill="hold">
+                    <p:cTn id="13" fill="hold">
                       <p:stCondLst>
                         <p:cond delay="indefinite"/>
                       </p:stCondLst>
                       <p:childTnLst>
                         <p:par>
-                          <p:cTn id="12" fill="hold">
+                          <p:cTn id="14" fill="hold">
                             <p:stCondLst>
                               <p:cond delay="0"/>
                             </p:stCondLst>
                             <p:childTnLst>
                               <p:par>
-                                <p:cTn id="13" presetID="1" presetClass="entr" presetSubtype="0" fill="hold" grpId="0" nodeType="clickEffect">
+                                <p:cTn id="15" presetID="10" presetClass="entr" presetSubtype="0" fill="hold" nodeType="clickEffect">
                                   <p:stCondLst>
                                     <p:cond delay="0"/>
                                   </p:stCondLst>
                                   <p:childTnLst>
                                     <p:set>
                                       <p:cBhvr>
-                                        <p:cTn id="14" dur="1" fill="hold">
+                                        <p:cTn id="16" dur="1" fill="hold">
                                           <p:stCondLst>
                                             <p:cond delay="0"/>
                                           </p:stCondLst>
                                         </p:cTn>
                                         <p:tgtEl>
-                                          <p:spTgt spid="16"/>
+                                          <p:spTgt spid="26"/>
                                         </p:tgtEl>
                                         <p:attrNameLst>
                                           <p:attrName>style.visibility</p:attrName>
@@ -11194,6 +14591,49 @@
                                         <p:strVal val="visible"/>
                                       </p:to>
                                     </p:set>
+                                    <p:animEffect transition="in" filter="fade">
+                                      <p:cBhvr>
+                                        <p:cTn id="17" dur="500"/>
+                                        <p:tgtEl>
+                                          <p:spTgt spid="26"/>
+                                        </p:tgtEl>
+                                      </p:cBhvr>
+                                    </p:animEffect>
+                                  </p:childTnLst>
+                                </p:cTn>
+                              </p:par>
+                              <p:par>
+                                <p:cTn id="18" presetID="10" presetClass="entr" presetSubtype="0" fill="hold" nodeType="withEffect">
+                                  <p:stCondLst>
+                                    <p:cond delay="0"/>
+                                  </p:stCondLst>
+                                  <p:childTnLst>
+                                    <p:set>
+                                      <p:cBhvr>
+                                        <p:cTn id="19" dur="1" fill="hold">
+                                          <p:stCondLst>
+                                            <p:cond delay="0"/>
+                                          </p:stCondLst>
+                                        </p:cTn>
+                                        <p:tgtEl>
+                                          <p:spTgt spid="25"/>
+                                        </p:tgtEl>
+                                        <p:attrNameLst>
+                                          <p:attrName>style.visibility</p:attrName>
+                                        </p:attrNameLst>
+                                      </p:cBhvr>
+                                      <p:to>
+                                        <p:strVal val="visible"/>
+                                      </p:to>
+                                    </p:set>
+                                    <p:animEffect transition="in" filter="fade">
+                                      <p:cBhvr>
+                                        <p:cTn id="20" dur="500"/>
+                                        <p:tgtEl>
+                                          <p:spTgt spid="25"/>
+                                        </p:tgtEl>
+                                      </p:cBhvr>
+                                    </p:animEffect>
                                   </p:childTnLst>
                                 </p:cTn>
                               </p:par>
@@ -11204,26 +14644,26 @@
                     </p:cTn>
                   </p:par>
                   <p:par>
-                    <p:cTn id="15" fill="hold">
+                    <p:cTn id="21" fill="hold">
                       <p:stCondLst>
                         <p:cond delay="indefinite"/>
                       </p:stCondLst>
                       <p:childTnLst>
                         <p:par>
-                          <p:cTn id="16" fill="hold">
+                          <p:cTn id="22" fill="hold">
                             <p:stCondLst>
                               <p:cond delay="0"/>
                             </p:stCondLst>
                             <p:childTnLst>
                               <p:par>
-                                <p:cTn id="17" presetID="10" presetClass="entr" presetSubtype="0" fill="hold" grpId="0" nodeType="clickEffect">
+                                <p:cTn id="23" presetID="10" presetClass="entr" presetSubtype="0" fill="hold" grpId="0" nodeType="clickEffect">
                                   <p:stCondLst>
                                     <p:cond delay="0"/>
                                   </p:stCondLst>
                                   <p:childTnLst>
                                     <p:set>
                                       <p:cBhvr>
-                                        <p:cTn id="18" dur="1" fill="hold">
+                                        <p:cTn id="24" dur="1" fill="hold">
                                           <p:stCondLst>
                                             <p:cond delay="0"/>
                                           </p:stCondLst>
@@ -11241,7 +14681,7 @@
                                     </p:set>
                                     <p:animEffect transition="in" filter="fade">
                                       <p:cBhvr>
-                                        <p:cTn id="19" dur="500"/>
+                                        <p:cTn id="25" dur="500"/>
                                         <p:tgtEl>
                                           <p:spTgt spid="17"/>
                                         </p:tgtEl>
@@ -11279,8 +14719,8 @@
     </p:tnLst>
     <p:bldLst>
       <p:bldP spid="13" grpId="0" animBg="1"/>
-      <p:bldP spid="16" grpId="0" animBg="1"/>
       <p:bldP spid="17" grpId="0"/>
+      <p:bldP spid="18" grpId="0" animBg="1"/>
     </p:bldLst>
   </p:timing>
 </p:sld>

--- a/Practical examples of accelerating numerical and ML research.pptx
+++ b/Practical examples of accelerating numerical and ML research.pptx
@@ -12967,7 +12967,7 @@
         <p:spPr>
           <a:xfrm>
             <a:off x="484552" y="365125"/>
-            <a:ext cx="5022630" cy="2430030"/>
+            <a:ext cx="5438728" cy="2430030"/>
           </a:xfrm>
         </p:spPr>
         <p:txBody>
@@ -12982,8 +12982,8 @@
               </a:lnSpc>
             </a:pPr>
             <a:r>
-              <a:rPr lang="en-GB" sz="5000" dirty="0"/>
-              <a:t>Example Problem – Random Walk</a:t>
+              <a:rPr lang="en-GB" sz="4400" dirty="0"/>
+              <a:t>Example Problem – Monte Carlo Simulation</a:t>
             </a:r>
           </a:p>
         </p:txBody>
@@ -13034,7 +13034,7 @@
                 </a:pPr>
                 <a:r>
                   <a:rPr lang="en-US" dirty="0"/>
-                  <a:t>We want to get </a:t>
+                  <a:t>We want to generate </a:t>
                 </a:r>
                 <a14:m>
                   <m:oMath xmlns:m="http://schemas.openxmlformats.org/officeDocument/2006/math">
@@ -13072,7 +13072,7 @@
                 </a:pPr>
                 <a:r>
                   <a:rPr lang="en-GB" dirty="0"/>
-                  <a:t>Simple “embarrassingly parallel” problem, which is very common.</a:t>
+                  <a:t>Most Monte-Carlo simulations are “embarrassingly parallel”</a:t>
                 </a:r>
                 <a:endParaRPr lang="en-GB" b="0" dirty="0"/>
               </a:p>
@@ -13104,7 +13104,7 @@
               <a:blipFill>
                 <a:blip r:embed="rId2"/>
                 <a:stretch>
-                  <a:fillRect l="-1092"/>
+                  <a:fillRect l="-1092" r="-121" b="-1446"/>
                 </a:stretch>
               </a:blipFill>
             </p:spPr>
@@ -13817,7 +13817,7 @@
           <a:p>
             <a:r>
               <a:rPr lang="en-GB" dirty="0"/>
-              <a:t>Code Overview</a:t>
+              <a:t>Code Overview + speed</a:t>
             </a:r>
           </a:p>
         </p:txBody>
@@ -14049,10 +14049,10 @@
       </p:sp>
       <p:grpSp>
         <p:nvGrpSpPr>
-          <p:cNvPr id="10" name="Group 9">
-            <a:extLst>
-              <a:ext uri="{FF2B5EF4-FFF2-40B4-BE49-F238E27FC236}">
-                <a16:creationId xmlns:a16="http://schemas.microsoft.com/office/drawing/2014/main" id="{D9CE83F5-05D4-A0C6-6A58-FCF8CFF35978}"/>
+          <p:cNvPr id="35" name="Group 34">
+            <a:extLst>
+              <a:ext uri="{FF2B5EF4-FFF2-40B4-BE49-F238E27FC236}">
+                <a16:creationId xmlns:a16="http://schemas.microsoft.com/office/drawing/2014/main" id="{1629368A-DF72-1365-28EC-2896280AFB8D}"/>
               </a:ext>
             </a:extLst>
           </p:cNvPr>
@@ -14061,18 +14061,18 @@
         </p:nvGrpSpPr>
         <p:grpSpPr>
           <a:xfrm>
-            <a:off x="6980116" y="3333677"/>
-            <a:ext cx="4070504" cy="2025870"/>
-            <a:chOff x="1191958" y="2514600"/>
-            <a:chExt cx="4070504" cy="2025870"/>
+            <a:off x="6980116" y="3272855"/>
+            <a:ext cx="4070504" cy="905818"/>
+            <a:chOff x="6980116" y="3333677"/>
+            <a:chExt cx="4070504" cy="905818"/>
           </a:xfrm>
         </p:grpSpPr>
         <p:pic>
           <p:nvPicPr>
-            <p:cNvPr id="5" name="Picture 4">
+            <p:cNvPr id="24" name="Picture 23">
               <a:extLst>
                 <a:ext uri="{FF2B5EF4-FFF2-40B4-BE49-F238E27FC236}">
-                  <a16:creationId xmlns:a16="http://schemas.microsoft.com/office/drawing/2014/main" id="{D86343B7-6B23-BAB6-1057-24C6E601F0AC}"/>
+                  <a16:creationId xmlns:a16="http://schemas.microsoft.com/office/drawing/2014/main" id="{B7352398-A2B8-928A-5E1E-E5330EE4406E}"/>
                 </a:ext>
               </a:extLst>
             </p:cNvPr>
@@ -14083,71 +14083,206 @@
           </p:nvPicPr>
           <p:blipFill rotWithShape="1">
             <a:blip r:embed="rId3"/>
-            <a:srcRect b="2567"/>
+            <a:srcRect t="23209" b="62922"/>
             <a:stretch/>
           </p:blipFill>
           <p:spPr>
             <a:xfrm>
-              <a:off x="1191958" y="2514600"/>
-              <a:ext cx="4070504" cy="2025870"/>
+              <a:off x="6980116" y="3333677"/>
+              <a:ext cx="4070504" cy="288363"/>
             </a:xfrm>
             <a:prstGeom prst="rect">
               <a:avLst/>
             </a:prstGeom>
           </p:spPr>
         </p:pic>
-        <p:sp>
-          <p:nvSpPr>
-            <p:cNvPr id="9" name="Rectangle: Rounded Corners 8">
+        <p:pic>
+          <p:nvPicPr>
+            <p:cNvPr id="26" name="Picture 25">
               <a:extLst>
                 <a:ext uri="{FF2B5EF4-FFF2-40B4-BE49-F238E27FC236}">
-                  <a16:creationId xmlns:a16="http://schemas.microsoft.com/office/drawing/2014/main" id="{9EFD3CDE-C5A9-A5CC-6A9A-FC357BFEBD00}"/>
+                  <a16:creationId xmlns:a16="http://schemas.microsoft.com/office/drawing/2014/main" id="{3231A0E5-3690-553A-4525-509C39E65044}"/>
                 </a:ext>
               </a:extLst>
             </p:cNvPr>
-            <p:cNvSpPr/>
+            <p:cNvPicPr>
+              <a:picLocks noChangeAspect="1"/>
+            </p:cNvPicPr>
             <p:nvPr/>
-          </p:nvSpPr>
+          </p:nvPicPr>
+          <p:blipFill rotWithShape="1">
+            <a:blip r:embed="rId3"/>
+            <a:srcRect t="46420" b="37546"/>
+            <a:stretch/>
+          </p:blipFill>
           <p:spPr>
             <a:xfrm>
-              <a:off x="1257131" y="4270375"/>
-              <a:ext cx="1305094" cy="270095"/>
+              <a:off x="6980116" y="3621773"/>
+              <a:ext cx="4070504" cy="333375"/>
             </a:xfrm>
-            <a:prstGeom prst="roundRect">
+            <a:prstGeom prst="rect">
               <a:avLst/>
             </a:prstGeom>
-            <a:noFill/>
-            <a:ln w="28575">
-              <a:solidFill>
-                <a:srgbClr val="FF0000"/>
-              </a:solidFill>
-            </a:ln>
           </p:spPr>
-          <p:style>
-            <a:lnRef idx="2">
-              <a:schemeClr val="accent1">
-                <a:shade val="50000"/>
-              </a:schemeClr>
-            </a:lnRef>
-            <a:fillRef idx="1">
-              <a:schemeClr val="accent1"/>
-            </a:fillRef>
-            <a:effectRef idx="0">
-              <a:schemeClr val="accent1"/>
-            </a:effectRef>
-            <a:fontRef idx="minor">
-              <a:schemeClr val="lt1"/>
-            </a:fontRef>
-          </p:style>
-          <p:txBody>
-            <a:bodyPr rtlCol="0" anchor="ctr"/>
-            <a:lstStyle/>
-            <a:p>
-              <a:pPr algn="ctr"/>
-              <a:endParaRPr lang="en-GB"/>
-            </a:p>
-          </p:txBody>
-        </p:sp>
+        </p:pic>
+        <p:grpSp>
+          <p:nvGrpSpPr>
+            <p:cNvPr id="31" name="Group 30">
+              <a:extLst>
+                <a:ext uri="{FF2B5EF4-FFF2-40B4-BE49-F238E27FC236}">
+                  <a16:creationId xmlns:a16="http://schemas.microsoft.com/office/drawing/2014/main" id="{8322D64A-5989-EE29-3FBA-67712EE2AC27}"/>
+                </a:ext>
+              </a:extLst>
+            </p:cNvPr>
+            <p:cNvGrpSpPr/>
+            <p:nvPr/>
+          </p:nvGrpSpPr>
+          <p:grpSpPr>
+            <a:xfrm>
+              <a:off x="6980116" y="3951132"/>
+              <a:ext cx="3344162" cy="288363"/>
+              <a:chOff x="6934396" y="5747772"/>
+              <a:chExt cx="3344162" cy="288363"/>
+            </a:xfrm>
+          </p:grpSpPr>
+          <p:pic>
+            <p:nvPicPr>
+              <p:cNvPr id="28" name="Picture 27">
+                <a:extLst>
+                  <a:ext uri="{FF2B5EF4-FFF2-40B4-BE49-F238E27FC236}">
+                    <a16:creationId xmlns:a16="http://schemas.microsoft.com/office/drawing/2014/main" id="{FF4F232E-7F2D-DAA4-8D1E-1C99A9488F75}"/>
+                  </a:ext>
+                </a:extLst>
+              </p:cNvPr>
+              <p:cNvPicPr>
+                <a:picLocks noChangeAspect="1"/>
+              </p:cNvPicPr>
+              <p:nvPr/>
+            </p:nvPicPr>
+            <p:blipFill rotWithShape="1">
+              <a:blip r:embed="rId3"/>
+              <a:srcRect t="70809" r="81652" b="15322"/>
+              <a:stretch/>
+            </p:blipFill>
+            <p:spPr>
+              <a:xfrm>
+                <a:off x="6934396" y="5747772"/>
+                <a:ext cx="746838" cy="288363"/>
+              </a:xfrm>
+              <a:prstGeom prst="rect">
+                <a:avLst/>
+              </a:prstGeom>
+            </p:spPr>
+          </p:pic>
+          <p:pic>
+            <p:nvPicPr>
+              <p:cNvPr id="30" name="Picture 29">
+                <a:extLst>
+                  <a:ext uri="{FF2B5EF4-FFF2-40B4-BE49-F238E27FC236}">
+                    <a16:creationId xmlns:a16="http://schemas.microsoft.com/office/drawing/2014/main" id="{569D340C-8D4E-BE6C-08F8-EB47FD208A47}"/>
+                  </a:ext>
+                </a:extLst>
+              </p:cNvPr>
+              <p:cNvPicPr>
+                <a:picLocks noChangeAspect="1"/>
+              </p:cNvPicPr>
+              <p:nvPr/>
+            </p:nvPicPr>
+            <p:blipFill rotWithShape="1">
+              <a:blip r:embed="rId3"/>
+              <a:srcRect l="35688" t="70809" b="15322"/>
+              <a:stretch/>
+            </p:blipFill>
+            <p:spPr>
+              <a:xfrm>
+                <a:off x="7660738" y="5747772"/>
+                <a:ext cx="2617820" cy="288363"/>
+              </a:xfrm>
+              <a:prstGeom prst="rect">
+                <a:avLst/>
+              </a:prstGeom>
+            </p:spPr>
+          </p:pic>
+        </p:grpSp>
+      </p:grpSp>
+      <p:grpSp>
+        <p:nvGrpSpPr>
+          <p:cNvPr id="34" name="Group 33">
+            <a:extLst>
+              <a:ext uri="{FF2B5EF4-FFF2-40B4-BE49-F238E27FC236}">
+                <a16:creationId xmlns:a16="http://schemas.microsoft.com/office/drawing/2014/main" id="{F08503BD-0B75-4C0D-849E-44E81F74DF62}"/>
+              </a:ext>
+            </a:extLst>
+          </p:cNvPr>
+          <p:cNvGrpSpPr/>
+          <p:nvPr/>
+        </p:nvGrpSpPr>
+        <p:grpSpPr>
+          <a:xfrm>
+            <a:off x="6980116" y="5460975"/>
+            <a:ext cx="4070504" cy="836057"/>
+            <a:chOff x="6980116" y="4886451"/>
+            <a:chExt cx="4070504" cy="836057"/>
+          </a:xfrm>
+        </p:grpSpPr>
+        <p:pic>
+          <p:nvPicPr>
+            <p:cNvPr id="21" name="Picture 20">
+              <a:extLst>
+                <a:ext uri="{FF2B5EF4-FFF2-40B4-BE49-F238E27FC236}">
+                  <a16:creationId xmlns:a16="http://schemas.microsoft.com/office/drawing/2014/main" id="{D0A77FBE-2626-349D-603B-86B4E51588EF}"/>
+                </a:ext>
+              </a:extLst>
+            </p:cNvPr>
+            <p:cNvPicPr>
+              <a:picLocks noChangeAspect="1"/>
+            </p:cNvPicPr>
+            <p:nvPr/>
+          </p:nvPicPr>
+          <p:blipFill rotWithShape="1">
+            <a:blip r:embed="rId3"/>
+            <a:srcRect b="86131"/>
+            <a:stretch/>
+          </p:blipFill>
+          <p:spPr>
+            <a:xfrm>
+              <a:off x="6980116" y="4886451"/>
+              <a:ext cx="4070504" cy="288363"/>
+            </a:xfrm>
+            <a:prstGeom prst="rect">
+              <a:avLst/>
+            </a:prstGeom>
+          </p:spPr>
+        </p:pic>
+        <p:pic>
+          <p:nvPicPr>
+            <p:cNvPr id="33" name="Picture 32">
+              <a:extLst>
+                <a:ext uri="{FF2B5EF4-FFF2-40B4-BE49-F238E27FC236}">
+                  <a16:creationId xmlns:a16="http://schemas.microsoft.com/office/drawing/2014/main" id="{E7E65139-F708-87DA-1760-549BBE613B05}"/>
+                </a:ext>
+              </a:extLst>
+            </p:cNvPr>
+            <p:cNvPicPr>
+              <a:picLocks noChangeAspect="1"/>
+            </p:cNvPicPr>
+            <p:nvPr/>
+          </p:nvPicPr>
+          <p:blipFill rotWithShape="1">
+            <a:blip r:embed="rId3"/>
+            <a:srcRect t="69624" b="3841"/>
+            <a:stretch/>
+          </p:blipFill>
+          <p:spPr>
+            <a:xfrm>
+              <a:off x="6980116" y="5170798"/>
+              <a:ext cx="4070504" cy="551710"/>
+            </a:xfrm>
+            <a:prstGeom prst="rect">
+              <a:avLst/>
+            </a:prstGeom>
+          </p:spPr>
+        </p:pic>
       </p:grpSp>
     </p:spTree>
     <p:extLst>
@@ -14638,7 +14773,7 @@
                             </p:stCondLst>
                             <p:childTnLst>
                               <p:par>
-                                <p:cTn id="47" presetID="10" presetClass="entr" presetSubtype="0" fill="hold" nodeType="clickEffect">
+                                <p:cTn id="47" presetID="1" presetClass="entr" presetSubtype="0" fill="hold" nodeType="clickEffect">
                                   <p:stCondLst>
                                     <p:cond delay="0"/>
                                   </p:stCondLst>
@@ -14651,7 +14786,7 @@
                                           </p:stCondLst>
                                         </p:cTn>
                                         <p:tgtEl>
-                                          <p:spTgt spid="10"/>
+                                          <p:spTgt spid="35"/>
                                         </p:tgtEl>
                                         <p:attrNameLst>
                                           <p:attrName>style.visibility</p:attrName>
@@ -14661,14 +14796,51 @@
                                         <p:strVal val="visible"/>
                                       </p:to>
                                     </p:set>
-                                    <p:animEffect transition="in" filter="fade">
+                                  </p:childTnLst>
+                                </p:cTn>
+                              </p:par>
+                            </p:childTnLst>
+                          </p:cTn>
+                        </p:par>
+                      </p:childTnLst>
+                    </p:cTn>
+                  </p:par>
+                  <p:par>
+                    <p:cTn id="49" fill="hold">
+                      <p:stCondLst>
+                        <p:cond delay="indefinite"/>
+                      </p:stCondLst>
+                      <p:childTnLst>
+                        <p:par>
+                          <p:cTn id="50" fill="hold">
+                            <p:stCondLst>
+                              <p:cond delay="0"/>
+                            </p:stCondLst>
+                            <p:childTnLst>
+                              <p:par>
+                                <p:cTn id="51" presetID="1" presetClass="entr" presetSubtype="0" fill="hold" nodeType="clickEffect">
+                                  <p:stCondLst>
+                                    <p:cond delay="0"/>
+                                  </p:stCondLst>
+                                  <p:childTnLst>
+                                    <p:set>
                                       <p:cBhvr>
-                                        <p:cTn id="49" dur="500"/>
+                                        <p:cTn id="52" dur="1" fill="hold">
+                                          <p:stCondLst>
+                                            <p:cond delay="0"/>
+                                          </p:stCondLst>
+                                        </p:cTn>
                                         <p:tgtEl>
-                                          <p:spTgt spid="10"/>
+                                          <p:spTgt spid="34"/>
                                         </p:tgtEl>
+                                        <p:attrNameLst>
+                                          <p:attrName>style.visibility</p:attrName>
+                                        </p:attrNameLst>
                                       </p:cBhvr>
-                                    </p:animEffect>
+                                      <p:to>
+                                        <p:strVal val="visible"/>
+                                      </p:to>
+                                    </p:set>
                                   </p:childTnLst>
                                 </p:cTn>
                               </p:par>
@@ -14841,8 +15013,8 @@
         </p:nvSpPr>
         <p:spPr>
           <a:xfrm>
-            <a:off x="4513396" y="6420309"/>
-            <a:ext cx="3017520" cy="369332"/>
+            <a:off x="4621438" y="6417374"/>
+            <a:ext cx="3629844" cy="369332"/>
           </a:xfrm>
           <a:prstGeom prst="rect">
             <a:avLst/>
@@ -14857,7 +15029,7 @@
           <a:p>
             <a:r>
               <a:rPr lang="en-GB" b="1" dirty="0"/>
-              <a:t>~7 times faster****</a:t>
+              <a:t>~7 times faster in Julia****</a:t>
             </a:r>
           </a:p>
         </p:txBody>
@@ -14883,8 +15055,8 @@
         </p:blipFill>
         <p:spPr>
           <a:xfrm>
-            <a:off x="6750173" y="3042920"/>
-            <a:ext cx="3855720" cy="1955800"/>
+            <a:off x="6582284" y="2800533"/>
+            <a:ext cx="4473776" cy="2269307"/>
           </a:xfrm>
           <a:prstGeom prst="rect">
             <a:avLst/>
@@ -14905,8 +15077,8 @@
         </p:nvGrpSpPr>
         <p:grpSpPr>
           <a:xfrm>
-            <a:off x="6617844" y="5278449"/>
-            <a:ext cx="4849492" cy="335150"/>
+            <a:off x="6645020" y="5979409"/>
+            <a:ext cx="4906900" cy="339118"/>
             <a:chOff x="6617844" y="5278449"/>
             <a:chExt cx="4849492" cy="335150"/>
           </a:xfrm>
@@ -16498,9 +16670,9 @@
         <p:grpSpPr>
           <a:xfrm>
             <a:off x="8209280" y="4140200"/>
-            <a:ext cx="1523998" cy="472440"/>
+            <a:ext cx="1778000" cy="472440"/>
             <a:chOff x="8209280" y="4140200"/>
-            <a:chExt cx="1523998" cy="472440"/>
+            <a:chExt cx="1778000" cy="472440"/>
           </a:xfrm>
         </p:grpSpPr>
         <p:cxnSp>
@@ -16561,7 +16733,7 @@
           <p:spPr>
             <a:xfrm>
               <a:off x="8280399" y="4226560"/>
-              <a:ext cx="1452879" cy="369332"/>
+              <a:ext cx="1706881" cy="369332"/>
             </a:xfrm>
             <a:prstGeom prst="rect">
               <a:avLst/>
@@ -16576,7 +16748,7 @@
             <a:p>
               <a:r>
                 <a:rPr lang="en-GB" dirty="0"/>
-                <a:t>~7x slower</a:t>
+                <a:t>~5.3x slower</a:t>
               </a:r>
             </a:p>
           </p:txBody>

--- a/Practical examples of accelerating numerical and ML research.pptx
+++ b/Practical examples of accelerating numerical and ML research.pptx
@@ -127,7 +127,23 @@
       </a:defRPr>
     </a:lvl9pPr>
   </p:defaultTextStyle>
+  <p:extLst>
+    <p:ext uri="{EFAFB233-063F-42B5-8137-9DF3F51BA10A}">
+      <p15:sldGuideLst xmlns:p15="http://schemas.microsoft.com/office/powerpoint/2012/main"/>
+    </p:ext>
+    <p:ext uri="{2D200454-40CA-4A62-9FC3-DE9A4176ACB9}">
+      <p15:notesGuideLst xmlns:p15="http://schemas.microsoft.com/office/powerpoint/2012/main"/>
+    </p:ext>
+  </p:extLst>
 </p:presentation>
+</file>
+
+<file path=ppt/revisionInfo.xml><?xml version="1.0" encoding="utf-8"?>
+<p1510:revInfo xmlns:a="http://schemas.openxmlformats.org/drawingml/2006/main" xmlns:r="http://schemas.openxmlformats.org/officeDocument/2006/relationships" xmlns:p1510="http://schemas.microsoft.com/office/powerpoint/2015/10/main">
+  <p1510:revLst>
+    <p1510:client id="{71B39BCA-F173-4738-92BF-7843DCAEDF30}" v="16" dt="2022-09-07T10:20:26.851"/>
+  </p1510:revLst>
+</p1510:revInfo>
 </file>
 
 <file path=ppt/notesMasters/notesMaster1.xml><?xml version="1.0" encoding="utf-8"?>
@@ -212,7 +228,7 @@
           <a:p>
             <a:fld id="{7EDF99C9-8D42-4C02-BDD0-E43532D6B89F}" type="datetimeFigureOut">
               <a:rPr lang="en-GB" smtClean="0"/>
-              <a:t>06/09/2022</a:t>
+              <a:t>07/09/2022</a:t>
             </a:fld>
             <a:endParaRPr lang="en-GB"/>
           </a:p>
@@ -931,7 +947,7 @@
           <a:p>
             <a:fld id="{92538219-6E45-4D12-B767-46F92D5844D4}" type="datetime1">
               <a:rPr lang="en-US" smtClean="0"/>
-              <a:t>9/6/2022</a:t>
+              <a:t>9/7/2022</a:t>
             </a:fld>
             <a:endParaRPr lang="en-US"/>
           </a:p>
@@ -1129,7 +1145,7 @@
           <a:p>
             <a:fld id="{836430B8-6059-41E5-A5DC-C07A76F5859A}" type="datetime1">
               <a:rPr lang="en-US" smtClean="0"/>
-              <a:t>9/6/2022</a:t>
+              <a:t>9/7/2022</a:t>
             </a:fld>
             <a:endParaRPr lang="en-US"/>
           </a:p>
@@ -1391,7 +1407,7 @@
           <a:p>
             <a:fld id="{A09D0CB7-D16E-4358-B7F4-EA4A24554592}" type="datetime1">
               <a:rPr lang="en-US" smtClean="0"/>
-              <a:t>9/6/2022</a:t>
+              <a:t>9/7/2022</a:t>
             </a:fld>
             <a:endParaRPr lang="en-US"/>
           </a:p>
@@ -1607,7 +1623,7 @@
           <a:p>
             <a:fld id="{8BB296A2-D8F0-4E17-BFD0-A6C902250D59}" type="datetime1">
               <a:rPr lang="en-US" smtClean="0"/>
-              <a:t>9/6/2022</a:t>
+              <a:t>9/7/2022</a:t>
             </a:fld>
             <a:endParaRPr lang="en-US"/>
           </a:p>
@@ -1937,7 +1953,7 @@
           <a:p>
             <a:fld id="{D9108C9C-1ACB-4C84-A002-C7E0E45B937A}" type="datetime1">
               <a:rPr lang="en-US" smtClean="0"/>
-              <a:t>9/6/2022</a:t>
+              <a:t>9/7/2022</a:t>
             </a:fld>
             <a:endParaRPr lang="en-US"/>
           </a:p>
@@ -2210,7 +2226,7 @@
           <a:p>
             <a:fld id="{F49AF2A5-B297-4977-9E5B-4D3050E23689}" type="datetime1">
               <a:rPr lang="en-US" smtClean="0"/>
-              <a:t>9/6/2022</a:t>
+              <a:t>9/7/2022</a:t>
             </a:fld>
             <a:endParaRPr lang="en-US"/>
           </a:p>
@@ -2625,7 +2641,7 @@
           <a:p>
             <a:fld id="{70127434-4794-409A-9547-04789BA47588}" type="datetime1">
               <a:rPr lang="en-US" smtClean="0"/>
-              <a:t>9/6/2022</a:t>
+              <a:t>9/7/2022</a:t>
             </a:fld>
             <a:endParaRPr lang="en-US"/>
           </a:p>
@@ -2766,7 +2782,7 @@
           <a:p>
             <a:fld id="{85658635-357A-4E3D-B824-A5CEFDB8449C}" type="datetime1">
               <a:rPr lang="en-US" smtClean="0"/>
-              <a:t>9/6/2022</a:t>
+              <a:t>9/7/2022</a:t>
             </a:fld>
             <a:endParaRPr lang="en-US"/>
           </a:p>
@@ -2879,7 +2895,7 @@
           <a:p>
             <a:fld id="{7E86FF77-2719-4AD0-8740-0B90FF5D1EFB}" type="datetime1">
               <a:rPr lang="en-US" smtClean="0"/>
-              <a:t>9/6/2022</a:t>
+              <a:t>9/7/2022</a:t>
             </a:fld>
             <a:endParaRPr lang="en-US"/>
           </a:p>
@@ -3375,7 +3391,7 @@
           <a:p>
             <a:fld id="{6E441C83-1089-48B9-8B65-293D4C236D35}" type="datetime1">
               <a:rPr lang="en-US" smtClean="0"/>
-              <a:t>9/6/2022</a:t>
+              <a:t>9/7/2022</a:t>
             </a:fld>
             <a:endParaRPr lang="en-US"/>
           </a:p>
@@ -3851,7 +3867,7 @@
           <a:p>
             <a:fld id="{D162FE45-CC1E-47DB-8B82-6CF0636FBDB8}" type="datetime1">
               <a:rPr lang="en-US" smtClean="0"/>
-              <a:t>9/6/2022</a:t>
+              <a:t>9/7/2022</a:t>
             </a:fld>
             <a:endParaRPr lang="en-US"/>
           </a:p>
@@ -4146,7 +4162,7 @@
           <a:p>
             <a:fld id="{51FC8E16-3C03-4238-9C6F-B34F3D10F77E}" type="datetime1">
               <a:rPr lang="en-US" smtClean="0"/>
-              <a:t>9/6/2022</a:t>
+              <a:t>9/7/2022</a:t>
             </a:fld>
             <a:endParaRPr lang="en-US" dirty="0"/>
           </a:p>
@@ -5573,8 +5589,8 @@
           </a:p>
         </p:txBody>
       </p:sp>
-      <mc:AlternateContent xmlns:mc="http://schemas.openxmlformats.org/markup-compatibility/2006">
-        <mc:Choice xmlns:a14="http://schemas.microsoft.com/office/drawing/2010/main" Requires="a14">
+      <mc:AlternateContent xmlns:mc="http://schemas.openxmlformats.org/markup-compatibility/2006" xmlns:a14="http://schemas.microsoft.com/office/drawing/2010/main">
+        <mc:Choice Requires="a14">
           <p:sp>
             <p:nvSpPr>
               <p:cNvPr id="8" name="TextBox 7">
@@ -5669,7 +5685,7 @@
             </p:txBody>
           </p:sp>
         </mc:Choice>
-        <mc:Fallback>
+        <mc:Fallback xmlns="">
           <p:sp>
             <p:nvSpPr>
               <p:cNvPr id="8" name="TextBox 7">
@@ -5759,13 +5775,13 @@
   <p:clrMapOvr>
     <a:masterClrMapping/>
   </p:clrMapOvr>
-  <mc:AlternateContent xmlns:mc="http://schemas.openxmlformats.org/markup-compatibility/2006">
-    <mc:Choice xmlns:p14="http://schemas.microsoft.com/office/powerpoint/2010/main" Requires="p14">
+  <mc:AlternateContent xmlns:mc="http://schemas.openxmlformats.org/markup-compatibility/2006" xmlns:p14="http://schemas.microsoft.com/office/powerpoint/2010/main">
+    <mc:Choice Requires="p14">
       <p:transition p14:dur="250">
         <p:fade/>
       </p:transition>
     </mc:Choice>
-    <mc:Fallback>
+    <mc:Fallback xmlns="">
       <p:transition>
         <p:fade/>
       </p:transition>
@@ -6175,8 +6191,8 @@
             </p:txBody>
           </p:sp>
         </p:grpSp>
-        <mc:AlternateContent xmlns:mc="http://schemas.openxmlformats.org/markup-compatibility/2006">
-          <mc:Choice xmlns:a14="http://schemas.microsoft.com/office/drawing/2010/main" Requires="a14">
+        <mc:AlternateContent xmlns:mc="http://schemas.openxmlformats.org/markup-compatibility/2006" xmlns:a14="http://schemas.microsoft.com/office/drawing/2010/main">
+          <mc:Choice Requires="a14">
             <p:sp>
               <p:nvSpPr>
                 <p:cNvPr id="12" name="TextBox 11">
@@ -6205,6 +6221,7 @@
                 </a:bodyPr>
                 <a:lstStyle/>
                 <a:p>
+                  <a:pPr/>
                   <a14:m>
                     <m:oMathPara xmlns:m="http://schemas.openxmlformats.org/officeDocument/2006/math">
                       <m:oMathParaPr>
@@ -6226,7 +6243,7 @@
               </p:txBody>
             </p:sp>
           </mc:Choice>
-          <mc:Fallback>
+          <mc:Fallback xmlns="">
             <p:sp>
               <p:nvSpPr>
                 <p:cNvPr id="12" name="TextBox 11">
@@ -6466,8 +6483,8 @@
             </a:p>
           </p:txBody>
         </p:sp>
-        <mc:AlternateContent xmlns:mc="http://schemas.openxmlformats.org/markup-compatibility/2006">
-          <mc:Choice xmlns:a14="http://schemas.microsoft.com/office/drawing/2010/main" Requires="a14">
+        <mc:AlternateContent xmlns:mc="http://schemas.openxmlformats.org/markup-compatibility/2006" xmlns:a14="http://schemas.microsoft.com/office/drawing/2010/main">
+          <mc:Choice Requires="a14">
             <p:sp>
               <p:nvSpPr>
                 <p:cNvPr id="20" name="TextBox 19">
@@ -6534,7 +6551,7 @@
               </p:txBody>
             </p:sp>
           </mc:Choice>
-          <mc:Fallback>
+          <mc:Fallback xmlns="">
             <p:sp>
               <p:nvSpPr>
                 <p:cNvPr id="20" name="TextBox 19">
@@ -9866,8 +9883,8 @@
             </p:txBody>
           </p:sp>
         </p:grpSp>
-        <mc:AlternateContent xmlns:mc="http://schemas.openxmlformats.org/markup-compatibility/2006">
-          <mc:Choice xmlns:a14="http://schemas.microsoft.com/office/drawing/2010/main" Requires="a14">
+        <mc:AlternateContent xmlns:mc="http://schemas.openxmlformats.org/markup-compatibility/2006" xmlns:a14="http://schemas.microsoft.com/office/drawing/2010/main">
+          <mc:Choice Requires="a14">
             <p:sp>
               <p:nvSpPr>
                 <p:cNvPr id="34" name="TextBox 33">
@@ -9896,6 +9913,7 @@
                 </a:bodyPr>
                 <a:lstStyle/>
                 <a:p>
+                  <a:pPr/>
                   <a14:m>
                     <m:oMathPara xmlns:m="http://schemas.openxmlformats.org/officeDocument/2006/math">
                       <m:oMathParaPr>
@@ -9917,7 +9935,7 @@
               </p:txBody>
             </p:sp>
           </mc:Choice>
-          <mc:Fallback>
+          <mc:Fallback xmlns="">
             <p:sp>
               <p:nvSpPr>
                 <p:cNvPr id="34" name="TextBox 33">
@@ -10157,8 +10175,8 @@
             </a:p>
           </p:txBody>
         </p:sp>
-        <mc:AlternateContent xmlns:mc="http://schemas.openxmlformats.org/markup-compatibility/2006">
-          <mc:Choice xmlns:a14="http://schemas.microsoft.com/office/drawing/2010/main" Requires="a14">
+        <mc:AlternateContent xmlns:mc="http://schemas.openxmlformats.org/markup-compatibility/2006" xmlns:a14="http://schemas.microsoft.com/office/drawing/2010/main">
+          <mc:Choice Requires="a14">
             <p:sp>
               <p:nvSpPr>
                 <p:cNvPr id="41" name="TextBox 40">
@@ -10225,7 +10243,7 @@
               </p:txBody>
             </p:sp>
           </mc:Choice>
-          <mc:Fallback>
+          <mc:Fallback xmlns="">
             <p:sp>
               <p:nvSpPr>
                 <p:cNvPr id="41" name="TextBox 40">
@@ -12988,8 +13006,8 @@
           </a:p>
         </p:txBody>
       </p:sp>
-      <mc:AlternateContent xmlns:mc="http://schemas.openxmlformats.org/markup-compatibility/2006">
-        <mc:Choice xmlns:a14="http://schemas.microsoft.com/office/drawing/2010/main" Requires="a14">
+      <mc:AlternateContent xmlns:mc="http://schemas.openxmlformats.org/markup-compatibility/2006" xmlns:a14="http://schemas.microsoft.com/office/drawing/2010/main">
+        <mc:Choice Requires="a14">
           <p:sp>
             <p:nvSpPr>
               <p:cNvPr id="9" name="Content Placeholder 8">
@@ -13079,7 +13097,7 @@
             </p:txBody>
           </p:sp>
         </mc:Choice>
-        <mc:Fallback>
+        <mc:Fallback xmlns="">
           <p:sp>
             <p:nvSpPr>
               <p:cNvPr id="9" name="Content Placeholder 8">
@@ -13348,6 +13366,36 @@
           </p:sp>
         </p:grpSp>
       </p:grpSp>
+      <p:pic>
+        <p:nvPicPr>
+          <p:cNvPr id="4" name="Picture 5" descr="Chart&#10;&#10;Description automatically generated">
+            <a:extLst>
+              <a:ext uri="{FF2B5EF4-FFF2-40B4-BE49-F238E27FC236}">
+                <a16:creationId xmlns:a16="http://schemas.microsoft.com/office/drawing/2014/main" id="{58BA91B5-0BCF-70CB-6A7F-6803DF396CD3}"/>
+              </a:ext>
+            </a:extLst>
+          </p:cNvPr>
+          <p:cNvPicPr>
+            <a:picLocks noChangeAspect="1"/>
+          </p:cNvPicPr>
+          <p:nvPr/>
+        </p:nvPicPr>
+        <p:blipFill>
+          <a:blip r:embed="rId6"/>
+          <a:stretch>
+            <a:fillRect/>
+          </a:stretch>
+        </p:blipFill>
+        <p:spPr>
+          <a:xfrm>
+            <a:off x="6457950" y="190500"/>
+            <a:ext cx="5105400" cy="3400425"/>
+          </a:xfrm>
+          <a:prstGeom prst="rect">
+            <a:avLst/>
+          </a:prstGeom>
+        </p:spPr>
+      </p:pic>
     </p:spTree>
     <p:extLst>
       <p:ext uri="{BB962C8B-B14F-4D97-AF65-F5344CB8AC3E}">
@@ -13506,11 +13554,7 @@
                                           </p:stCondLst>
                                         </p:cTn>
                                         <p:tgtEl>
-                                          <p:spTgt spid="9">
-                                            <p:txEl>
-                                              <p:pRg st="1" end="1"/>
-                                            </p:txEl>
-                                          </p:spTgt>
+                                          <p:spTgt spid="4"/>
                                         </p:tgtEl>
                                         <p:attrNameLst>
                                           <p:attrName>style.visibility</p:attrName>
@@ -13524,11 +13568,7 @@
                                       <p:cBhvr>
                                         <p:cTn id="17" dur="500"/>
                                         <p:tgtEl>
-                                          <p:spTgt spid="9">
-                                            <p:txEl>
-                                              <p:pRg st="1" end="1"/>
-                                            </p:txEl>
-                                          </p:spTgt>
+                                          <p:spTgt spid="4"/>
                                         </p:tgtEl>
                                       </p:cBhvr>
                                     </p:animEffect>
@@ -13567,7 +13607,11 @@
                                           </p:stCondLst>
                                         </p:cTn>
                                         <p:tgtEl>
-                                          <p:spTgt spid="7"/>
+                                          <p:spTgt spid="9">
+                                            <p:txEl>
+                                              <p:pRg st="1" end="1"/>
+                                            </p:txEl>
+                                          </p:spTgt>
                                         </p:tgtEl>
                                         <p:attrNameLst>
                                           <p:attrName>style.visibility</p:attrName>
@@ -13581,7 +13625,11 @@
                                       <p:cBhvr>
                                         <p:cTn id="22" dur="500"/>
                                         <p:tgtEl>
-                                          <p:spTgt spid="7"/>
+                                          <p:spTgt spid="9">
+                                            <p:txEl>
+                                              <p:pRg st="1" end="1"/>
+                                            </p:txEl>
+                                          </p:spTgt>
                                         </p:tgtEl>
                                       </p:cBhvr>
                                     </p:animEffect>
@@ -13620,11 +13668,7 @@
                                           </p:stCondLst>
                                         </p:cTn>
                                         <p:tgtEl>
-                                          <p:spTgt spid="9">
-                                            <p:txEl>
-                                              <p:pRg st="2" end="2"/>
-                                            </p:txEl>
-                                          </p:spTgt>
+                                          <p:spTgt spid="7"/>
                                         </p:tgtEl>
                                         <p:attrNameLst>
                                           <p:attrName>style.visibility</p:attrName>
@@ -13638,11 +13682,7 @@
                                       <p:cBhvr>
                                         <p:cTn id="27" dur="500"/>
                                         <p:tgtEl>
-                                          <p:spTgt spid="9">
-                                            <p:txEl>
-                                              <p:pRg st="2" end="2"/>
-                                            </p:txEl>
-                                          </p:spTgt>
+                                          <p:spTgt spid="7"/>
                                         </p:tgtEl>
                                       </p:cBhvr>
                                     </p:animEffect>
@@ -13668,14 +13708,75 @@
                             </p:stCondLst>
                             <p:childTnLst>
                               <p:par>
-                                <p:cTn id="30" presetID="10" presetClass="exit" presetSubtype="0" fill="hold" nodeType="clickEffect">
+                                <p:cTn id="30" presetID="10" presetClass="entr" presetSubtype="0" fill="hold" nodeType="clickEffect">
+                                  <p:stCondLst>
+                                    <p:cond delay="0"/>
+                                  </p:stCondLst>
+                                  <p:childTnLst>
+                                    <p:set>
+                                      <p:cBhvr>
+                                        <p:cTn id="31" dur="1" fill="hold">
+                                          <p:stCondLst>
+                                            <p:cond delay="0"/>
+                                          </p:stCondLst>
+                                        </p:cTn>
+                                        <p:tgtEl>
+                                          <p:spTgt spid="9">
+                                            <p:txEl>
+                                              <p:pRg st="2" end="2"/>
+                                            </p:txEl>
+                                          </p:spTgt>
+                                        </p:tgtEl>
+                                        <p:attrNameLst>
+                                          <p:attrName>style.visibility</p:attrName>
+                                        </p:attrNameLst>
+                                      </p:cBhvr>
+                                      <p:to>
+                                        <p:strVal val="visible"/>
+                                      </p:to>
+                                    </p:set>
+                                    <p:animEffect transition="in" filter="fade">
+                                      <p:cBhvr>
+                                        <p:cTn id="32" dur="500"/>
+                                        <p:tgtEl>
+                                          <p:spTgt spid="9">
+                                            <p:txEl>
+                                              <p:pRg st="2" end="2"/>
+                                            </p:txEl>
+                                          </p:spTgt>
+                                        </p:tgtEl>
+                                      </p:cBhvr>
+                                    </p:animEffect>
+                                  </p:childTnLst>
+                                </p:cTn>
+                              </p:par>
+                            </p:childTnLst>
+                          </p:cTn>
+                        </p:par>
+                      </p:childTnLst>
+                    </p:cTn>
+                  </p:par>
+                  <p:par>
+                    <p:cTn id="33" fill="hold">
+                      <p:stCondLst>
+                        <p:cond delay="indefinite"/>
+                      </p:stCondLst>
+                      <p:childTnLst>
+                        <p:par>
+                          <p:cTn id="34" fill="hold">
+                            <p:stCondLst>
+                              <p:cond delay="0"/>
+                            </p:stCondLst>
+                            <p:childTnLst>
+                              <p:par>
+                                <p:cTn id="35" presetID="10" presetClass="exit" presetSubtype="0" fill="hold" nodeType="clickEffect">
                                   <p:stCondLst>
                                     <p:cond delay="0"/>
                                   </p:stCondLst>
                                   <p:childTnLst>
                                     <p:animEffect transition="out" filter="fade">
                                       <p:cBhvr>
-                                        <p:cTn id="31" dur="250"/>
+                                        <p:cTn id="36" dur="250"/>
                                         <p:tgtEl>
                                           <p:spTgt spid="7"/>
                                         </p:tgtEl>
@@ -13683,7 +13784,7 @@
                                     </p:animEffect>
                                     <p:set>
                                       <p:cBhvr>
-                                        <p:cTn id="32" dur="1" fill="hold">
+                                        <p:cTn id="37" dur="1" fill="hold">
                                           <p:stCondLst>
                                             <p:cond delay="249"/>
                                           </p:stCondLst>
@@ -13706,20 +13807,20 @@
                           </p:cTn>
                         </p:par>
                         <p:par>
-                          <p:cTn id="33" fill="hold">
+                          <p:cTn id="38" fill="hold">
                             <p:stCondLst>
                               <p:cond delay="250"/>
                             </p:stCondLst>
                             <p:childTnLst>
                               <p:par>
-                                <p:cTn id="34" presetID="10" presetClass="entr" presetSubtype="0" fill="hold" nodeType="afterEffect">
+                                <p:cTn id="39" presetID="10" presetClass="entr" presetSubtype="0" fill="hold" nodeType="afterEffect">
                                   <p:stCondLst>
                                     <p:cond delay="0"/>
                                   </p:stCondLst>
                                   <p:childTnLst>
                                     <p:set>
                                       <p:cBhvr>
-                                        <p:cTn id="35" dur="1" fill="hold">
+                                        <p:cTn id="40" dur="1" fill="hold">
                                           <p:stCondLst>
                                             <p:cond delay="0"/>
                                           </p:stCondLst>
@@ -13737,7 +13838,7 @@
                                     </p:set>
                                     <p:animEffect transition="in" filter="fade">
                                       <p:cBhvr>
-                                        <p:cTn id="36" dur="250"/>
+                                        <p:cTn id="41" dur="250"/>
                                         <p:tgtEl>
                                           <p:spTgt spid="19"/>
                                         </p:tgtEl>
@@ -16005,8 +16106,8 @@
             </p:txBody>
           </p:sp>
         </p:grpSp>
-        <mc:AlternateContent xmlns:mc="http://schemas.openxmlformats.org/markup-compatibility/2006">
-          <mc:Choice xmlns:a14="http://schemas.microsoft.com/office/drawing/2010/main" Requires="a14">
+        <mc:AlternateContent xmlns:mc="http://schemas.openxmlformats.org/markup-compatibility/2006" xmlns:a14="http://schemas.microsoft.com/office/drawing/2010/main">
+          <mc:Choice Requires="a14">
             <p:sp>
               <p:nvSpPr>
                 <p:cNvPr id="9" name="TextBox 8">
@@ -16035,6 +16136,7 @@
                 </a:bodyPr>
                 <a:lstStyle/>
                 <a:p>
+                  <a:pPr/>
                   <a14:m>
                     <m:oMathPara xmlns:m="http://schemas.openxmlformats.org/officeDocument/2006/math">
                       <m:oMathParaPr>
@@ -16056,7 +16158,7 @@
               </p:txBody>
             </p:sp>
           </mc:Choice>
-          <mc:Fallback>
+          <mc:Fallback xmlns="">
             <p:sp>
               <p:nvSpPr>
                 <p:cNvPr id="9" name="TextBox 8">
@@ -16764,13 +16866,13 @@
   <p:clrMapOvr>
     <a:masterClrMapping/>
   </p:clrMapOvr>
-  <mc:AlternateContent xmlns:mc="http://schemas.openxmlformats.org/markup-compatibility/2006">
-    <mc:Choice xmlns:p14="http://schemas.microsoft.com/office/powerpoint/2010/main" Requires="p14">
+  <mc:AlternateContent xmlns:mc="http://schemas.openxmlformats.org/markup-compatibility/2006" xmlns:p14="http://schemas.microsoft.com/office/powerpoint/2010/main">
+    <mc:Choice Requires="p14">
       <p:transition p14:dur="250">
         <p:fade/>
       </p:transition>
     </mc:Choice>
-    <mc:Fallback>
+    <mc:Fallback xmlns="">
       <p:transition>
         <p:fade/>
       </p:transition>
